--- a/Slides/Oracle DB & SQL Developer - Bolum II.pptx
+++ b/Slides/Oracle DB & SQL Developer - Bolum II.pptx
@@ -8,6 +8,12 @@
     <p:sldId id="256" r:id="rId2"/>
     <p:sldId id="257" r:id="rId3"/>
     <p:sldId id="259" r:id="rId4"/>
+    <p:sldId id="260" r:id="rId5"/>
+    <p:sldId id="261" r:id="rId6"/>
+    <p:sldId id="262" r:id="rId7"/>
+    <p:sldId id="263" r:id="rId8"/>
+    <p:sldId id="264" r:id="rId9"/>
+    <p:sldId id="265" r:id="rId10"/>
   </p:sldIdLst>
   <p:sldSz cx="12192000" cy="6858000"/>
   <p:notesSz cx="6858000" cy="9144000"/>
@@ -3428,24 +3434,24 @@
           </a:bodyPr>
           <a:lstStyle/>
           <a:p>
-            <a:endParaRPr lang="tr-TR" dirty="0"/>
-          </a:p>
-          <a:p>
-            <a:endParaRPr lang="tr-TR" dirty="0"/>
-          </a:p>
-          <a:p>
-            <a:r>
-              <a:rPr lang="en-US" dirty="0"/>
+            <a:endParaRPr lang="tr-TR" b="1" dirty="0"/>
+          </a:p>
+          <a:p>
+            <a:endParaRPr lang="tr-TR" b="1" dirty="0"/>
+          </a:p>
+          <a:p>
+            <a:r>
+              <a:rPr lang="en-US" b="1" dirty="0"/>
               <a:t>Dr. </a:t>
             </a:r>
             <a:r>
-              <a:rPr lang="tr-TR" dirty="0"/>
+              <a:rPr lang="tr-TR" b="1" dirty="0"/>
               <a:t>Öğr. Üyesi Sevdanur GENÇ</a:t>
             </a:r>
           </a:p>
           <a:p>
             <a:r>
-              <a:rPr lang="en-US" sz="1800" dirty="0"/>
+              <a:rPr lang="en-US" sz="1800" b="1" dirty="0"/>
               <a:t>sgenc@kastamonu.edu.tr</a:t>
             </a:r>
           </a:p>
@@ -3539,6 +3545,61 @@
           <a:bodyPr/>
           <a:lstStyle/>
           <a:p>
+            <a:r>
+              <a:rPr lang="en-US" dirty="0" err="1"/>
+              <a:t>Örnek</a:t>
+            </a:r>
+            <a:r>
+              <a:rPr lang="en-US" dirty="0"/>
+              <a:t> </a:t>
+            </a:r>
+            <a:r>
+              <a:rPr lang="en-US" dirty="0" err="1"/>
+              <a:t>Veritabanın</a:t>
+            </a:r>
+            <a:r>
+              <a:rPr lang="en-US" dirty="0"/>
+              <a:t> SQL </a:t>
+            </a:r>
+            <a:r>
+              <a:rPr lang="en-US" dirty="0" err="1"/>
+              <a:t>Kodları</a:t>
+            </a:r>
+            <a:r>
+              <a:rPr lang="en-US" dirty="0"/>
+              <a:t> </a:t>
+            </a:r>
+            <a:endParaRPr lang="tr-TR" dirty="0"/>
+          </a:p>
+          <a:p>
+            <a:r>
+              <a:rPr lang="en-US" dirty="0" err="1"/>
+              <a:t>Örnek</a:t>
+            </a:r>
+            <a:r>
+              <a:rPr lang="en-US" dirty="0"/>
+              <a:t> </a:t>
+            </a:r>
+            <a:r>
+              <a:rPr lang="en-US" dirty="0" err="1"/>
+              <a:t>Veritabanının</a:t>
+            </a:r>
+            <a:r>
+              <a:rPr lang="en-US" dirty="0"/>
+              <a:t> </a:t>
+            </a:r>
+            <a:r>
+              <a:rPr lang="en-US" dirty="0" err="1"/>
+              <a:t>İlişkisel</a:t>
+            </a:r>
+            <a:r>
+              <a:rPr lang="en-US" dirty="0"/>
+              <a:t> </a:t>
+            </a:r>
+            <a:r>
+              <a:rPr lang="en-US" dirty="0" err="1"/>
+              <a:t>Diyagramı</a:t>
+            </a:r>
             <a:endParaRPr lang="en-US" dirty="0"/>
           </a:p>
         </p:txBody>
@@ -3573,60 +3634,520 @@
           <a:chExt cx="0" cy="0"/>
         </a:xfrm>
       </p:grpSpPr>
-      <p:sp>
-        <p:nvSpPr>
-          <p:cNvPr id="2" name="Title 1">
-            <a:extLst>
-              <a:ext uri="{FF2B5EF4-FFF2-40B4-BE49-F238E27FC236}">
-                <a16:creationId xmlns:a16="http://schemas.microsoft.com/office/drawing/2014/main" id="{26B01100-1079-255C-2097-0B95D205303A}"/>
-              </a:ext>
-            </a:extLst>
-          </p:cNvPr>
-          <p:cNvSpPr>
-            <a:spLocks noGrp="1"/>
-          </p:cNvSpPr>
-          <p:nvPr>
-            <p:ph type="title"/>
-          </p:nvPr>
-        </p:nvSpPr>
-        <p:spPr/>
-        <p:txBody>
-          <a:bodyPr/>
-          <a:lstStyle/>
-          <a:p>
-            <a:endParaRPr lang="en-US"/>
-          </a:p>
-        </p:txBody>
-      </p:sp>
-      <p:sp>
-        <p:nvSpPr>
-          <p:cNvPr id="3" name="Content Placeholder 2">
-            <a:extLst>
-              <a:ext uri="{FF2B5EF4-FFF2-40B4-BE49-F238E27FC236}">
-                <a16:creationId xmlns:a16="http://schemas.microsoft.com/office/drawing/2014/main" id="{D9AC62C8-7C40-8A70-06D0-2C08B773CC41}"/>
-              </a:ext>
-            </a:extLst>
-          </p:cNvPr>
-          <p:cNvSpPr>
-            <a:spLocks noGrp="1"/>
-          </p:cNvSpPr>
-          <p:nvPr>
-            <p:ph idx="1"/>
-          </p:nvPr>
-        </p:nvSpPr>
-        <p:spPr/>
-        <p:txBody>
-          <a:bodyPr/>
-          <a:lstStyle/>
-          <a:p>
-            <a:endParaRPr lang="en-US"/>
-          </a:p>
-        </p:txBody>
-      </p:sp>
+      <p:pic>
+        <p:nvPicPr>
+          <p:cNvPr id="5" name="Picture 4">
+            <a:extLst>
+              <a:ext uri="{FF2B5EF4-FFF2-40B4-BE49-F238E27FC236}">
+                <a16:creationId xmlns:a16="http://schemas.microsoft.com/office/drawing/2014/main" id="{9228E0B4-540A-E815-D297-92FB56FCFAD6}"/>
+              </a:ext>
+            </a:extLst>
+          </p:cNvPr>
+          <p:cNvPicPr>
+            <a:picLocks noChangeAspect="1"/>
+          </p:cNvPicPr>
+          <p:nvPr/>
+        </p:nvPicPr>
+        <p:blipFill>
+          <a:blip r:embed="rId2"/>
+          <a:stretch>
+            <a:fillRect/>
+          </a:stretch>
+        </p:blipFill>
+        <p:spPr>
+          <a:xfrm>
+            <a:off x="910202" y="651011"/>
+            <a:ext cx="10536095" cy="5555978"/>
+          </a:xfrm>
+          <a:prstGeom prst="rect">
+            <a:avLst/>
+          </a:prstGeom>
+        </p:spPr>
+      </p:pic>
     </p:spTree>
     <p:extLst>
       <p:ext uri="{BB962C8B-B14F-4D97-AF65-F5344CB8AC3E}">
         <p14:creationId xmlns:p14="http://schemas.microsoft.com/office/powerpoint/2010/main" val="1197497730"/>
+      </p:ext>
+    </p:extLst>
+  </p:cSld>
+  <p:clrMapOvr>
+    <a:masterClrMapping/>
+  </p:clrMapOvr>
+</p:sld>
+</file>
+
+<file path=ppt/slides/slide4.xml><?xml version="1.0" encoding="utf-8"?>
+<p:sld xmlns:a="http://schemas.openxmlformats.org/drawingml/2006/main" xmlns:r="http://schemas.openxmlformats.org/officeDocument/2006/relationships" xmlns:p="http://schemas.openxmlformats.org/presentationml/2006/main">
+  <p:cSld>
+    <p:spTree>
+      <p:nvGrpSpPr>
+        <p:cNvPr id="1" name=""/>
+        <p:cNvGrpSpPr/>
+        <p:nvPr/>
+      </p:nvGrpSpPr>
+      <p:grpSpPr>
+        <a:xfrm>
+          <a:off x="0" y="0"/>
+          <a:ext cx="0" cy="0"/>
+          <a:chOff x="0" y="0"/>
+          <a:chExt cx="0" cy="0"/>
+        </a:xfrm>
+      </p:grpSpPr>
+      <p:sp>
+        <p:nvSpPr>
+          <p:cNvPr id="2" name="Title 1">
+            <a:extLst>
+              <a:ext uri="{FF2B5EF4-FFF2-40B4-BE49-F238E27FC236}">
+                <a16:creationId xmlns:a16="http://schemas.microsoft.com/office/drawing/2014/main" id="{3C06D0D8-68DF-E69F-4B4F-FDE7137BAD94}"/>
+              </a:ext>
+            </a:extLst>
+          </p:cNvPr>
+          <p:cNvSpPr>
+            <a:spLocks noGrp="1"/>
+          </p:cNvSpPr>
+          <p:nvPr>
+            <p:ph type="title"/>
+          </p:nvPr>
+        </p:nvSpPr>
+        <p:spPr/>
+        <p:txBody>
+          <a:bodyPr/>
+          <a:lstStyle/>
+          <a:p>
+            <a:endParaRPr lang="en-US"/>
+          </a:p>
+        </p:txBody>
+      </p:sp>
+      <p:sp>
+        <p:nvSpPr>
+          <p:cNvPr id="3" name="Content Placeholder 2">
+            <a:extLst>
+              <a:ext uri="{FF2B5EF4-FFF2-40B4-BE49-F238E27FC236}">
+                <a16:creationId xmlns:a16="http://schemas.microsoft.com/office/drawing/2014/main" id="{14A0B941-5DB4-1E22-A993-2C681300830A}"/>
+              </a:ext>
+            </a:extLst>
+          </p:cNvPr>
+          <p:cNvSpPr>
+            <a:spLocks noGrp="1"/>
+          </p:cNvSpPr>
+          <p:nvPr>
+            <p:ph idx="1"/>
+          </p:nvPr>
+        </p:nvSpPr>
+        <p:spPr/>
+        <p:txBody>
+          <a:bodyPr/>
+          <a:lstStyle/>
+          <a:p>
+            <a:endParaRPr lang="en-US"/>
+          </a:p>
+        </p:txBody>
+      </p:sp>
+    </p:spTree>
+    <p:extLst>
+      <p:ext uri="{BB962C8B-B14F-4D97-AF65-F5344CB8AC3E}">
+        <p14:creationId xmlns:p14="http://schemas.microsoft.com/office/powerpoint/2010/main" val="3728699930"/>
+      </p:ext>
+    </p:extLst>
+  </p:cSld>
+  <p:clrMapOvr>
+    <a:masterClrMapping/>
+  </p:clrMapOvr>
+</p:sld>
+</file>
+
+<file path=ppt/slides/slide5.xml><?xml version="1.0" encoding="utf-8"?>
+<p:sld xmlns:a="http://schemas.openxmlformats.org/drawingml/2006/main" xmlns:r="http://schemas.openxmlformats.org/officeDocument/2006/relationships" xmlns:p="http://schemas.openxmlformats.org/presentationml/2006/main">
+  <p:cSld>
+    <p:spTree>
+      <p:nvGrpSpPr>
+        <p:cNvPr id="1" name=""/>
+        <p:cNvGrpSpPr/>
+        <p:nvPr/>
+      </p:nvGrpSpPr>
+      <p:grpSpPr>
+        <a:xfrm>
+          <a:off x="0" y="0"/>
+          <a:ext cx="0" cy="0"/>
+          <a:chOff x="0" y="0"/>
+          <a:chExt cx="0" cy="0"/>
+        </a:xfrm>
+      </p:grpSpPr>
+      <p:sp>
+        <p:nvSpPr>
+          <p:cNvPr id="2" name="Title 1">
+            <a:extLst>
+              <a:ext uri="{FF2B5EF4-FFF2-40B4-BE49-F238E27FC236}">
+                <a16:creationId xmlns:a16="http://schemas.microsoft.com/office/drawing/2014/main" id="{ABBF7A61-E0D5-B9BA-19A6-9F616BE396FE}"/>
+              </a:ext>
+            </a:extLst>
+          </p:cNvPr>
+          <p:cNvSpPr>
+            <a:spLocks noGrp="1"/>
+          </p:cNvSpPr>
+          <p:nvPr>
+            <p:ph type="title"/>
+          </p:nvPr>
+        </p:nvSpPr>
+        <p:spPr/>
+        <p:txBody>
+          <a:bodyPr/>
+          <a:lstStyle/>
+          <a:p>
+            <a:endParaRPr lang="en-US"/>
+          </a:p>
+        </p:txBody>
+      </p:sp>
+      <p:sp>
+        <p:nvSpPr>
+          <p:cNvPr id="3" name="Content Placeholder 2">
+            <a:extLst>
+              <a:ext uri="{FF2B5EF4-FFF2-40B4-BE49-F238E27FC236}">
+                <a16:creationId xmlns:a16="http://schemas.microsoft.com/office/drawing/2014/main" id="{9A6EE126-6549-46C1-AC13-6FCC09DDD211}"/>
+              </a:ext>
+            </a:extLst>
+          </p:cNvPr>
+          <p:cNvSpPr>
+            <a:spLocks noGrp="1"/>
+          </p:cNvSpPr>
+          <p:nvPr>
+            <p:ph idx="1"/>
+          </p:nvPr>
+        </p:nvSpPr>
+        <p:spPr/>
+        <p:txBody>
+          <a:bodyPr/>
+          <a:lstStyle/>
+          <a:p>
+            <a:endParaRPr lang="en-US"/>
+          </a:p>
+        </p:txBody>
+      </p:sp>
+    </p:spTree>
+    <p:extLst>
+      <p:ext uri="{BB962C8B-B14F-4D97-AF65-F5344CB8AC3E}">
+        <p14:creationId xmlns:p14="http://schemas.microsoft.com/office/powerpoint/2010/main" val="1824884581"/>
+      </p:ext>
+    </p:extLst>
+  </p:cSld>
+  <p:clrMapOvr>
+    <a:masterClrMapping/>
+  </p:clrMapOvr>
+</p:sld>
+</file>
+
+<file path=ppt/slides/slide6.xml><?xml version="1.0" encoding="utf-8"?>
+<p:sld xmlns:a="http://schemas.openxmlformats.org/drawingml/2006/main" xmlns:r="http://schemas.openxmlformats.org/officeDocument/2006/relationships" xmlns:p="http://schemas.openxmlformats.org/presentationml/2006/main">
+  <p:cSld>
+    <p:spTree>
+      <p:nvGrpSpPr>
+        <p:cNvPr id="1" name=""/>
+        <p:cNvGrpSpPr/>
+        <p:nvPr/>
+      </p:nvGrpSpPr>
+      <p:grpSpPr>
+        <a:xfrm>
+          <a:off x="0" y="0"/>
+          <a:ext cx="0" cy="0"/>
+          <a:chOff x="0" y="0"/>
+          <a:chExt cx="0" cy="0"/>
+        </a:xfrm>
+      </p:grpSpPr>
+      <p:sp>
+        <p:nvSpPr>
+          <p:cNvPr id="2" name="Title 1">
+            <a:extLst>
+              <a:ext uri="{FF2B5EF4-FFF2-40B4-BE49-F238E27FC236}">
+                <a16:creationId xmlns:a16="http://schemas.microsoft.com/office/drawing/2014/main" id="{3C0DE202-82CF-A9A5-702F-C222D15FC400}"/>
+              </a:ext>
+            </a:extLst>
+          </p:cNvPr>
+          <p:cNvSpPr>
+            <a:spLocks noGrp="1"/>
+          </p:cNvSpPr>
+          <p:nvPr>
+            <p:ph type="title"/>
+          </p:nvPr>
+        </p:nvSpPr>
+        <p:spPr/>
+        <p:txBody>
+          <a:bodyPr/>
+          <a:lstStyle/>
+          <a:p>
+            <a:endParaRPr lang="en-US"/>
+          </a:p>
+        </p:txBody>
+      </p:sp>
+      <p:sp>
+        <p:nvSpPr>
+          <p:cNvPr id="3" name="Content Placeholder 2">
+            <a:extLst>
+              <a:ext uri="{FF2B5EF4-FFF2-40B4-BE49-F238E27FC236}">
+                <a16:creationId xmlns:a16="http://schemas.microsoft.com/office/drawing/2014/main" id="{DCD3A123-0DEE-AF3B-F30B-40DA90B365FF}"/>
+              </a:ext>
+            </a:extLst>
+          </p:cNvPr>
+          <p:cNvSpPr>
+            <a:spLocks noGrp="1"/>
+          </p:cNvSpPr>
+          <p:nvPr>
+            <p:ph idx="1"/>
+          </p:nvPr>
+        </p:nvSpPr>
+        <p:spPr/>
+        <p:txBody>
+          <a:bodyPr/>
+          <a:lstStyle/>
+          <a:p>
+            <a:endParaRPr lang="en-US"/>
+          </a:p>
+        </p:txBody>
+      </p:sp>
+    </p:spTree>
+    <p:extLst>
+      <p:ext uri="{BB962C8B-B14F-4D97-AF65-F5344CB8AC3E}">
+        <p14:creationId xmlns:p14="http://schemas.microsoft.com/office/powerpoint/2010/main" val="2340489346"/>
+      </p:ext>
+    </p:extLst>
+  </p:cSld>
+  <p:clrMapOvr>
+    <a:masterClrMapping/>
+  </p:clrMapOvr>
+</p:sld>
+</file>
+
+<file path=ppt/slides/slide7.xml><?xml version="1.0" encoding="utf-8"?>
+<p:sld xmlns:a="http://schemas.openxmlformats.org/drawingml/2006/main" xmlns:r="http://schemas.openxmlformats.org/officeDocument/2006/relationships" xmlns:p="http://schemas.openxmlformats.org/presentationml/2006/main">
+  <p:cSld>
+    <p:spTree>
+      <p:nvGrpSpPr>
+        <p:cNvPr id="1" name=""/>
+        <p:cNvGrpSpPr/>
+        <p:nvPr/>
+      </p:nvGrpSpPr>
+      <p:grpSpPr>
+        <a:xfrm>
+          <a:off x="0" y="0"/>
+          <a:ext cx="0" cy="0"/>
+          <a:chOff x="0" y="0"/>
+          <a:chExt cx="0" cy="0"/>
+        </a:xfrm>
+      </p:grpSpPr>
+      <p:sp>
+        <p:nvSpPr>
+          <p:cNvPr id="2" name="Title 1">
+            <a:extLst>
+              <a:ext uri="{FF2B5EF4-FFF2-40B4-BE49-F238E27FC236}">
+                <a16:creationId xmlns:a16="http://schemas.microsoft.com/office/drawing/2014/main" id="{C2A1F827-DD52-7D74-9676-A8DB6ABFE838}"/>
+              </a:ext>
+            </a:extLst>
+          </p:cNvPr>
+          <p:cNvSpPr>
+            <a:spLocks noGrp="1"/>
+          </p:cNvSpPr>
+          <p:nvPr>
+            <p:ph type="title"/>
+          </p:nvPr>
+        </p:nvSpPr>
+        <p:spPr/>
+        <p:txBody>
+          <a:bodyPr/>
+          <a:lstStyle/>
+          <a:p>
+            <a:endParaRPr lang="en-US"/>
+          </a:p>
+        </p:txBody>
+      </p:sp>
+      <p:sp>
+        <p:nvSpPr>
+          <p:cNvPr id="3" name="Content Placeholder 2">
+            <a:extLst>
+              <a:ext uri="{FF2B5EF4-FFF2-40B4-BE49-F238E27FC236}">
+                <a16:creationId xmlns:a16="http://schemas.microsoft.com/office/drawing/2014/main" id="{E0C253CE-3CA7-128A-5108-7EC19BCEA8BC}"/>
+              </a:ext>
+            </a:extLst>
+          </p:cNvPr>
+          <p:cNvSpPr>
+            <a:spLocks noGrp="1"/>
+          </p:cNvSpPr>
+          <p:nvPr>
+            <p:ph idx="1"/>
+          </p:nvPr>
+        </p:nvSpPr>
+        <p:spPr/>
+        <p:txBody>
+          <a:bodyPr/>
+          <a:lstStyle/>
+          <a:p>
+            <a:endParaRPr lang="en-US"/>
+          </a:p>
+        </p:txBody>
+      </p:sp>
+    </p:spTree>
+    <p:extLst>
+      <p:ext uri="{BB962C8B-B14F-4D97-AF65-F5344CB8AC3E}">
+        <p14:creationId xmlns:p14="http://schemas.microsoft.com/office/powerpoint/2010/main" val="3738846121"/>
+      </p:ext>
+    </p:extLst>
+  </p:cSld>
+  <p:clrMapOvr>
+    <a:masterClrMapping/>
+  </p:clrMapOvr>
+</p:sld>
+</file>
+
+<file path=ppt/slides/slide8.xml><?xml version="1.0" encoding="utf-8"?>
+<p:sld xmlns:a="http://schemas.openxmlformats.org/drawingml/2006/main" xmlns:r="http://schemas.openxmlformats.org/officeDocument/2006/relationships" xmlns:p="http://schemas.openxmlformats.org/presentationml/2006/main">
+  <p:cSld>
+    <p:spTree>
+      <p:nvGrpSpPr>
+        <p:cNvPr id="1" name=""/>
+        <p:cNvGrpSpPr/>
+        <p:nvPr/>
+      </p:nvGrpSpPr>
+      <p:grpSpPr>
+        <a:xfrm>
+          <a:off x="0" y="0"/>
+          <a:ext cx="0" cy="0"/>
+          <a:chOff x="0" y="0"/>
+          <a:chExt cx="0" cy="0"/>
+        </a:xfrm>
+      </p:grpSpPr>
+      <p:sp>
+        <p:nvSpPr>
+          <p:cNvPr id="2" name="Title 1">
+            <a:extLst>
+              <a:ext uri="{FF2B5EF4-FFF2-40B4-BE49-F238E27FC236}">
+                <a16:creationId xmlns:a16="http://schemas.microsoft.com/office/drawing/2014/main" id="{2092DFC2-AD5E-3D4D-5DE4-7012D68153C6}"/>
+              </a:ext>
+            </a:extLst>
+          </p:cNvPr>
+          <p:cNvSpPr>
+            <a:spLocks noGrp="1"/>
+          </p:cNvSpPr>
+          <p:nvPr>
+            <p:ph type="title"/>
+          </p:nvPr>
+        </p:nvSpPr>
+        <p:spPr/>
+        <p:txBody>
+          <a:bodyPr/>
+          <a:lstStyle/>
+          <a:p>
+            <a:endParaRPr lang="en-US"/>
+          </a:p>
+        </p:txBody>
+      </p:sp>
+      <p:sp>
+        <p:nvSpPr>
+          <p:cNvPr id="3" name="Content Placeholder 2">
+            <a:extLst>
+              <a:ext uri="{FF2B5EF4-FFF2-40B4-BE49-F238E27FC236}">
+                <a16:creationId xmlns:a16="http://schemas.microsoft.com/office/drawing/2014/main" id="{184B9439-7B9A-7C6F-1A36-00B9A9B7FDC4}"/>
+              </a:ext>
+            </a:extLst>
+          </p:cNvPr>
+          <p:cNvSpPr>
+            <a:spLocks noGrp="1"/>
+          </p:cNvSpPr>
+          <p:nvPr>
+            <p:ph idx="1"/>
+          </p:nvPr>
+        </p:nvSpPr>
+        <p:spPr/>
+        <p:txBody>
+          <a:bodyPr/>
+          <a:lstStyle/>
+          <a:p>
+            <a:endParaRPr lang="en-US"/>
+          </a:p>
+        </p:txBody>
+      </p:sp>
+    </p:spTree>
+    <p:extLst>
+      <p:ext uri="{BB962C8B-B14F-4D97-AF65-F5344CB8AC3E}">
+        <p14:creationId xmlns:p14="http://schemas.microsoft.com/office/powerpoint/2010/main" val="2251948506"/>
+      </p:ext>
+    </p:extLst>
+  </p:cSld>
+  <p:clrMapOvr>
+    <a:masterClrMapping/>
+  </p:clrMapOvr>
+</p:sld>
+</file>
+
+<file path=ppt/slides/slide9.xml><?xml version="1.0" encoding="utf-8"?>
+<p:sld xmlns:a="http://schemas.openxmlformats.org/drawingml/2006/main" xmlns:r="http://schemas.openxmlformats.org/officeDocument/2006/relationships" xmlns:p="http://schemas.openxmlformats.org/presentationml/2006/main">
+  <p:cSld>
+    <p:spTree>
+      <p:nvGrpSpPr>
+        <p:cNvPr id="1" name=""/>
+        <p:cNvGrpSpPr/>
+        <p:nvPr/>
+      </p:nvGrpSpPr>
+      <p:grpSpPr>
+        <a:xfrm>
+          <a:off x="0" y="0"/>
+          <a:ext cx="0" cy="0"/>
+          <a:chOff x="0" y="0"/>
+          <a:chExt cx="0" cy="0"/>
+        </a:xfrm>
+      </p:grpSpPr>
+      <p:sp>
+        <p:nvSpPr>
+          <p:cNvPr id="2" name="Title 1">
+            <a:extLst>
+              <a:ext uri="{FF2B5EF4-FFF2-40B4-BE49-F238E27FC236}">
+                <a16:creationId xmlns:a16="http://schemas.microsoft.com/office/drawing/2014/main" id="{7238DB1A-091C-5EBC-051B-C8FF01E84458}"/>
+              </a:ext>
+            </a:extLst>
+          </p:cNvPr>
+          <p:cNvSpPr>
+            <a:spLocks noGrp="1"/>
+          </p:cNvSpPr>
+          <p:nvPr>
+            <p:ph type="title"/>
+          </p:nvPr>
+        </p:nvSpPr>
+        <p:spPr/>
+        <p:txBody>
+          <a:bodyPr/>
+          <a:lstStyle/>
+          <a:p>
+            <a:endParaRPr lang="en-US"/>
+          </a:p>
+        </p:txBody>
+      </p:sp>
+      <p:sp>
+        <p:nvSpPr>
+          <p:cNvPr id="3" name="Content Placeholder 2">
+            <a:extLst>
+              <a:ext uri="{FF2B5EF4-FFF2-40B4-BE49-F238E27FC236}">
+                <a16:creationId xmlns:a16="http://schemas.microsoft.com/office/drawing/2014/main" id="{AEFFCFFF-6F45-311A-2474-1A8ED8E9592A}"/>
+              </a:ext>
+            </a:extLst>
+          </p:cNvPr>
+          <p:cNvSpPr>
+            <a:spLocks noGrp="1"/>
+          </p:cNvSpPr>
+          <p:nvPr>
+            <p:ph idx="1"/>
+          </p:nvPr>
+        </p:nvSpPr>
+        <p:spPr/>
+        <p:txBody>
+          <a:bodyPr/>
+          <a:lstStyle/>
+          <a:p>
+            <a:endParaRPr lang="en-US"/>
+          </a:p>
+        </p:txBody>
+      </p:sp>
+    </p:spTree>
+    <p:extLst>
+      <p:ext uri="{BB962C8B-B14F-4D97-AF65-F5344CB8AC3E}">
+        <p14:creationId xmlns:p14="http://schemas.microsoft.com/office/powerpoint/2010/main" val="3898160922"/>
       </p:ext>
     </p:extLst>
   </p:cSld>

--- a/Slides/Oracle DB & SQL Developer - Bolum II.pptx
+++ b/Slides/Oracle DB & SQL Developer - Bolum II.pptx
@@ -14,6 +14,9 @@
     <p:sldId id="263" r:id="rId8"/>
     <p:sldId id="264" r:id="rId9"/>
     <p:sldId id="265" r:id="rId10"/>
+    <p:sldId id="266" r:id="rId11"/>
+    <p:sldId id="267" r:id="rId12"/>
+    <p:sldId id="269" r:id="rId13"/>
   </p:sldIdLst>
   <p:sldSz cx="12192000" cy="6858000"/>
   <p:notesSz cx="6858000" cy="9144000"/>
@@ -267,7 +270,7 @@
           <a:p>
             <a:fld id="{1EF65BA3-D42C-4D83-83AF-D4390FDCAD1F}" type="datetimeFigureOut">
               <a:rPr lang="en-US" smtClean="0"/>
-              <a:t>5/2/2023</a:t>
+              <a:t>5/4/2023</a:t>
             </a:fld>
             <a:endParaRPr lang="en-US"/>
           </a:p>
@@ -465,7 +468,7 @@
           <a:p>
             <a:fld id="{1EF65BA3-D42C-4D83-83AF-D4390FDCAD1F}" type="datetimeFigureOut">
               <a:rPr lang="en-US" smtClean="0"/>
-              <a:t>5/2/2023</a:t>
+              <a:t>5/4/2023</a:t>
             </a:fld>
             <a:endParaRPr lang="en-US"/>
           </a:p>
@@ -673,7 +676,7 @@
           <a:p>
             <a:fld id="{1EF65BA3-D42C-4D83-83AF-D4390FDCAD1F}" type="datetimeFigureOut">
               <a:rPr lang="en-US" smtClean="0"/>
-              <a:t>5/2/2023</a:t>
+              <a:t>5/4/2023</a:t>
             </a:fld>
             <a:endParaRPr lang="en-US"/>
           </a:p>
@@ -871,7 +874,7 @@
           <a:p>
             <a:fld id="{1EF65BA3-D42C-4D83-83AF-D4390FDCAD1F}" type="datetimeFigureOut">
               <a:rPr lang="en-US" smtClean="0"/>
-              <a:t>5/2/2023</a:t>
+              <a:t>5/4/2023</a:t>
             </a:fld>
             <a:endParaRPr lang="en-US"/>
           </a:p>
@@ -1146,7 +1149,7 @@
           <a:p>
             <a:fld id="{1EF65BA3-D42C-4D83-83AF-D4390FDCAD1F}" type="datetimeFigureOut">
               <a:rPr lang="en-US" smtClean="0"/>
-              <a:t>5/2/2023</a:t>
+              <a:t>5/4/2023</a:t>
             </a:fld>
             <a:endParaRPr lang="en-US"/>
           </a:p>
@@ -1411,7 +1414,7 @@
           <a:p>
             <a:fld id="{1EF65BA3-D42C-4D83-83AF-D4390FDCAD1F}" type="datetimeFigureOut">
               <a:rPr lang="en-US" smtClean="0"/>
-              <a:t>5/2/2023</a:t>
+              <a:t>5/4/2023</a:t>
             </a:fld>
             <a:endParaRPr lang="en-US"/>
           </a:p>
@@ -1823,7 +1826,7 @@
           <a:p>
             <a:fld id="{1EF65BA3-D42C-4D83-83AF-D4390FDCAD1F}" type="datetimeFigureOut">
               <a:rPr lang="en-US" smtClean="0"/>
-              <a:t>5/2/2023</a:t>
+              <a:t>5/4/2023</a:t>
             </a:fld>
             <a:endParaRPr lang="en-US"/>
           </a:p>
@@ -1964,7 +1967,7 @@
           <a:p>
             <a:fld id="{1EF65BA3-D42C-4D83-83AF-D4390FDCAD1F}" type="datetimeFigureOut">
               <a:rPr lang="en-US" smtClean="0"/>
-              <a:t>5/2/2023</a:t>
+              <a:t>5/4/2023</a:t>
             </a:fld>
             <a:endParaRPr lang="en-US"/>
           </a:p>
@@ -2077,7 +2080,7 @@
           <a:p>
             <a:fld id="{1EF65BA3-D42C-4D83-83AF-D4390FDCAD1F}" type="datetimeFigureOut">
               <a:rPr lang="en-US" smtClean="0"/>
-              <a:t>5/2/2023</a:t>
+              <a:t>5/4/2023</a:t>
             </a:fld>
             <a:endParaRPr lang="en-US"/>
           </a:p>
@@ -2388,7 +2391,7 @@
           <a:p>
             <a:fld id="{1EF65BA3-D42C-4D83-83AF-D4390FDCAD1F}" type="datetimeFigureOut">
               <a:rPr lang="en-US" smtClean="0"/>
-              <a:t>5/2/2023</a:t>
+              <a:t>5/4/2023</a:t>
             </a:fld>
             <a:endParaRPr lang="en-US"/>
           </a:p>
@@ -2676,7 +2679,7 @@
           <a:p>
             <a:fld id="{1EF65BA3-D42C-4D83-83AF-D4390FDCAD1F}" type="datetimeFigureOut">
               <a:rPr lang="en-US" smtClean="0"/>
-              <a:t>5/2/2023</a:t>
+              <a:t>5/4/2023</a:t>
             </a:fld>
             <a:endParaRPr lang="en-US"/>
           </a:p>
@@ -2917,7 +2920,7 @@
           <a:p>
             <a:fld id="{1EF65BA3-D42C-4D83-83AF-D4390FDCAD1F}" type="datetimeFigureOut">
               <a:rPr lang="en-US" smtClean="0"/>
-              <a:t>5/2/2023</a:t>
+              <a:t>5/4/2023</a:t>
             </a:fld>
             <a:endParaRPr lang="en-US"/>
           </a:p>
@@ -3401,7 +3404,15 @@
                   <a:srgbClr val="002060"/>
                 </a:solidFill>
               </a:rPr>
-              <a:t>ölüm - II</a:t>
+              <a:t>ölüm </a:t>
+            </a:r>
+            <a:r>
+              <a:rPr lang="tr-TR" sz="3200" b="1">
+                <a:solidFill>
+                  <a:srgbClr val="002060"/>
+                </a:solidFill>
+              </a:rPr>
+              <a:t>- II</a:t>
             </a:r>
             <a:endParaRPr lang="en-US" b="1" dirty="0">
               <a:solidFill>
@@ -3434,24 +3445,44 @@
           </a:bodyPr>
           <a:lstStyle/>
           <a:p>
-            <a:endParaRPr lang="tr-TR" b="1" dirty="0"/>
-          </a:p>
-          <a:p>
-            <a:endParaRPr lang="tr-TR" b="1" dirty="0"/>
-          </a:p>
-          <a:p>
-            <a:r>
-              <a:rPr lang="en-US" b="1" dirty="0"/>
+            <a:endParaRPr lang="tr-TR" b="1" dirty="0">
+              <a:solidFill>
+                <a:srgbClr val="002060"/>
+              </a:solidFill>
+            </a:endParaRPr>
+          </a:p>
+          <a:p>
+            <a:endParaRPr lang="tr-TR" b="1" dirty="0">
+              <a:solidFill>
+                <a:srgbClr val="002060"/>
+              </a:solidFill>
+            </a:endParaRPr>
+          </a:p>
+          <a:p>
+            <a:r>
+              <a:rPr lang="en-US" b="1" dirty="0">
+                <a:solidFill>
+                  <a:srgbClr val="002060"/>
+                </a:solidFill>
+              </a:rPr>
               <a:t>Dr. </a:t>
             </a:r>
             <a:r>
-              <a:rPr lang="tr-TR" b="1" dirty="0"/>
+              <a:rPr lang="tr-TR" b="1" dirty="0">
+                <a:solidFill>
+                  <a:srgbClr val="002060"/>
+                </a:solidFill>
+              </a:rPr>
               <a:t>Öğr. Üyesi Sevdanur GENÇ</a:t>
             </a:r>
           </a:p>
           <a:p>
             <a:r>
-              <a:rPr lang="en-US" sz="1800" b="1" dirty="0"/>
+              <a:rPr lang="en-US" sz="1800" b="1" dirty="0">
+                <a:solidFill>
+                  <a:srgbClr val="002060"/>
+                </a:solidFill>
+              </a:rPr>
               <a:t>sgenc@kastamonu.edu.tr</a:t>
             </a:r>
           </a:p>
@@ -3461,6 +3492,726 @@
     <p:extLst>
       <p:ext uri="{BB962C8B-B14F-4D97-AF65-F5344CB8AC3E}">
         <p14:creationId xmlns:p14="http://schemas.microsoft.com/office/powerpoint/2010/main" val="1399783634"/>
+      </p:ext>
+    </p:extLst>
+  </p:cSld>
+  <p:clrMapOvr>
+    <a:masterClrMapping/>
+  </p:clrMapOvr>
+</p:sld>
+</file>
+
+<file path=ppt/slides/slide10.xml><?xml version="1.0" encoding="utf-8"?>
+<p:sld xmlns:a="http://schemas.openxmlformats.org/drawingml/2006/main" xmlns:r="http://schemas.openxmlformats.org/officeDocument/2006/relationships" xmlns:p="http://schemas.openxmlformats.org/presentationml/2006/main">
+  <p:cSld>
+    <p:spTree>
+      <p:nvGrpSpPr>
+        <p:cNvPr id="1" name=""/>
+        <p:cNvGrpSpPr/>
+        <p:nvPr/>
+      </p:nvGrpSpPr>
+      <p:grpSpPr>
+        <a:xfrm>
+          <a:off x="0" y="0"/>
+          <a:ext cx="0" cy="0"/>
+          <a:chOff x="0" y="0"/>
+          <a:chExt cx="0" cy="0"/>
+        </a:xfrm>
+      </p:grpSpPr>
+      <p:sp>
+        <p:nvSpPr>
+          <p:cNvPr id="3" name="Content Placeholder 2">
+            <a:extLst>
+              <a:ext uri="{FF2B5EF4-FFF2-40B4-BE49-F238E27FC236}">
+                <a16:creationId xmlns:a16="http://schemas.microsoft.com/office/drawing/2014/main" id="{F2CA0B21-E074-2546-7818-289ABDD2AEDF}"/>
+              </a:ext>
+            </a:extLst>
+          </p:cNvPr>
+          <p:cNvSpPr>
+            <a:spLocks noGrp="1"/>
+          </p:cNvSpPr>
+          <p:nvPr>
+            <p:ph idx="1"/>
+          </p:nvPr>
+        </p:nvSpPr>
+        <p:spPr/>
+        <p:txBody>
+          <a:bodyPr/>
+          <a:lstStyle/>
+          <a:p>
+            <a:pPr algn="just"/>
+            <a:r>
+              <a:rPr lang="en-US" dirty="0"/>
+              <a:t>DEFAULT </a:t>
+            </a:r>
+            <a:r>
+              <a:rPr lang="en-US" dirty="0" err="1"/>
+              <a:t>ifadesi</a:t>
+            </a:r>
+            <a:r>
+              <a:rPr lang="en-US" dirty="0"/>
+              <a:t> </a:t>
+            </a:r>
+            <a:r>
+              <a:rPr lang="en-US" dirty="0" err="1"/>
+              <a:t>Oracle’da</a:t>
+            </a:r>
+            <a:r>
+              <a:rPr lang="en-US" dirty="0"/>
+              <a:t> </a:t>
+            </a:r>
+            <a:r>
+              <a:rPr lang="en-US" dirty="0" err="1"/>
+              <a:t>kullanılmaktadır</a:t>
+            </a:r>
+            <a:r>
+              <a:rPr lang="en-US" dirty="0"/>
+              <a:t>. </a:t>
+            </a:r>
+            <a:endParaRPr lang="tr-TR" dirty="0"/>
+          </a:p>
+          <a:p>
+            <a:pPr algn="just"/>
+            <a:r>
+              <a:rPr lang="en-US" dirty="0" err="1"/>
+              <a:t>Tanımlama</a:t>
+            </a:r>
+            <a:r>
+              <a:rPr lang="en-US" dirty="0"/>
+              <a:t> </a:t>
+            </a:r>
+            <a:r>
+              <a:rPr lang="en-US" dirty="0" err="1"/>
+              <a:t>bloğunda</a:t>
+            </a:r>
+            <a:r>
+              <a:rPr lang="en-US" dirty="0"/>
+              <a:t> </a:t>
+            </a:r>
+            <a:r>
+              <a:rPr lang="en-US" dirty="0" err="1"/>
+              <a:t>bir</a:t>
+            </a:r>
+            <a:r>
+              <a:rPr lang="en-US" dirty="0"/>
+              <a:t> </a:t>
+            </a:r>
+            <a:r>
+              <a:rPr lang="en-US" dirty="0" err="1"/>
+              <a:t>değişkene</a:t>
+            </a:r>
+            <a:r>
+              <a:rPr lang="en-US" dirty="0"/>
+              <a:t> </a:t>
+            </a:r>
+            <a:r>
+              <a:rPr lang="en-US" b="1" dirty="0"/>
+              <a:t>ilk </a:t>
+            </a:r>
+            <a:r>
+              <a:rPr lang="en-US" b="1" dirty="0" err="1"/>
+              <a:t>değeri</a:t>
+            </a:r>
+            <a:r>
+              <a:rPr lang="en-US" b="1" dirty="0"/>
+              <a:t> </a:t>
+            </a:r>
+            <a:r>
+              <a:rPr lang="en-US" b="1" dirty="0" err="1"/>
+              <a:t>atayabiliriz</a:t>
+            </a:r>
+            <a:r>
+              <a:rPr lang="en-US" b="1" dirty="0"/>
+              <a:t> </a:t>
+            </a:r>
+            <a:r>
+              <a:rPr lang="en-US" dirty="0" err="1"/>
+              <a:t>ya</a:t>
+            </a:r>
+            <a:r>
+              <a:rPr lang="en-US" dirty="0"/>
+              <a:t> da </a:t>
+            </a:r>
+            <a:r>
+              <a:rPr lang="en-US" dirty="0" err="1"/>
+              <a:t>bunun</a:t>
+            </a:r>
+            <a:r>
+              <a:rPr lang="en-US" dirty="0"/>
+              <a:t> </a:t>
+            </a:r>
+            <a:r>
+              <a:rPr lang="en-US" dirty="0" err="1"/>
+              <a:t>yerine</a:t>
+            </a:r>
+            <a:r>
+              <a:rPr lang="en-US" dirty="0"/>
+              <a:t> </a:t>
+            </a:r>
+            <a:r>
+              <a:rPr lang="en-US" b="1" dirty="0"/>
+              <a:t>default</a:t>
+            </a:r>
+            <a:r>
+              <a:rPr lang="en-US" dirty="0"/>
+              <a:t> </a:t>
+            </a:r>
+            <a:r>
+              <a:rPr lang="en-US" dirty="0" err="1"/>
+              <a:t>kullanabiliriz</a:t>
+            </a:r>
+            <a:r>
+              <a:rPr lang="en-US" dirty="0"/>
+              <a:t>. </a:t>
+            </a:r>
+            <a:r>
+              <a:rPr lang="en-US" dirty="0" err="1"/>
+              <a:t>Örnek</a:t>
+            </a:r>
+            <a:r>
+              <a:rPr lang="en-US" dirty="0"/>
+              <a:t> </a:t>
+            </a:r>
+            <a:r>
+              <a:rPr lang="en-US" dirty="0" err="1"/>
+              <a:t>vermek</a:t>
+            </a:r>
+            <a:r>
+              <a:rPr lang="en-US" dirty="0"/>
+              <a:t> </a:t>
+            </a:r>
+            <a:r>
+              <a:rPr lang="en-US" dirty="0" err="1"/>
+              <a:t>gerekirse</a:t>
+            </a:r>
+            <a:r>
+              <a:rPr lang="en-US" dirty="0"/>
+              <a:t>;</a:t>
+            </a:r>
+          </a:p>
+        </p:txBody>
+      </p:sp>
+      <p:pic>
+        <p:nvPicPr>
+          <p:cNvPr id="5" name="Picture 4">
+            <a:extLst>
+              <a:ext uri="{FF2B5EF4-FFF2-40B4-BE49-F238E27FC236}">
+                <a16:creationId xmlns:a16="http://schemas.microsoft.com/office/drawing/2014/main" id="{CF1419CA-3376-235B-0632-01EFF4BD2EDC}"/>
+              </a:ext>
+            </a:extLst>
+          </p:cNvPr>
+          <p:cNvPicPr>
+            <a:picLocks noChangeAspect="1"/>
+          </p:cNvPicPr>
+          <p:nvPr/>
+        </p:nvPicPr>
+        <p:blipFill>
+          <a:blip r:embed="rId2"/>
+          <a:stretch>
+            <a:fillRect/>
+          </a:stretch>
+        </p:blipFill>
+        <p:spPr>
+          <a:xfrm>
+            <a:off x="3568633" y="3429000"/>
+            <a:ext cx="5528084" cy="1682015"/>
+          </a:xfrm>
+          <a:prstGeom prst="rect">
+            <a:avLst/>
+          </a:prstGeom>
+        </p:spPr>
+      </p:pic>
+    </p:spTree>
+    <p:extLst>
+      <p:ext uri="{BB962C8B-B14F-4D97-AF65-F5344CB8AC3E}">
+        <p14:creationId xmlns:p14="http://schemas.microsoft.com/office/powerpoint/2010/main" val="4169760987"/>
+      </p:ext>
+    </p:extLst>
+  </p:cSld>
+  <p:clrMapOvr>
+    <a:masterClrMapping/>
+  </p:clrMapOvr>
+</p:sld>
+</file>
+
+<file path=ppt/slides/slide11.xml><?xml version="1.0" encoding="utf-8"?>
+<p:sld xmlns:a="http://schemas.openxmlformats.org/drawingml/2006/main" xmlns:r="http://schemas.openxmlformats.org/officeDocument/2006/relationships" xmlns:p="http://schemas.openxmlformats.org/presentationml/2006/main">
+  <p:cSld>
+    <p:spTree>
+      <p:nvGrpSpPr>
+        <p:cNvPr id="1" name=""/>
+        <p:cNvGrpSpPr/>
+        <p:nvPr/>
+      </p:nvGrpSpPr>
+      <p:grpSpPr>
+        <a:xfrm>
+          <a:off x="0" y="0"/>
+          <a:ext cx="0" cy="0"/>
+          <a:chOff x="0" y="0"/>
+          <a:chExt cx="0" cy="0"/>
+        </a:xfrm>
+      </p:grpSpPr>
+      <p:sp>
+        <p:nvSpPr>
+          <p:cNvPr id="3" name="Content Placeholder 2">
+            <a:extLst>
+              <a:ext uri="{FF2B5EF4-FFF2-40B4-BE49-F238E27FC236}">
+                <a16:creationId xmlns:a16="http://schemas.microsoft.com/office/drawing/2014/main" id="{3B1586AA-6825-3D3F-6EA5-12FE7AB8529D}"/>
+              </a:ext>
+            </a:extLst>
+          </p:cNvPr>
+          <p:cNvSpPr>
+            <a:spLocks noGrp="1"/>
+          </p:cNvSpPr>
+          <p:nvPr>
+            <p:ph idx="1"/>
+          </p:nvPr>
+        </p:nvSpPr>
+        <p:spPr>
+          <a:xfrm>
+            <a:off x="838200" y="512064"/>
+            <a:ext cx="10515600" cy="5664899"/>
+          </a:xfrm>
+        </p:spPr>
+        <p:txBody>
+          <a:bodyPr/>
+          <a:lstStyle/>
+          <a:p>
+            <a:pPr algn="just"/>
+            <a:r>
+              <a:rPr lang="en-US" dirty="0" err="1"/>
+              <a:t>Örnek</a:t>
+            </a:r>
+            <a:r>
+              <a:rPr lang="en-US" dirty="0"/>
+              <a:t>: </a:t>
+            </a:r>
+            <a:r>
+              <a:rPr lang="en-US" dirty="0" err="1"/>
+              <a:t>Tüm</a:t>
+            </a:r>
+            <a:r>
+              <a:rPr lang="en-US" dirty="0"/>
+              <a:t> </a:t>
+            </a:r>
+            <a:r>
+              <a:rPr lang="en-US" dirty="0" err="1"/>
+              <a:t>kısıtlamaları</a:t>
+            </a:r>
+            <a:r>
+              <a:rPr lang="en-US" dirty="0"/>
+              <a:t> </a:t>
+            </a:r>
+            <a:r>
+              <a:rPr lang="en-US" dirty="0" err="1"/>
+              <a:t>içeren</a:t>
+            </a:r>
+            <a:r>
+              <a:rPr lang="en-US" dirty="0"/>
+              <a:t> </a:t>
+            </a:r>
+            <a:r>
+              <a:rPr lang="en-US" dirty="0" err="1"/>
+              <a:t>bir</a:t>
+            </a:r>
+            <a:r>
+              <a:rPr lang="en-US" dirty="0"/>
+              <a:t> </a:t>
+            </a:r>
+            <a:r>
+              <a:rPr lang="en-US" dirty="0" err="1"/>
+              <a:t>öğrenci</a:t>
+            </a:r>
+            <a:r>
+              <a:rPr lang="en-US" dirty="0"/>
+              <a:t> </a:t>
+            </a:r>
+            <a:r>
+              <a:rPr lang="en-US" dirty="0" err="1"/>
+              <a:t>bilgilerini</a:t>
+            </a:r>
+            <a:r>
+              <a:rPr lang="en-US" dirty="0"/>
+              <a:t> </a:t>
+            </a:r>
+            <a:r>
+              <a:rPr lang="en-US" dirty="0" err="1"/>
+              <a:t>tutan</a:t>
+            </a:r>
+            <a:r>
+              <a:rPr lang="en-US" dirty="0"/>
+              <a:t> </a:t>
+            </a:r>
+            <a:r>
+              <a:rPr lang="en-US" dirty="0" err="1"/>
+              <a:t>tablo</a:t>
+            </a:r>
+            <a:r>
+              <a:rPr lang="en-US" dirty="0"/>
+              <a:t> </a:t>
+            </a:r>
+            <a:r>
+              <a:rPr lang="en-US" dirty="0" err="1"/>
+              <a:t>oluşturunuz</a:t>
+            </a:r>
+            <a:r>
+              <a:rPr lang="en-US" dirty="0"/>
+              <a:t>. </a:t>
+            </a:r>
+          </a:p>
+        </p:txBody>
+      </p:sp>
+      <p:pic>
+        <p:nvPicPr>
+          <p:cNvPr id="5" name="Picture 4">
+            <a:extLst>
+              <a:ext uri="{FF2B5EF4-FFF2-40B4-BE49-F238E27FC236}">
+                <a16:creationId xmlns:a16="http://schemas.microsoft.com/office/drawing/2014/main" id="{7910A75D-9008-793B-F1B2-9EDFB328CAD5}"/>
+              </a:ext>
+            </a:extLst>
+          </p:cNvPr>
+          <p:cNvPicPr>
+            <a:picLocks noChangeAspect="1"/>
+          </p:cNvPicPr>
+          <p:nvPr/>
+        </p:nvPicPr>
+        <p:blipFill>
+          <a:blip r:embed="rId2"/>
+          <a:stretch>
+            <a:fillRect/>
+          </a:stretch>
+        </p:blipFill>
+        <p:spPr>
+          <a:xfrm>
+            <a:off x="1633050" y="1499616"/>
+            <a:ext cx="9055150" cy="3564663"/>
+          </a:xfrm>
+          <a:prstGeom prst="rect">
+            <a:avLst/>
+          </a:prstGeom>
+        </p:spPr>
+      </p:pic>
+      <p:pic>
+        <p:nvPicPr>
+          <p:cNvPr id="7" name="Picture 6">
+            <a:extLst>
+              <a:ext uri="{FF2B5EF4-FFF2-40B4-BE49-F238E27FC236}">
+                <a16:creationId xmlns:a16="http://schemas.microsoft.com/office/drawing/2014/main" id="{7CDFE3E8-B396-DD2B-FC9C-0332F18D177B}"/>
+              </a:ext>
+            </a:extLst>
+          </p:cNvPr>
+          <p:cNvPicPr>
+            <a:picLocks noChangeAspect="1"/>
+          </p:cNvPicPr>
+          <p:nvPr/>
+        </p:nvPicPr>
+        <p:blipFill>
+          <a:blip r:embed="rId3"/>
+          <a:stretch>
+            <a:fillRect/>
+          </a:stretch>
+        </p:blipFill>
+        <p:spPr>
+          <a:xfrm>
+            <a:off x="838200" y="5270478"/>
+            <a:ext cx="10640518" cy="1336176"/>
+          </a:xfrm>
+          <a:prstGeom prst="rect">
+            <a:avLst/>
+          </a:prstGeom>
+        </p:spPr>
+      </p:pic>
+    </p:spTree>
+    <p:extLst>
+      <p:ext uri="{BB962C8B-B14F-4D97-AF65-F5344CB8AC3E}">
+        <p14:creationId xmlns:p14="http://schemas.microsoft.com/office/powerpoint/2010/main" val="2776211741"/>
+      </p:ext>
+    </p:extLst>
+  </p:cSld>
+  <p:clrMapOvr>
+    <a:masterClrMapping/>
+  </p:clrMapOvr>
+</p:sld>
+</file>
+
+<file path=ppt/slides/slide12.xml><?xml version="1.0" encoding="utf-8"?>
+<p:sld xmlns:a="http://schemas.openxmlformats.org/drawingml/2006/main" xmlns:r="http://schemas.openxmlformats.org/officeDocument/2006/relationships" xmlns:p="http://schemas.openxmlformats.org/presentationml/2006/main">
+  <p:cSld>
+    <p:spTree>
+      <p:nvGrpSpPr>
+        <p:cNvPr id="1" name=""/>
+        <p:cNvGrpSpPr/>
+        <p:nvPr/>
+      </p:nvGrpSpPr>
+      <p:grpSpPr>
+        <a:xfrm>
+          <a:off x="0" y="0"/>
+          <a:ext cx="0" cy="0"/>
+          <a:chOff x="0" y="0"/>
+          <a:chExt cx="0" cy="0"/>
+        </a:xfrm>
+      </p:grpSpPr>
+      <p:sp>
+        <p:nvSpPr>
+          <p:cNvPr id="4" name="Content Placeholder 1">
+            <a:extLst>
+              <a:ext uri="{FF2B5EF4-FFF2-40B4-BE49-F238E27FC236}">
+                <a16:creationId xmlns:a16="http://schemas.microsoft.com/office/drawing/2014/main" id="{5B10FEEE-DEDE-E4E9-8759-B88CCFDEDF42}"/>
+              </a:ext>
+            </a:extLst>
+          </p:cNvPr>
+          <p:cNvSpPr txBox="1">
+            <a:spLocks/>
+          </p:cNvSpPr>
+          <p:nvPr/>
+        </p:nvSpPr>
+        <p:spPr>
+          <a:xfrm>
+            <a:off x="1487488" y="2924175"/>
+            <a:ext cx="9577387" cy="2520950"/>
+          </a:xfrm>
+          <a:prstGeom prst="rect">
+            <a:avLst/>
+          </a:prstGeom>
+        </p:spPr>
+        <p:txBody>
+          <a:bodyPr>
+            <a:normAutofit/>
+          </a:bodyPr>
+          <a:lstStyle>
+            <a:lvl1pPr marL="228600" indent="-228600" algn="l" defTabSz="914400" rtl="0" eaLnBrk="1" latinLnBrk="0" hangingPunct="1">
+              <a:lnSpc>
+                <a:spcPct val="90000"/>
+              </a:lnSpc>
+              <a:spcBef>
+                <a:spcPts val="1000"/>
+              </a:spcBef>
+              <a:buFont typeface="Arial" panose="020B0604020202020204" pitchFamily="34" charset="0"/>
+              <a:buChar char="•"/>
+              <a:defRPr sz="2800" kern="1200">
+                <a:solidFill>
+                  <a:schemeClr val="tx1"/>
+                </a:solidFill>
+                <a:latin typeface="+mn-lt"/>
+                <a:ea typeface="+mn-ea"/>
+                <a:cs typeface="+mn-cs"/>
+              </a:defRPr>
+            </a:lvl1pPr>
+            <a:lvl2pPr marL="685800" indent="-228600" algn="l" defTabSz="914400" rtl="0" eaLnBrk="1" latinLnBrk="0" hangingPunct="1">
+              <a:lnSpc>
+                <a:spcPct val="90000"/>
+              </a:lnSpc>
+              <a:spcBef>
+                <a:spcPts val="500"/>
+              </a:spcBef>
+              <a:buFont typeface="Arial" panose="020B0604020202020204" pitchFamily="34" charset="0"/>
+              <a:buChar char="•"/>
+              <a:defRPr sz="2400" kern="1200">
+                <a:solidFill>
+                  <a:schemeClr val="tx1"/>
+                </a:solidFill>
+                <a:latin typeface="+mn-lt"/>
+                <a:ea typeface="+mn-ea"/>
+                <a:cs typeface="+mn-cs"/>
+              </a:defRPr>
+            </a:lvl2pPr>
+            <a:lvl3pPr marL="1143000" indent="-228600" algn="l" defTabSz="914400" rtl="0" eaLnBrk="1" latinLnBrk="0" hangingPunct="1">
+              <a:lnSpc>
+                <a:spcPct val="90000"/>
+              </a:lnSpc>
+              <a:spcBef>
+                <a:spcPts val="500"/>
+              </a:spcBef>
+              <a:buFont typeface="Arial" panose="020B0604020202020204" pitchFamily="34" charset="0"/>
+              <a:buChar char="•"/>
+              <a:defRPr sz="2000" kern="1200">
+                <a:solidFill>
+                  <a:schemeClr val="tx1"/>
+                </a:solidFill>
+                <a:latin typeface="+mn-lt"/>
+                <a:ea typeface="+mn-ea"/>
+                <a:cs typeface="+mn-cs"/>
+              </a:defRPr>
+            </a:lvl3pPr>
+            <a:lvl4pPr marL="1600200" indent="-228600" algn="l" defTabSz="914400" rtl="0" eaLnBrk="1" latinLnBrk="0" hangingPunct="1">
+              <a:lnSpc>
+                <a:spcPct val="90000"/>
+              </a:lnSpc>
+              <a:spcBef>
+                <a:spcPts val="500"/>
+              </a:spcBef>
+              <a:buFont typeface="Arial" panose="020B0604020202020204" pitchFamily="34" charset="0"/>
+              <a:buChar char="•"/>
+              <a:defRPr sz="1800" kern="1200">
+                <a:solidFill>
+                  <a:schemeClr val="tx1"/>
+                </a:solidFill>
+                <a:latin typeface="+mn-lt"/>
+                <a:ea typeface="+mn-ea"/>
+                <a:cs typeface="+mn-cs"/>
+              </a:defRPr>
+            </a:lvl4pPr>
+            <a:lvl5pPr marL="2057400" indent="-228600" algn="l" defTabSz="914400" rtl="0" eaLnBrk="1" latinLnBrk="0" hangingPunct="1">
+              <a:lnSpc>
+                <a:spcPct val="90000"/>
+              </a:lnSpc>
+              <a:spcBef>
+                <a:spcPts val="500"/>
+              </a:spcBef>
+              <a:buFont typeface="Arial" panose="020B0604020202020204" pitchFamily="34" charset="0"/>
+              <a:buChar char="•"/>
+              <a:defRPr sz="1800" kern="1200">
+                <a:solidFill>
+                  <a:schemeClr val="tx1"/>
+                </a:solidFill>
+                <a:latin typeface="+mn-lt"/>
+                <a:ea typeface="+mn-ea"/>
+                <a:cs typeface="+mn-cs"/>
+              </a:defRPr>
+            </a:lvl5pPr>
+            <a:lvl6pPr marL="2514600" indent="-228600" algn="l" defTabSz="914400" rtl="0" eaLnBrk="1" latinLnBrk="0" hangingPunct="1">
+              <a:lnSpc>
+                <a:spcPct val="90000"/>
+              </a:lnSpc>
+              <a:spcBef>
+                <a:spcPts val="500"/>
+              </a:spcBef>
+              <a:buFont typeface="Arial" panose="020B0604020202020204" pitchFamily="34" charset="0"/>
+              <a:buChar char="•"/>
+              <a:defRPr sz="1800" kern="1200">
+                <a:solidFill>
+                  <a:schemeClr val="tx1"/>
+                </a:solidFill>
+                <a:latin typeface="+mn-lt"/>
+                <a:ea typeface="+mn-ea"/>
+                <a:cs typeface="+mn-cs"/>
+              </a:defRPr>
+            </a:lvl6pPr>
+            <a:lvl7pPr marL="2971800" indent="-228600" algn="l" defTabSz="914400" rtl="0" eaLnBrk="1" latinLnBrk="0" hangingPunct="1">
+              <a:lnSpc>
+                <a:spcPct val="90000"/>
+              </a:lnSpc>
+              <a:spcBef>
+                <a:spcPts val="500"/>
+              </a:spcBef>
+              <a:buFont typeface="Arial" panose="020B0604020202020204" pitchFamily="34" charset="0"/>
+              <a:buChar char="•"/>
+              <a:defRPr sz="1800" kern="1200">
+                <a:solidFill>
+                  <a:schemeClr val="tx1"/>
+                </a:solidFill>
+                <a:latin typeface="+mn-lt"/>
+                <a:ea typeface="+mn-ea"/>
+                <a:cs typeface="+mn-cs"/>
+              </a:defRPr>
+            </a:lvl7pPr>
+            <a:lvl8pPr marL="3429000" indent="-228600" algn="l" defTabSz="914400" rtl="0" eaLnBrk="1" latinLnBrk="0" hangingPunct="1">
+              <a:lnSpc>
+                <a:spcPct val="90000"/>
+              </a:lnSpc>
+              <a:spcBef>
+                <a:spcPts val="500"/>
+              </a:spcBef>
+              <a:buFont typeface="Arial" panose="020B0604020202020204" pitchFamily="34" charset="0"/>
+              <a:buChar char="•"/>
+              <a:defRPr sz="1800" kern="1200">
+                <a:solidFill>
+                  <a:schemeClr val="tx1"/>
+                </a:solidFill>
+                <a:latin typeface="+mn-lt"/>
+                <a:ea typeface="+mn-ea"/>
+                <a:cs typeface="+mn-cs"/>
+              </a:defRPr>
+            </a:lvl8pPr>
+            <a:lvl9pPr marL="3886200" indent="-228600" algn="l" defTabSz="914400" rtl="0" eaLnBrk="1" latinLnBrk="0" hangingPunct="1">
+              <a:lnSpc>
+                <a:spcPct val="90000"/>
+              </a:lnSpc>
+              <a:spcBef>
+                <a:spcPts val="500"/>
+              </a:spcBef>
+              <a:buFont typeface="Arial" panose="020B0604020202020204" pitchFamily="34" charset="0"/>
+              <a:buChar char="•"/>
+              <a:defRPr sz="1800" kern="1200">
+                <a:solidFill>
+                  <a:schemeClr val="tx1"/>
+                </a:solidFill>
+                <a:latin typeface="+mn-lt"/>
+                <a:ea typeface="+mn-ea"/>
+                <a:cs typeface="+mn-cs"/>
+              </a:defRPr>
+            </a:lvl9pPr>
+          </a:lstStyle>
+          <a:p>
+            <a:pPr marL="0" indent="0" algn="ctr">
+              <a:lnSpc>
+                <a:spcPct val="70000"/>
+              </a:lnSpc>
+              <a:buFont typeface="Arial" panose="020B0604020202020204" pitchFamily="34" charset="0"/>
+              <a:buNone/>
+            </a:pPr>
+            <a:r>
+              <a:rPr lang="tr-TR" altLang="en-US" sz="3400" b="1" dirty="0">
+                <a:solidFill>
+                  <a:srgbClr val="002060"/>
+                </a:solidFill>
+              </a:rPr>
+              <a:t>keyifli çalışmalar...</a:t>
+            </a:r>
+            <a:endParaRPr lang="en-US" altLang="en-US" sz="3400" b="1" dirty="0">
+              <a:solidFill>
+                <a:srgbClr val="002060"/>
+              </a:solidFill>
+            </a:endParaRPr>
+          </a:p>
+          <a:p>
+            <a:pPr marL="0" indent="0" algn="ctr">
+              <a:lnSpc>
+                <a:spcPct val="70000"/>
+              </a:lnSpc>
+              <a:buFont typeface="Arial" panose="020B0604020202020204" pitchFamily="34" charset="0"/>
+              <a:buNone/>
+            </a:pPr>
+            <a:endParaRPr lang="en-US" altLang="en-US" sz="3400" b="1" dirty="0">
+              <a:solidFill>
+                <a:srgbClr val="002060"/>
+              </a:solidFill>
+            </a:endParaRPr>
+          </a:p>
+          <a:p>
+            <a:pPr marL="0" indent="0" algn="ctr">
+              <a:lnSpc>
+                <a:spcPct val="70000"/>
+              </a:lnSpc>
+              <a:buFont typeface="Arial" panose="020B0604020202020204" pitchFamily="34" charset="0"/>
+              <a:buNone/>
+            </a:pPr>
+            <a:endParaRPr lang="en-US" altLang="en-US" sz="3400" b="1" dirty="0">
+              <a:solidFill>
+                <a:srgbClr val="002060"/>
+              </a:solidFill>
+            </a:endParaRPr>
+          </a:p>
+          <a:p>
+            <a:pPr marL="0" indent="0" algn="ctr">
+              <a:lnSpc>
+                <a:spcPct val="70000"/>
+              </a:lnSpc>
+              <a:buFont typeface="Arial" panose="020B0604020202020204" pitchFamily="34" charset="0"/>
+              <a:buNone/>
+            </a:pPr>
+            <a:endParaRPr lang="en-US" altLang="en-US" sz="3400" b="1" dirty="0">
+              <a:solidFill>
+                <a:srgbClr val="002060"/>
+              </a:solidFill>
+            </a:endParaRPr>
+          </a:p>
+        </p:txBody>
+      </p:sp>
+    </p:spTree>
+    <p:extLst>
+      <p:ext uri="{BB962C8B-B14F-4D97-AF65-F5344CB8AC3E}">
+        <p14:creationId xmlns:p14="http://schemas.microsoft.com/office/powerpoint/2010/main" val="3217771155"/>
       </p:ext>
     </p:extLst>
   </p:cSld>
@@ -3546,59 +4297,32 @@
           <a:lstStyle/>
           <a:p>
             <a:r>
-              <a:rPr lang="en-US" dirty="0" err="1"/>
-              <a:t>Örnek</a:t>
-            </a:r>
-            <a:r>
-              <a:rPr lang="en-US" dirty="0"/>
-              <a:t> </a:t>
-            </a:r>
-            <a:r>
-              <a:rPr lang="en-US" dirty="0" err="1"/>
-              <a:t>Veritabanın</a:t>
-            </a:r>
-            <a:r>
-              <a:rPr lang="en-US" dirty="0"/>
-              <a:t> SQL </a:t>
-            </a:r>
-            <a:r>
-              <a:rPr lang="en-US" dirty="0" err="1"/>
-              <a:t>Kodları</a:t>
-            </a:r>
-            <a:r>
-              <a:rPr lang="en-US" dirty="0"/>
-              <a:t> </a:t>
-            </a:r>
-            <a:endParaRPr lang="tr-TR" dirty="0"/>
-          </a:p>
-          <a:p>
-            <a:r>
-              <a:rPr lang="en-US" dirty="0" err="1"/>
-              <a:t>Örnek</a:t>
-            </a:r>
-            <a:r>
-              <a:rPr lang="en-US" dirty="0"/>
-              <a:t> </a:t>
-            </a:r>
-            <a:r>
-              <a:rPr lang="en-US" dirty="0" err="1"/>
-              <a:t>Veritabanının</a:t>
-            </a:r>
-            <a:r>
-              <a:rPr lang="en-US" dirty="0"/>
-              <a:t> </a:t>
-            </a:r>
-            <a:r>
-              <a:rPr lang="en-US" dirty="0" err="1"/>
-              <a:t>İlişkisel</a:t>
-            </a:r>
-            <a:r>
-              <a:rPr lang="en-US" dirty="0"/>
-              <a:t> </a:t>
-            </a:r>
-            <a:r>
-              <a:rPr lang="en-US" dirty="0" err="1"/>
-              <a:t>Diyagramı</a:t>
+              <a:rPr lang="en-US" dirty="0"/>
+              <a:t>SQL </a:t>
+            </a:r>
+            <a:r>
+              <a:rPr lang="en-US" dirty="0" err="1"/>
+              <a:t>Yapısal</a:t>
+            </a:r>
+            <a:r>
+              <a:rPr lang="en-US" dirty="0"/>
+              <a:t> </a:t>
+            </a:r>
+            <a:r>
+              <a:rPr lang="en-US" dirty="0" err="1"/>
+              <a:t>Sorgulama</a:t>
+            </a:r>
+            <a:r>
+              <a:rPr lang="en-US" dirty="0"/>
+              <a:t> </a:t>
+            </a:r>
+            <a:r>
+              <a:rPr lang="en-US" dirty="0" err="1"/>
+              <a:t>Dil</a:t>
+            </a:r>
+            <a:r>
+              <a:rPr lang="tr-TR" dirty="0"/>
+              <a:t>i</a:t>
             </a:r>
             <a:endParaRPr lang="en-US" dirty="0"/>
           </a:p>
@@ -3634,36 +4358,358 @@
           <a:chExt cx="0" cy="0"/>
         </a:xfrm>
       </p:grpSpPr>
-      <p:pic>
-        <p:nvPicPr>
-          <p:cNvPr id="5" name="Picture 4">
-            <a:extLst>
-              <a:ext uri="{FF2B5EF4-FFF2-40B4-BE49-F238E27FC236}">
-                <a16:creationId xmlns:a16="http://schemas.microsoft.com/office/drawing/2014/main" id="{9228E0B4-540A-E815-D297-92FB56FCFAD6}"/>
-              </a:ext>
-            </a:extLst>
-          </p:cNvPr>
-          <p:cNvPicPr>
-            <a:picLocks noChangeAspect="1"/>
-          </p:cNvPicPr>
-          <p:nvPr/>
-        </p:nvPicPr>
-        <p:blipFill>
-          <a:blip r:embed="rId2"/>
-          <a:stretch>
-            <a:fillRect/>
-          </a:stretch>
-        </p:blipFill>
-        <p:spPr>
-          <a:xfrm>
-            <a:off x="910202" y="651011"/>
-            <a:ext cx="10536095" cy="5555978"/>
-          </a:xfrm>
-          <a:prstGeom prst="rect">
-            <a:avLst/>
-          </a:prstGeom>
-        </p:spPr>
-      </p:pic>
+      <p:sp>
+        <p:nvSpPr>
+          <p:cNvPr id="2" name="Title 1">
+            <a:extLst>
+              <a:ext uri="{FF2B5EF4-FFF2-40B4-BE49-F238E27FC236}">
+                <a16:creationId xmlns:a16="http://schemas.microsoft.com/office/drawing/2014/main" id="{26B01100-1079-255C-2097-0B95D205303A}"/>
+              </a:ext>
+            </a:extLst>
+          </p:cNvPr>
+          <p:cNvSpPr>
+            <a:spLocks noGrp="1"/>
+          </p:cNvSpPr>
+          <p:nvPr>
+            <p:ph type="title"/>
+          </p:nvPr>
+        </p:nvSpPr>
+        <p:spPr/>
+        <p:txBody>
+          <a:bodyPr/>
+          <a:lstStyle/>
+          <a:p>
+            <a:r>
+              <a:rPr lang="en-US" b="1" dirty="0">
+                <a:solidFill>
+                  <a:srgbClr val="002060"/>
+                </a:solidFill>
+              </a:rPr>
+              <a:t>SQL </a:t>
+            </a:r>
+            <a:r>
+              <a:rPr lang="en-US" b="1" dirty="0" err="1">
+                <a:solidFill>
+                  <a:srgbClr val="002060"/>
+                </a:solidFill>
+              </a:rPr>
+              <a:t>Yapısal</a:t>
+            </a:r>
+            <a:r>
+              <a:rPr lang="en-US" b="1" dirty="0">
+                <a:solidFill>
+                  <a:srgbClr val="002060"/>
+                </a:solidFill>
+              </a:rPr>
+              <a:t> </a:t>
+            </a:r>
+            <a:r>
+              <a:rPr lang="en-US" b="1" dirty="0" err="1">
+                <a:solidFill>
+                  <a:srgbClr val="002060"/>
+                </a:solidFill>
+              </a:rPr>
+              <a:t>Sorgulama</a:t>
+            </a:r>
+            <a:r>
+              <a:rPr lang="en-US" b="1" dirty="0">
+                <a:solidFill>
+                  <a:srgbClr val="002060"/>
+                </a:solidFill>
+              </a:rPr>
+              <a:t> </a:t>
+            </a:r>
+            <a:r>
+              <a:rPr lang="en-US" b="1" dirty="0" err="1">
+                <a:solidFill>
+                  <a:srgbClr val="002060"/>
+                </a:solidFill>
+              </a:rPr>
+              <a:t>Dil</a:t>
+            </a:r>
+            <a:r>
+              <a:rPr lang="tr-TR" b="1" dirty="0">
+                <a:solidFill>
+                  <a:srgbClr val="002060"/>
+                </a:solidFill>
+              </a:rPr>
+              <a:t>i</a:t>
+            </a:r>
+            <a:endParaRPr lang="en-US" b="1" dirty="0">
+              <a:solidFill>
+                <a:srgbClr val="002060"/>
+              </a:solidFill>
+            </a:endParaRPr>
+          </a:p>
+        </p:txBody>
+      </p:sp>
+      <p:sp>
+        <p:nvSpPr>
+          <p:cNvPr id="3" name="Content Placeholder 2">
+            <a:extLst>
+              <a:ext uri="{FF2B5EF4-FFF2-40B4-BE49-F238E27FC236}">
+                <a16:creationId xmlns:a16="http://schemas.microsoft.com/office/drawing/2014/main" id="{D9AC62C8-7C40-8A70-06D0-2C08B773CC41}"/>
+              </a:ext>
+            </a:extLst>
+          </p:cNvPr>
+          <p:cNvSpPr>
+            <a:spLocks noGrp="1"/>
+          </p:cNvSpPr>
+          <p:nvPr>
+            <p:ph idx="1"/>
+          </p:nvPr>
+        </p:nvSpPr>
+        <p:spPr/>
+        <p:txBody>
+          <a:bodyPr/>
+          <a:lstStyle/>
+          <a:p>
+            <a:pPr algn="just"/>
+            <a:r>
+              <a:rPr lang="en-US" dirty="0"/>
+              <a:t>SQL, </a:t>
+            </a:r>
+            <a:r>
+              <a:rPr lang="en-US" dirty="0" err="1"/>
+              <a:t>İlişkisel</a:t>
+            </a:r>
+            <a:r>
+              <a:rPr lang="en-US" dirty="0"/>
+              <a:t> </a:t>
+            </a:r>
+            <a:r>
+              <a:rPr lang="en-US" dirty="0" err="1"/>
+              <a:t>veritabanlarında</a:t>
+            </a:r>
+            <a:r>
+              <a:rPr lang="en-US" dirty="0"/>
+              <a:t> </a:t>
+            </a:r>
+            <a:r>
+              <a:rPr lang="en-US" dirty="0" err="1"/>
+              <a:t>veriye</a:t>
+            </a:r>
+            <a:r>
+              <a:rPr lang="en-US" dirty="0"/>
+              <a:t> </a:t>
+            </a:r>
+            <a:r>
+              <a:rPr lang="en-US" dirty="0" err="1"/>
+              <a:t>ulaşmak</a:t>
+            </a:r>
+            <a:r>
+              <a:rPr lang="en-US" dirty="0"/>
+              <a:t> </a:t>
+            </a:r>
+            <a:r>
+              <a:rPr lang="en-US" dirty="0" err="1"/>
+              <a:t>ve</a:t>
+            </a:r>
+            <a:r>
+              <a:rPr lang="en-US" dirty="0"/>
+              <a:t> </a:t>
+            </a:r>
+            <a:r>
+              <a:rPr lang="en-US" dirty="0" err="1"/>
+              <a:t>bu</a:t>
+            </a:r>
+            <a:r>
+              <a:rPr lang="en-US" dirty="0"/>
+              <a:t> </a:t>
+            </a:r>
+            <a:r>
+              <a:rPr lang="en-US" dirty="0" err="1"/>
+              <a:t>veriyi</a:t>
+            </a:r>
+            <a:r>
+              <a:rPr lang="en-US" dirty="0"/>
+              <a:t> </a:t>
+            </a:r>
+            <a:r>
+              <a:rPr lang="en-US" dirty="0" err="1"/>
+              <a:t>okumak</a:t>
+            </a:r>
+            <a:r>
+              <a:rPr lang="en-US" dirty="0"/>
+              <a:t>, </a:t>
+            </a:r>
+            <a:r>
+              <a:rPr lang="en-US" dirty="0" err="1"/>
+              <a:t>yorumlamak</a:t>
+            </a:r>
+            <a:r>
+              <a:rPr lang="en-US" dirty="0"/>
+              <a:t>, </a:t>
+            </a:r>
+            <a:r>
+              <a:rPr lang="en-US" dirty="0" err="1"/>
+              <a:t>değiştirmek</a:t>
+            </a:r>
+            <a:r>
+              <a:rPr lang="en-US" dirty="0"/>
+              <a:t> </a:t>
+            </a:r>
+            <a:r>
+              <a:rPr lang="en-US" dirty="0" err="1"/>
+              <a:t>ya</a:t>
+            </a:r>
+            <a:r>
+              <a:rPr lang="en-US" dirty="0"/>
+              <a:t> da </a:t>
+            </a:r>
+            <a:r>
+              <a:rPr lang="en-US" dirty="0" err="1"/>
+              <a:t>verinin</a:t>
+            </a:r>
+            <a:r>
+              <a:rPr lang="en-US" dirty="0"/>
+              <a:t> </a:t>
+            </a:r>
+            <a:r>
+              <a:rPr lang="en-US" dirty="0" err="1"/>
+              <a:t>depolandığı</a:t>
+            </a:r>
+            <a:r>
+              <a:rPr lang="en-US" dirty="0"/>
+              <a:t> </a:t>
+            </a:r>
+            <a:r>
+              <a:rPr lang="en-US" dirty="0" err="1"/>
+              <a:t>birimler</a:t>
+            </a:r>
+            <a:r>
+              <a:rPr lang="en-US" dirty="0"/>
+              <a:t> </a:t>
+            </a:r>
+            <a:r>
+              <a:rPr lang="en-US" dirty="0" err="1"/>
+              <a:t>ile</a:t>
+            </a:r>
+            <a:r>
+              <a:rPr lang="en-US" dirty="0"/>
+              <a:t> her </a:t>
+            </a:r>
+            <a:r>
+              <a:rPr lang="en-US" dirty="0" err="1"/>
+              <a:t>türlü</a:t>
+            </a:r>
+            <a:r>
+              <a:rPr lang="en-US" dirty="0"/>
+              <a:t> </a:t>
+            </a:r>
+            <a:r>
+              <a:rPr lang="en-US" dirty="0" err="1"/>
+              <a:t>işlemlerin</a:t>
+            </a:r>
+            <a:r>
+              <a:rPr lang="en-US" dirty="0"/>
+              <a:t> </a:t>
+            </a:r>
+            <a:r>
+              <a:rPr lang="en-US" dirty="0" err="1"/>
+              <a:t>yapıldığı</a:t>
+            </a:r>
+            <a:r>
+              <a:rPr lang="en-US" dirty="0"/>
+              <a:t> </a:t>
+            </a:r>
+            <a:r>
+              <a:rPr lang="en-US" dirty="0" err="1"/>
+              <a:t>evrensel</a:t>
+            </a:r>
+            <a:r>
+              <a:rPr lang="en-US" dirty="0"/>
+              <a:t> </a:t>
+            </a:r>
+            <a:r>
+              <a:rPr lang="en-US" dirty="0" err="1"/>
+              <a:t>veri</a:t>
+            </a:r>
+            <a:r>
+              <a:rPr lang="en-US" dirty="0"/>
+              <a:t> </a:t>
+            </a:r>
+            <a:r>
+              <a:rPr lang="en-US" dirty="0" err="1"/>
+              <a:t>tabanı</a:t>
+            </a:r>
+            <a:r>
+              <a:rPr lang="en-US" dirty="0"/>
+              <a:t> </a:t>
+            </a:r>
+            <a:r>
+              <a:rPr lang="en-US" dirty="0" err="1"/>
+              <a:t>kodlarıdır</a:t>
+            </a:r>
+            <a:r>
+              <a:rPr lang="en-US" dirty="0"/>
+              <a:t>. SQL </a:t>
+            </a:r>
+            <a:r>
+              <a:rPr lang="en-US" dirty="0" err="1"/>
+              <a:t>aslında</a:t>
+            </a:r>
+            <a:r>
+              <a:rPr lang="en-US" dirty="0"/>
+              <a:t> </a:t>
+            </a:r>
+            <a:r>
+              <a:rPr lang="en-US" b="1" dirty="0" err="1"/>
+              <a:t>dört</a:t>
+            </a:r>
+            <a:r>
+              <a:rPr lang="en-US" b="1" dirty="0"/>
+              <a:t> </a:t>
+            </a:r>
+            <a:r>
+              <a:rPr lang="en-US" b="1" dirty="0" err="1"/>
+              <a:t>kategoride</a:t>
+            </a:r>
+            <a:r>
+              <a:rPr lang="en-US" b="1" dirty="0"/>
+              <a:t> </a:t>
+            </a:r>
+            <a:r>
+              <a:rPr lang="en-US" dirty="0" err="1"/>
+              <a:t>toplanabilir</a:t>
+            </a:r>
+            <a:r>
+              <a:rPr lang="en-US" dirty="0"/>
+              <a:t>.</a:t>
+            </a:r>
+            <a:endParaRPr lang="tr-TR" dirty="0"/>
+          </a:p>
+          <a:p>
+            <a:pPr lvl="1" algn="just"/>
+            <a:r>
+              <a:rPr lang="tr-TR" dirty="0"/>
+              <a:t>Veri tanımlama dili (DDL)</a:t>
+            </a:r>
+          </a:p>
+          <a:p>
+            <a:pPr lvl="1" algn="just"/>
+            <a:r>
+              <a:rPr lang="tr-TR" dirty="0"/>
+              <a:t>Veri işleme dili (DML)</a:t>
+            </a:r>
+          </a:p>
+          <a:p>
+            <a:pPr lvl="1" algn="just"/>
+            <a:r>
+              <a:rPr lang="tr-TR" dirty="0"/>
+              <a:t>İşlem kontrol dili (TCL)</a:t>
+            </a:r>
+          </a:p>
+          <a:p>
+            <a:pPr lvl="1" algn="just"/>
+            <a:r>
+              <a:rPr lang="tr-TR" dirty="0"/>
+              <a:t>Veri kontrol dili (DCL)</a:t>
+            </a:r>
+            <a:endParaRPr lang="en-US" dirty="0"/>
+          </a:p>
+        </p:txBody>
+      </p:sp>
     </p:spTree>
     <p:extLst>
       <p:ext uri="{BB962C8B-B14F-4D97-AF65-F5344CB8AC3E}">
@@ -3699,7 +4745,7 @@
           <p:cNvPr id="2" name="Title 1">
             <a:extLst>
               <a:ext uri="{FF2B5EF4-FFF2-40B4-BE49-F238E27FC236}">
-                <a16:creationId xmlns:a16="http://schemas.microsoft.com/office/drawing/2014/main" id="{3C06D0D8-68DF-E69F-4B4F-FDE7137BAD94}"/>
+                <a16:creationId xmlns:a16="http://schemas.microsoft.com/office/drawing/2014/main" id="{2AD12041-DB3F-8A16-3D3A-624B83DA2296}"/>
               </a:ext>
             </a:extLst>
           </p:cNvPr>
@@ -3715,39 +4761,70 @@
           <a:bodyPr/>
           <a:lstStyle/>
           <a:p>
-            <a:endParaRPr lang="en-US"/>
-          </a:p>
-        </p:txBody>
-      </p:sp>
-      <p:sp>
-        <p:nvSpPr>
-          <p:cNvPr id="3" name="Content Placeholder 2">
-            <a:extLst>
-              <a:ext uri="{FF2B5EF4-FFF2-40B4-BE49-F238E27FC236}">
-                <a16:creationId xmlns:a16="http://schemas.microsoft.com/office/drawing/2014/main" id="{14A0B941-5DB4-1E22-A993-2C681300830A}"/>
-              </a:ext>
-            </a:extLst>
-          </p:cNvPr>
-          <p:cNvSpPr>
-            <a:spLocks noGrp="1"/>
-          </p:cNvSpPr>
+            <a:r>
+              <a:rPr lang="it-IT" b="1" dirty="0">
+                <a:solidFill>
+                  <a:srgbClr val="002060"/>
+                </a:solidFill>
+              </a:rPr>
+              <a:t>Veri Tanımlama Dili </a:t>
+            </a:r>
+            <a:br>
+              <a:rPr lang="tr-TR" b="1" dirty="0">
+                <a:solidFill>
+                  <a:srgbClr val="002060"/>
+                </a:solidFill>
+              </a:rPr>
+            </a:br>
+            <a:r>
+              <a:rPr lang="it-IT" b="1" dirty="0">
+                <a:solidFill>
+                  <a:srgbClr val="002060"/>
+                </a:solidFill>
+              </a:rPr>
+              <a:t>(DDL- Data Definition Language)</a:t>
+            </a:r>
+            <a:endParaRPr lang="en-US" b="1" dirty="0">
+              <a:solidFill>
+                <a:srgbClr val="002060"/>
+              </a:solidFill>
+            </a:endParaRPr>
+          </a:p>
+        </p:txBody>
+      </p:sp>
+      <p:pic>
+        <p:nvPicPr>
+          <p:cNvPr id="5" name="Content Placeholder 4">
+            <a:extLst>
+              <a:ext uri="{FF2B5EF4-FFF2-40B4-BE49-F238E27FC236}">
+                <a16:creationId xmlns:a16="http://schemas.microsoft.com/office/drawing/2014/main" id="{8A82CF21-5A2F-EFAE-EECF-1F08699317F4}"/>
+              </a:ext>
+            </a:extLst>
+          </p:cNvPr>
+          <p:cNvPicPr>
+            <a:picLocks noGrp="1" noChangeAspect="1"/>
+          </p:cNvPicPr>
           <p:nvPr>
             <p:ph idx="1"/>
           </p:nvPr>
-        </p:nvSpPr>
-        <p:spPr/>
-        <p:txBody>
-          <a:bodyPr/>
-          <a:lstStyle/>
-          <a:p>
-            <a:endParaRPr lang="en-US"/>
-          </a:p>
-        </p:txBody>
-      </p:sp>
+        </p:nvPicPr>
+        <p:blipFill>
+          <a:blip r:embed="rId2"/>
+          <a:stretch>
+            <a:fillRect/>
+          </a:stretch>
+        </p:blipFill>
+        <p:spPr>
+          <a:xfrm>
+            <a:off x="1912347" y="2256484"/>
+            <a:ext cx="8367305" cy="3530762"/>
+          </a:xfrm>
+        </p:spPr>
+      </p:pic>
     </p:spTree>
     <p:extLst>
       <p:ext uri="{BB962C8B-B14F-4D97-AF65-F5344CB8AC3E}">
-        <p14:creationId xmlns:p14="http://schemas.microsoft.com/office/powerpoint/2010/main" val="3728699930"/>
+        <p14:creationId xmlns:p14="http://schemas.microsoft.com/office/powerpoint/2010/main" val="1068729480"/>
       </p:ext>
     </p:extLst>
   </p:cSld>
@@ -3779,7 +4856,7 @@
           <p:cNvPr id="2" name="Title 1">
             <a:extLst>
               <a:ext uri="{FF2B5EF4-FFF2-40B4-BE49-F238E27FC236}">
-                <a16:creationId xmlns:a16="http://schemas.microsoft.com/office/drawing/2014/main" id="{ABBF7A61-E0D5-B9BA-19A6-9F616BE396FE}"/>
+                <a16:creationId xmlns:a16="http://schemas.microsoft.com/office/drawing/2014/main" id="{3294070E-367A-A2D4-4ADE-3F6EFF319A23}"/>
               </a:ext>
             </a:extLst>
           </p:cNvPr>
@@ -3795,39 +4872,70 @@
           <a:bodyPr/>
           <a:lstStyle/>
           <a:p>
-            <a:endParaRPr lang="en-US"/>
-          </a:p>
-        </p:txBody>
-      </p:sp>
-      <p:sp>
-        <p:nvSpPr>
-          <p:cNvPr id="3" name="Content Placeholder 2">
-            <a:extLst>
-              <a:ext uri="{FF2B5EF4-FFF2-40B4-BE49-F238E27FC236}">
-                <a16:creationId xmlns:a16="http://schemas.microsoft.com/office/drawing/2014/main" id="{9A6EE126-6549-46C1-AC13-6FCC09DDD211}"/>
-              </a:ext>
-            </a:extLst>
-          </p:cNvPr>
-          <p:cNvSpPr>
-            <a:spLocks noGrp="1"/>
-          </p:cNvSpPr>
+            <a:r>
+              <a:rPr lang="it-IT" b="1" dirty="0">
+                <a:solidFill>
+                  <a:srgbClr val="002060"/>
+                </a:solidFill>
+              </a:rPr>
+              <a:t>Veri İşleme Dili </a:t>
+            </a:r>
+            <a:br>
+              <a:rPr lang="tr-TR" b="1" dirty="0">
+                <a:solidFill>
+                  <a:srgbClr val="002060"/>
+                </a:solidFill>
+              </a:rPr>
+            </a:br>
+            <a:r>
+              <a:rPr lang="it-IT" b="1" dirty="0">
+                <a:solidFill>
+                  <a:srgbClr val="002060"/>
+                </a:solidFill>
+              </a:rPr>
+              <a:t>(DML - Data Manipulation Language) </a:t>
+            </a:r>
+            <a:endParaRPr lang="en-US" b="1" dirty="0">
+              <a:solidFill>
+                <a:srgbClr val="002060"/>
+              </a:solidFill>
+            </a:endParaRPr>
+          </a:p>
+        </p:txBody>
+      </p:sp>
+      <p:pic>
+        <p:nvPicPr>
+          <p:cNvPr id="7" name="Content Placeholder 6">
+            <a:extLst>
+              <a:ext uri="{FF2B5EF4-FFF2-40B4-BE49-F238E27FC236}">
+                <a16:creationId xmlns:a16="http://schemas.microsoft.com/office/drawing/2014/main" id="{447041D4-0F8C-F436-9402-1AC1E86DC948}"/>
+              </a:ext>
+            </a:extLst>
+          </p:cNvPr>
+          <p:cNvPicPr>
+            <a:picLocks noGrp="1" noChangeAspect="1"/>
+          </p:cNvPicPr>
           <p:nvPr>
             <p:ph idx="1"/>
           </p:nvPr>
-        </p:nvSpPr>
-        <p:spPr/>
-        <p:txBody>
-          <a:bodyPr/>
-          <a:lstStyle/>
-          <a:p>
-            <a:endParaRPr lang="en-US"/>
-          </a:p>
-        </p:txBody>
-      </p:sp>
+        </p:nvPicPr>
+        <p:blipFill>
+          <a:blip r:embed="rId2"/>
+          <a:stretch>
+            <a:fillRect/>
+          </a:stretch>
+        </p:blipFill>
+        <p:spPr>
+          <a:xfrm>
+            <a:off x="1714929" y="2137083"/>
+            <a:ext cx="8762142" cy="3674735"/>
+          </a:xfrm>
+        </p:spPr>
+      </p:pic>
     </p:spTree>
     <p:extLst>
       <p:ext uri="{BB962C8B-B14F-4D97-AF65-F5344CB8AC3E}">
-        <p14:creationId xmlns:p14="http://schemas.microsoft.com/office/powerpoint/2010/main" val="1824884581"/>
+        <p14:creationId xmlns:p14="http://schemas.microsoft.com/office/powerpoint/2010/main" val="394992928"/>
       </p:ext>
     </p:extLst>
   </p:cSld>
@@ -3856,58 +4964,196 @@
       </p:grpSpPr>
       <p:sp>
         <p:nvSpPr>
-          <p:cNvPr id="2" name="Title 1">
-            <a:extLst>
-              <a:ext uri="{FF2B5EF4-FFF2-40B4-BE49-F238E27FC236}">
-                <a16:creationId xmlns:a16="http://schemas.microsoft.com/office/drawing/2014/main" id="{3C0DE202-82CF-A9A5-702F-C222D15FC400}"/>
-              </a:ext>
-            </a:extLst>
-          </p:cNvPr>
-          <p:cNvSpPr>
-            <a:spLocks noGrp="1"/>
-          </p:cNvSpPr>
-          <p:nvPr>
-            <p:ph type="title"/>
-          </p:nvPr>
-        </p:nvSpPr>
-        <p:spPr/>
+          <p:cNvPr id="3" name="Content Placeholder 2">
+            <a:extLst>
+              <a:ext uri="{FF2B5EF4-FFF2-40B4-BE49-F238E27FC236}">
+                <a16:creationId xmlns:a16="http://schemas.microsoft.com/office/drawing/2014/main" id="{905E09B7-87C2-72D7-4AE3-B8C1F5D9FF37}"/>
+              </a:ext>
+            </a:extLst>
+          </p:cNvPr>
+          <p:cNvSpPr>
+            <a:spLocks noGrp="1"/>
+          </p:cNvSpPr>
+          <p:nvPr>
+            <p:ph idx="1"/>
+          </p:nvPr>
+        </p:nvSpPr>
+        <p:spPr>
+          <a:xfrm>
+            <a:off x="838200" y="627017"/>
+            <a:ext cx="10515600" cy="5549946"/>
+          </a:xfrm>
+        </p:spPr>
         <p:txBody>
           <a:bodyPr/>
           <a:lstStyle/>
           <a:p>
-            <a:endParaRPr lang="en-US"/>
-          </a:p>
-        </p:txBody>
-      </p:sp>
-      <p:sp>
-        <p:nvSpPr>
-          <p:cNvPr id="3" name="Content Placeholder 2">
-            <a:extLst>
-              <a:ext uri="{FF2B5EF4-FFF2-40B4-BE49-F238E27FC236}">
-                <a16:creationId xmlns:a16="http://schemas.microsoft.com/office/drawing/2014/main" id="{DCD3A123-0DEE-AF3B-F30B-40DA90B365FF}"/>
-              </a:ext>
-            </a:extLst>
-          </p:cNvPr>
-          <p:cNvSpPr>
-            <a:spLocks noGrp="1"/>
-          </p:cNvSpPr>
-          <p:nvPr>
-            <p:ph idx="1"/>
-          </p:nvPr>
-        </p:nvSpPr>
-        <p:spPr/>
-        <p:txBody>
-          <a:bodyPr/>
-          <a:lstStyle/>
-          <a:p>
-            <a:endParaRPr lang="en-US"/>
-          </a:p>
-        </p:txBody>
-      </p:sp>
+            <a:pPr algn="just"/>
+            <a:r>
+              <a:rPr lang="en-US" dirty="0" err="1"/>
+              <a:t>Örnek</a:t>
+            </a:r>
+            <a:r>
+              <a:rPr lang="en-US" dirty="0"/>
+              <a:t>: </a:t>
+            </a:r>
+            <a:r>
+              <a:rPr lang="en-US" dirty="0" err="1"/>
+              <a:t>Bölüm</a:t>
+            </a:r>
+            <a:r>
+              <a:rPr lang="en-US" dirty="0"/>
+              <a:t> </a:t>
+            </a:r>
+            <a:r>
+              <a:rPr lang="en-US" dirty="0" err="1"/>
+              <a:t>tablosunda</a:t>
+            </a:r>
+            <a:r>
+              <a:rPr lang="en-US" dirty="0"/>
+              <a:t> 1 </a:t>
+            </a:r>
+            <a:r>
+              <a:rPr lang="en-US" dirty="0" err="1"/>
+              <a:t>numaralı</a:t>
+            </a:r>
+            <a:r>
+              <a:rPr lang="en-US" dirty="0"/>
+              <a:t> </a:t>
+            </a:r>
+            <a:r>
+              <a:rPr lang="en-US" dirty="0" err="1"/>
+              <a:t>kayıt</a:t>
+            </a:r>
+            <a:r>
+              <a:rPr lang="en-US" dirty="0"/>
+              <a:t> var </a:t>
+            </a:r>
+            <a:r>
+              <a:rPr lang="en-US" dirty="0" err="1"/>
+              <a:t>ise</a:t>
+            </a:r>
+            <a:r>
+              <a:rPr lang="en-US" dirty="0"/>
+              <a:t> </a:t>
+            </a:r>
+            <a:r>
+              <a:rPr lang="en-US" dirty="0" err="1"/>
+              <a:t>bunu</a:t>
+            </a:r>
+            <a:r>
+              <a:rPr lang="en-US" dirty="0"/>
+              <a:t> </a:t>
+            </a:r>
+            <a:r>
+              <a:rPr lang="en-US" dirty="0" err="1"/>
+              <a:t>güncelleyen</a:t>
+            </a:r>
+            <a:r>
+              <a:rPr lang="en-US" dirty="0"/>
+              <a:t> yok </a:t>
+            </a:r>
+            <a:r>
+              <a:rPr lang="en-US" dirty="0" err="1"/>
+              <a:t>ise</a:t>
+            </a:r>
+            <a:r>
+              <a:rPr lang="en-US" dirty="0"/>
+              <a:t> BÖTE </a:t>
+            </a:r>
+            <a:r>
+              <a:rPr lang="en-US" dirty="0" err="1"/>
+              <a:t>isimli</a:t>
+            </a:r>
+            <a:r>
+              <a:rPr lang="en-US" dirty="0"/>
+              <a:t> </a:t>
+            </a:r>
+            <a:r>
+              <a:rPr lang="en-US" dirty="0" err="1"/>
+              <a:t>bir</a:t>
+            </a:r>
+            <a:r>
+              <a:rPr lang="en-US" dirty="0"/>
+              <a:t> </a:t>
+            </a:r>
+            <a:r>
+              <a:rPr lang="en-US" dirty="0" err="1"/>
+              <a:t>kayıt</a:t>
+            </a:r>
+            <a:r>
+              <a:rPr lang="en-US" dirty="0"/>
+              <a:t> </a:t>
+            </a:r>
+            <a:r>
+              <a:rPr lang="en-US" dirty="0" err="1"/>
+              <a:t>girmesini</a:t>
+            </a:r>
+            <a:r>
+              <a:rPr lang="en-US" dirty="0"/>
+              <a:t> </a:t>
+            </a:r>
+            <a:r>
+              <a:rPr lang="en-US" dirty="0" err="1"/>
+              <a:t>sağlayan</a:t>
+            </a:r>
+            <a:r>
+              <a:rPr lang="en-US" dirty="0"/>
+              <a:t> </a:t>
+            </a:r>
+            <a:r>
+              <a:rPr lang="en-US" dirty="0" err="1"/>
+              <a:t>kodu</a:t>
+            </a:r>
+            <a:r>
+              <a:rPr lang="en-US" dirty="0"/>
+              <a:t> </a:t>
+            </a:r>
+            <a:r>
+              <a:rPr lang="en-US" dirty="0" err="1"/>
+              <a:t>yazınız</a:t>
+            </a:r>
+            <a:r>
+              <a:rPr lang="en-US" dirty="0"/>
+              <a:t>.</a:t>
+            </a:r>
+          </a:p>
+        </p:txBody>
+      </p:sp>
+      <p:pic>
+        <p:nvPicPr>
+          <p:cNvPr id="5" name="Picture 4">
+            <a:extLst>
+              <a:ext uri="{FF2B5EF4-FFF2-40B4-BE49-F238E27FC236}">
+                <a16:creationId xmlns:a16="http://schemas.microsoft.com/office/drawing/2014/main" id="{CFA696D3-9F06-A066-6789-C8BF925CBA1B}"/>
+              </a:ext>
+            </a:extLst>
+          </p:cNvPr>
+          <p:cNvPicPr>
+            <a:picLocks noChangeAspect="1"/>
+          </p:cNvPicPr>
+          <p:nvPr/>
+        </p:nvPicPr>
+        <p:blipFill>
+          <a:blip r:embed="rId2"/>
+          <a:stretch>
+            <a:fillRect/>
+          </a:stretch>
+        </p:blipFill>
+        <p:spPr>
+          <a:xfrm>
+            <a:off x="452788" y="2344409"/>
+            <a:ext cx="11422276" cy="2956353"/>
+          </a:xfrm>
+          <a:prstGeom prst="rect">
+            <a:avLst/>
+          </a:prstGeom>
+        </p:spPr>
+      </p:pic>
     </p:spTree>
     <p:extLst>
       <p:ext uri="{BB962C8B-B14F-4D97-AF65-F5344CB8AC3E}">
-        <p14:creationId xmlns:p14="http://schemas.microsoft.com/office/powerpoint/2010/main" val="2340489346"/>
+        <p14:creationId xmlns:p14="http://schemas.microsoft.com/office/powerpoint/2010/main" val="1363503024"/>
       </p:ext>
     </p:extLst>
   </p:cSld>
@@ -3939,7 +5185,7 @@
           <p:cNvPr id="2" name="Title 1">
             <a:extLst>
               <a:ext uri="{FF2B5EF4-FFF2-40B4-BE49-F238E27FC236}">
-                <a16:creationId xmlns:a16="http://schemas.microsoft.com/office/drawing/2014/main" id="{C2A1F827-DD52-7D74-9676-A8DB6ABFE838}"/>
+                <a16:creationId xmlns:a16="http://schemas.microsoft.com/office/drawing/2014/main" id="{8F9A5887-6EFD-467E-F40C-02C39EBC8D6E}"/>
               </a:ext>
             </a:extLst>
           </p:cNvPr>
@@ -3955,39 +5201,89 @@
           <a:bodyPr/>
           <a:lstStyle/>
           <a:p>
-            <a:endParaRPr lang="en-US"/>
-          </a:p>
-        </p:txBody>
-      </p:sp>
-      <p:sp>
-        <p:nvSpPr>
-          <p:cNvPr id="3" name="Content Placeholder 2">
-            <a:extLst>
-              <a:ext uri="{FF2B5EF4-FFF2-40B4-BE49-F238E27FC236}">
-                <a16:creationId xmlns:a16="http://schemas.microsoft.com/office/drawing/2014/main" id="{E0C253CE-3CA7-128A-5108-7EC19BCEA8BC}"/>
-              </a:ext>
-            </a:extLst>
-          </p:cNvPr>
-          <p:cNvSpPr>
-            <a:spLocks noGrp="1"/>
-          </p:cNvSpPr>
+            <a:r>
+              <a:rPr lang="en-US" b="1" dirty="0" err="1">
+                <a:solidFill>
+                  <a:srgbClr val="002060"/>
+                </a:solidFill>
+              </a:rPr>
+              <a:t>İşlem</a:t>
+            </a:r>
+            <a:r>
+              <a:rPr lang="en-US" b="1" dirty="0">
+                <a:solidFill>
+                  <a:srgbClr val="002060"/>
+                </a:solidFill>
+              </a:rPr>
+              <a:t> </a:t>
+            </a:r>
+            <a:r>
+              <a:rPr lang="en-US" b="1" dirty="0" err="1">
+                <a:solidFill>
+                  <a:srgbClr val="002060"/>
+                </a:solidFill>
+              </a:rPr>
+              <a:t>Kontrol</a:t>
+            </a:r>
+            <a:r>
+              <a:rPr lang="en-US" b="1" dirty="0">
+                <a:solidFill>
+                  <a:srgbClr val="002060"/>
+                </a:solidFill>
+              </a:rPr>
+              <a:t> Dili </a:t>
+            </a:r>
+            <a:br>
+              <a:rPr lang="tr-TR" b="1" dirty="0">
+                <a:solidFill>
+                  <a:srgbClr val="002060"/>
+                </a:solidFill>
+              </a:rPr>
+            </a:br>
+            <a:r>
+              <a:rPr lang="en-US" b="1" dirty="0">
+                <a:solidFill>
+                  <a:srgbClr val="002060"/>
+                </a:solidFill>
+              </a:rPr>
+              <a:t>(TCL-Transaction Control Language) </a:t>
+            </a:r>
+          </a:p>
+        </p:txBody>
+      </p:sp>
+      <p:pic>
+        <p:nvPicPr>
+          <p:cNvPr id="5" name="Content Placeholder 4">
+            <a:extLst>
+              <a:ext uri="{FF2B5EF4-FFF2-40B4-BE49-F238E27FC236}">
+                <a16:creationId xmlns:a16="http://schemas.microsoft.com/office/drawing/2014/main" id="{DF84671F-C267-7916-48BC-C11B32B02CAE}"/>
+              </a:ext>
+            </a:extLst>
+          </p:cNvPr>
+          <p:cNvPicPr>
+            <a:picLocks noGrp="1" noChangeAspect="1"/>
+          </p:cNvPicPr>
           <p:nvPr>
             <p:ph idx="1"/>
           </p:nvPr>
-        </p:nvSpPr>
-        <p:spPr/>
-        <p:txBody>
-          <a:bodyPr/>
-          <a:lstStyle/>
-          <a:p>
-            <a:endParaRPr lang="en-US"/>
-          </a:p>
-        </p:txBody>
-      </p:sp>
+        </p:nvPicPr>
+        <p:blipFill>
+          <a:blip r:embed="rId2"/>
+          <a:stretch>
+            <a:fillRect/>
+          </a:stretch>
+        </p:blipFill>
+        <p:spPr>
+          <a:xfrm>
+            <a:off x="1604982" y="2673985"/>
+            <a:ext cx="8982035" cy="2225239"/>
+          </a:xfrm>
+        </p:spPr>
+      </p:pic>
     </p:spTree>
     <p:extLst>
       <p:ext uri="{BB962C8B-B14F-4D97-AF65-F5344CB8AC3E}">
-        <p14:creationId xmlns:p14="http://schemas.microsoft.com/office/powerpoint/2010/main" val="3738846121"/>
+        <p14:creationId xmlns:p14="http://schemas.microsoft.com/office/powerpoint/2010/main" val="941616893"/>
       </p:ext>
     </p:extLst>
   </p:cSld>
@@ -4019,7 +5315,7 @@
           <p:cNvPr id="2" name="Title 1">
             <a:extLst>
               <a:ext uri="{FF2B5EF4-FFF2-40B4-BE49-F238E27FC236}">
-                <a16:creationId xmlns:a16="http://schemas.microsoft.com/office/drawing/2014/main" id="{2092DFC2-AD5E-3D4D-5DE4-7012D68153C6}"/>
+                <a16:creationId xmlns:a16="http://schemas.microsoft.com/office/drawing/2014/main" id="{E4CA5CBB-56CA-A5A7-82D1-D2EB34DF440D}"/>
               </a:ext>
             </a:extLst>
           </p:cNvPr>
@@ -4035,39 +5331,70 @@
           <a:bodyPr/>
           <a:lstStyle/>
           <a:p>
-            <a:endParaRPr lang="en-US"/>
-          </a:p>
-        </p:txBody>
-      </p:sp>
-      <p:sp>
-        <p:nvSpPr>
-          <p:cNvPr id="3" name="Content Placeholder 2">
-            <a:extLst>
-              <a:ext uri="{FF2B5EF4-FFF2-40B4-BE49-F238E27FC236}">
-                <a16:creationId xmlns:a16="http://schemas.microsoft.com/office/drawing/2014/main" id="{184B9439-7B9A-7C6F-1A36-00B9A9B7FDC4}"/>
-              </a:ext>
-            </a:extLst>
-          </p:cNvPr>
-          <p:cNvSpPr>
-            <a:spLocks noGrp="1"/>
-          </p:cNvSpPr>
+            <a:r>
+              <a:rPr lang="it-IT" b="1" dirty="0">
+                <a:solidFill>
+                  <a:srgbClr val="002060"/>
+                </a:solidFill>
+              </a:rPr>
+              <a:t>Veri Kontrol Dili </a:t>
+            </a:r>
+            <a:br>
+              <a:rPr lang="tr-TR" b="1" dirty="0">
+                <a:solidFill>
+                  <a:srgbClr val="002060"/>
+                </a:solidFill>
+              </a:rPr>
+            </a:br>
+            <a:r>
+              <a:rPr lang="it-IT" b="1" dirty="0">
+                <a:solidFill>
+                  <a:srgbClr val="002060"/>
+                </a:solidFill>
+              </a:rPr>
+              <a:t>(DCL-Data Control Language)</a:t>
+            </a:r>
+            <a:endParaRPr lang="en-US" b="1" dirty="0">
+              <a:solidFill>
+                <a:srgbClr val="002060"/>
+              </a:solidFill>
+            </a:endParaRPr>
+          </a:p>
+        </p:txBody>
+      </p:sp>
+      <p:pic>
+        <p:nvPicPr>
+          <p:cNvPr id="5" name="Content Placeholder 4">
+            <a:extLst>
+              <a:ext uri="{FF2B5EF4-FFF2-40B4-BE49-F238E27FC236}">
+                <a16:creationId xmlns:a16="http://schemas.microsoft.com/office/drawing/2014/main" id="{204D5877-FC8F-A07D-10D5-FB7FCC40ED05}"/>
+              </a:ext>
+            </a:extLst>
+          </p:cNvPr>
+          <p:cNvPicPr>
+            <a:picLocks noGrp="1" noChangeAspect="1"/>
+          </p:cNvPicPr>
           <p:nvPr>
             <p:ph idx="1"/>
           </p:nvPr>
-        </p:nvSpPr>
-        <p:spPr/>
-        <p:txBody>
-          <a:bodyPr/>
-          <a:lstStyle/>
-          <a:p>
-            <a:endParaRPr lang="en-US"/>
-          </a:p>
-        </p:txBody>
-      </p:sp>
+        </p:nvPicPr>
+        <p:blipFill>
+          <a:blip r:embed="rId2"/>
+          <a:stretch>
+            <a:fillRect/>
+          </a:stretch>
+        </p:blipFill>
+        <p:spPr>
+          <a:xfrm>
+            <a:off x="1242868" y="2754957"/>
+            <a:ext cx="9706264" cy="2130107"/>
+          </a:xfrm>
+        </p:spPr>
+      </p:pic>
     </p:spTree>
     <p:extLst>
       <p:ext uri="{BB962C8B-B14F-4D97-AF65-F5344CB8AC3E}">
-        <p14:creationId xmlns:p14="http://schemas.microsoft.com/office/powerpoint/2010/main" val="2251948506"/>
+        <p14:creationId xmlns:p14="http://schemas.microsoft.com/office/powerpoint/2010/main" val="3659762506"/>
       </p:ext>
     </p:extLst>
   </p:cSld>
@@ -4099,7 +5426,7 @@
           <p:cNvPr id="2" name="Title 1">
             <a:extLst>
               <a:ext uri="{FF2B5EF4-FFF2-40B4-BE49-F238E27FC236}">
-                <a16:creationId xmlns:a16="http://schemas.microsoft.com/office/drawing/2014/main" id="{7238DB1A-091C-5EBC-051B-C8FF01E84458}"/>
+                <a16:creationId xmlns:a16="http://schemas.microsoft.com/office/drawing/2014/main" id="{CC6209FD-B9FE-B2A2-F8CC-AC48B5A70BBF}"/>
               </a:ext>
             </a:extLst>
           </p:cNvPr>
@@ -4115,7 +5442,43 @@
           <a:bodyPr/>
           <a:lstStyle/>
           <a:p>
-            <a:endParaRPr lang="en-US"/>
+            <a:r>
+              <a:rPr lang="en-US" b="1" dirty="0">
+                <a:solidFill>
+                  <a:srgbClr val="002060"/>
+                </a:solidFill>
+              </a:rPr>
+              <a:t>ORACLE’ da </a:t>
+            </a:r>
+            <a:r>
+              <a:rPr lang="en-US" b="1" dirty="0" err="1">
+                <a:solidFill>
+                  <a:srgbClr val="002060"/>
+                </a:solidFill>
+              </a:rPr>
+              <a:t>Bütünlük</a:t>
+            </a:r>
+            <a:r>
+              <a:rPr lang="en-US" b="1" dirty="0">
+                <a:solidFill>
+                  <a:srgbClr val="002060"/>
+                </a:solidFill>
+              </a:rPr>
+              <a:t> </a:t>
+            </a:r>
+            <a:r>
+              <a:rPr lang="en-US" b="1" dirty="0" err="1">
+                <a:solidFill>
+                  <a:srgbClr val="002060"/>
+                </a:solidFill>
+              </a:rPr>
+              <a:t>Kısıtları</a:t>
+            </a:r>
+            <a:endParaRPr lang="en-US" b="1" dirty="0">
+              <a:solidFill>
+                <a:srgbClr val="002060"/>
+              </a:solidFill>
+            </a:endParaRPr>
           </a:p>
         </p:txBody>
       </p:sp>
@@ -4124,7 +5487,7 @@
           <p:cNvPr id="3" name="Content Placeholder 2">
             <a:extLst>
               <a:ext uri="{FF2B5EF4-FFF2-40B4-BE49-F238E27FC236}">
-                <a16:creationId xmlns:a16="http://schemas.microsoft.com/office/drawing/2014/main" id="{AEFFCFFF-6F45-311A-2474-1A8ED8E9592A}"/>
+                <a16:creationId xmlns:a16="http://schemas.microsoft.com/office/drawing/2014/main" id="{9BD7A3F7-B7F3-1E59-8544-4CEBD72FE766}"/>
               </a:ext>
             </a:extLst>
           </p:cNvPr>
@@ -4137,17 +5500,795 @@
         </p:nvSpPr>
         <p:spPr/>
         <p:txBody>
-          <a:bodyPr/>
+          <a:bodyPr>
+            <a:normAutofit fontScale="92500" lnSpcReduction="20000"/>
+          </a:bodyPr>
           <a:lstStyle/>
           <a:p>
-            <a:endParaRPr lang="en-US"/>
+            <a:pPr algn="just"/>
+            <a:r>
+              <a:rPr lang="en-US" b="1" dirty="0"/>
+              <a:t>Primary Key </a:t>
+            </a:r>
+            <a:r>
+              <a:rPr lang="tr-TR" b="1" dirty="0"/>
+              <a:t>:</a:t>
+            </a:r>
+            <a:r>
+              <a:rPr lang="en-US" b="1" dirty="0"/>
+              <a:t> </a:t>
+            </a:r>
+            <a:r>
+              <a:rPr lang="en-US" dirty="0" err="1"/>
+              <a:t>Birincil</a:t>
+            </a:r>
+            <a:r>
+              <a:rPr lang="en-US" dirty="0"/>
+              <a:t> </a:t>
+            </a:r>
+            <a:r>
+              <a:rPr lang="en-US" dirty="0" err="1"/>
+              <a:t>Anahtar</a:t>
+            </a:r>
+            <a:r>
+              <a:rPr lang="en-US" dirty="0"/>
+              <a:t> </a:t>
+            </a:r>
+            <a:r>
+              <a:rPr lang="en-US" dirty="0" err="1"/>
+              <a:t>atamak</a:t>
+            </a:r>
+            <a:r>
+              <a:rPr lang="en-US" dirty="0"/>
+              <a:t> </a:t>
+            </a:r>
+            <a:r>
+              <a:rPr lang="en-US" dirty="0" err="1"/>
+              <a:t>için</a:t>
+            </a:r>
+            <a:r>
+              <a:rPr lang="en-US" dirty="0"/>
+              <a:t> </a:t>
+            </a:r>
+            <a:r>
+              <a:rPr lang="en-US" dirty="0" err="1"/>
+              <a:t>kullanılan</a:t>
+            </a:r>
+            <a:r>
+              <a:rPr lang="en-US" dirty="0"/>
+              <a:t> </a:t>
+            </a:r>
+            <a:r>
+              <a:rPr lang="en-US" dirty="0" err="1"/>
+              <a:t>kısıttır</a:t>
+            </a:r>
+            <a:r>
+              <a:rPr lang="en-US" dirty="0"/>
+              <a:t>. </a:t>
+            </a:r>
+            <a:r>
+              <a:rPr lang="en-US" dirty="0" err="1"/>
+              <a:t>Kısıtın</a:t>
+            </a:r>
+            <a:r>
+              <a:rPr lang="en-US" dirty="0"/>
+              <a:t> </a:t>
+            </a:r>
+            <a:r>
+              <a:rPr lang="en-US" dirty="0" err="1"/>
+              <a:t>verildiği</a:t>
+            </a:r>
+            <a:r>
+              <a:rPr lang="en-US" dirty="0"/>
+              <a:t> </a:t>
+            </a:r>
+            <a:r>
+              <a:rPr lang="en-US" dirty="0" err="1"/>
+              <a:t>kolona</a:t>
+            </a:r>
+            <a:r>
+              <a:rPr lang="en-US" dirty="0"/>
+              <a:t> </a:t>
+            </a:r>
+            <a:r>
+              <a:rPr lang="en-US" dirty="0" err="1"/>
+              <a:t>artık</a:t>
+            </a:r>
+            <a:r>
+              <a:rPr lang="en-US" dirty="0"/>
+              <a:t> </a:t>
+            </a:r>
+            <a:r>
+              <a:rPr lang="en-US" b="1" dirty="0" err="1"/>
+              <a:t>benzersiz</a:t>
+            </a:r>
+            <a:r>
+              <a:rPr lang="en-US" b="1" dirty="0"/>
+              <a:t> </a:t>
+            </a:r>
+            <a:r>
+              <a:rPr lang="en-US" b="1" dirty="0" err="1"/>
+              <a:t>ve</a:t>
+            </a:r>
+            <a:r>
+              <a:rPr lang="en-US" b="1" dirty="0"/>
+              <a:t> </a:t>
+            </a:r>
+            <a:r>
+              <a:rPr lang="en-US" b="1" dirty="0" err="1"/>
+              <a:t>tekrarsız</a:t>
+            </a:r>
+            <a:r>
+              <a:rPr lang="en-US" b="1" dirty="0"/>
+              <a:t> </a:t>
+            </a:r>
+            <a:r>
+              <a:rPr lang="en-US" b="1" dirty="0" err="1"/>
+              <a:t>verilerin</a:t>
+            </a:r>
+            <a:r>
+              <a:rPr lang="en-US" b="1" dirty="0"/>
+              <a:t> </a:t>
+            </a:r>
+            <a:r>
+              <a:rPr lang="en-US" b="1" dirty="0" err="1"/>
+              <a:t>girilmesi</a:t>
+            </a:r>
+            <a:r>
+              <a:rPr lang="en-US" b="1" dirty="0"/>
+              <a:t> </a:t>
+            </a:r>
+            <a:r>
+              <a:rPr lang="en-US" dirty="0" err="1"/>
+              <a:t>gerekmektedir</a:t>
+            </a:r>
+            <a:r>
+              <a:rPr lang="en-US" dirty="0"/>
+              <a:t>. Bu </a:t>
+            </a:r>
+            <a:r>
+              <a:rPr lang="en-US" dirty="0" err="1"/>
+              <a:t>alan</a:t>
+            </a:r>
+            <a:r>
+              <a:rPr lang="en-US" dirty="0"/>
+              <a:t> NULL </a:t>
+            </a:r>
+            <a:r>
+              <a:rPr lang="en-US" dirty="0" err="1"/>
+              <a:t>girişe</a:t>
+            </a:r>
+            <a:r>
+              <a:rPr lang="en-US" dirty="0"/>
+              <a:t> </a:t>
+            </a:r>
+            <a:r>
+              <a:rPr lang="en-US" dirty="0" err="1"/>
+              <a:t>izin</a:t>
+            </a:r>
+            <a:r>
+              <a:rPr lang="en-US" dirty="0"/>
+              <a:t> </a:t>
+            </a:r>
+            <a:r>
+              <a:rPr lang="en-US" dirty="0" err="1"/>
+              <a:t>vermez</a:t>
+            </a:r>
+            <a:r>
+              <a:rPr lang="tr-TR" dirty="0"/>
+              <a:t>.</a:t>
+            </a:r>
+          </a:p>
+          <a:p>
+            <a:pPr algn="just"/>
+            <a:r>
+              <a:rPr lang="en-US" b="1" dirty="0"/>
+              <a:t>Foreign Key </a:t>
+            </a:r>
+            <a:r>
+              <a:rPr lang="tr-TR" b="1" dirty="0"/>
+              <a:t>: </a:t>
+            </a:r>
+            <a:r>
+              <a:rPr lang="en-US" dirty="0" err="1"/>
+              <a:t>İlişkili</a:t>
+            </a:r>
+            <a:r>
+              <a:rPr lang="en-US" dirty="0"/>
+              <a:t> </a:t>
+            </a:r>
+            <a:r>
+              <a:rPr lang="en-US" dirty="0" err="1"/>
+              <a:t>tablolarda</a:t>
+            </a:r>
+            <a:r>
+              <a:rPr lang="en-US" dirty="0"/>
+              <a:t> ana </a:t>
+            </a:r>
+            <a:r>
+              <a:rPr lang="en-US" dirty="0" err="1"/>
+              <a:t>tabloda</a:t>
+            </a:r>
+            <a:r>
+              <a:rPr lang="en-US" dirty="0"/>
+              <a:t> </a:t>
+            </a:r>
+            <a:r>
+              <a:rPr lang="en-US" b="1" dirty="0"/>
+              <a:t>primary key </a:t>
+            </a:r>
+            <a:r>
+              <a:rPr lang="en-US" b="1" dirty="0" err="1"/>
+              <a:t>ya</a:t>
+            </a:r>
+            <a:r>
+              <a:rPr lang="en-US" b="1" dirty="0"/>
+              <a:t> da unique key </a:t>
+            </a:r>
+            <a:r>
+              <a:rPr lang="en-US" dirty="0" err="1"/>
+              <a:t>alanını</a:t>
+            </a:r>
+            <a:r>
+              <a:rPr lang="en-US" dirty="0"/>
+              <a:t> </a:t>
+            </a:r>
+            <a:r>
+              <a:rPr lang="en-US" dirty="0" err="1"/>
+              <a:t>referans</a:t>
+            </a:r>
+            <a:r>
+              <a:rPr lang="en-US" dirty="0"/>
+              <a:t> </a:t>
+            </a:r>
+            <a:r>
+              <a:rPr lang="en-US" dirty="0" err="1"/>
+              <a:t>tutan</a:t>
+            </a:r>
+            <a:r>
+              <a:rPr lang="en-US" dirty="0"/>
+              <a:t> </a:t>
+            </a:r>
+            <a:r>
+              <a:rPr lang="en-US" dirty="0" err="1"/>
+              <a:t>alan</a:t>
+            </a:r>
+            <a:r>
+              <a:rPr lang="en-US" dirty="0"/>
+              <a:t> </a:t>
+            </a:r>
+            <a:r>
+              <a:rPr lang="en-US" dirty="0" err="1"/>
+              <a:t>için</a:t>
+            </a:r>
+            <a:r>
+              <a:rPr lang="en-US" dirty="0"/>
+              <a:t> foreign key </a:t>
+            </a:r>
+            <a:r>
+              <a:rPr lang="en-US" dirty="0" err="1"/>
+              <a:t>kısıtlaması</a:t>
+            </a:r>
+            <a:r>
+              <a:rPr lang="en-US" dirty="0"/>
+              <a:t> </a:t>
+            </a:r>
+            <a:r>
+              <a:rPr lang="en-US" dirty="0" err="1"/>
+              <a:t>verilir</a:t>
+            </a:r>
+            <a:r>
+              <a:rPr lang="en-US" dirty="0"/>
+              <a:t>. </a:t>
+            </a:r>
+            <a:r>
+              <a:rPr lang="en-US" dirty="0" err="1"/>
+              <a:t>Böylece</a:t>
+            </a:r>
+            <a:r>
+              <a:rPr lang="en-US" dirty="0"/>
+              <a:t> </a:t>
+            </a:r>
+            <a:r>
+              <a:rPr lang="en-US" b="1" dirty="0" err="1"/>
+              <a:t>iki</a:t>
+            </a:r>
+            <a:r>
+              <a:rPr lang="en-US" b="1" dirty="0"/>
+              <a:t> </a:t>
+            </a:r>
+            <a:r>
+              <a:rPr lang="en-US" b="1" dirty="0" err="1"/>
+              <a:t>tablo</a:t>
+            </a:r>
+            <a:r>
+              <a:rPr lang="en-US" b="1" dirty="0"/>
+              <a:t> </a:t>
+            </a:r>
+            <a:r>
+              <a:rPr lang="en-US" b="1" dirty="0" err="1"/>
+              <a:t>arasında</a:t>
+            </a:r>
+            <a:r>
+              <a:rPr lang="en-US" b="1" dirty="0"/>
+              <a:t> </a:t>
+            </a:r>
+            <a:r>
+              <a:rPr lang="en-US" b="1" dirty="0" err="1"/>
+              <a:t>ilişki</a:t>
+            </a:r>
+            <a:r>
+              <a:rPr lang="en-US" b="1" dirty="0"/>
+              <a:t> </a:t>
+            </a:r>
+            <a:r>
+              <a:rPr lang="en-US" b="1" dirty="0" err="1"/>
+              <a:t>kurulmuş</a:t>
+            </a:r>
+            <a:r>
+              <a:rPr lang="en-US" b="1" dirty="0"/>
+              <a:t> </a:t>
+            </a:r>
+            <a:r>
+              <a:rPr lang="en-US" b="1" dirty="0" err="1"/>
+              <a:t>olur</a:t>
+            </a:r>
+            <a:r>
+              <a:rPr lang="en-US" dirty="0"/>
+              <a:t>.</a:t>
+            </a:r>
+            <a:endParaRPr lang="tr-TR" dirty="0"/>
+          </a:p>
+          <a:p>
+            <a:pPr algn="just"/>
+            <a:r>
+              <a:rPr lang="en-US" b="1" dirty="0"/>
+              <a:t>Unique Key </a:t>
+            </a:r>
+            <a:r>
+              <a:rPr lang="tr-TR" b="1" dirty="0"/>
+              <a:t>:</a:t>
+            </a:r>
+            <a:r>
+              <a:rPr lang="en-US" b="1" dirty="0"/>
+              <a:t> </a:t>
+            </a:r>
+            <a:r>
+              <a:rPr lang="en-US" dirty="0" err="1"/>
+              <a:t>İlgili</a:t>
+            </a:r>
+            <a:r>
+              <a:rPr lang="en-US" dirty="0"/>
+              <a:t> </a:t>
+            </a:r>
+            <a:r>
+              <a:rPr lang="en-US" dirty="0" err="1"/>
+              <a:t>alana</a:t>
+            </a:r>
+            <a:r>
+              <a:rPr lang="en-US" dirty="0"/>
+              <a:t> </a:t>
+            </a:r>
+            <a:r>
+              <a:rPr lang="en-US" b="1" dirty="0" err="1"/>
+              <a:t>tekrarsız</a:t>
+            </a:r>
+            <a:r>
+              <a:rPr lang="en-US" b="1" dirty="0"/>
+              <a:t> </a:t>
+            </a:r>
+            <a:r>
+              <a:rPr lang="en-US" b="1" dirty="0" err="1"/>
+              <a:t>kayıtların</a:t>
+            </a:r>
+            <a:r>
+              <a:rPr lang="en-US" b="1" dirty="0"/>
+              <a:t> </a:t>
+            </a:r>
+            <a:r>
+              <a:rPr lang="en-US" dirty="0" err="1"/>
+              <a:t>girilmesini</a:t>
+            </a:r>
+            <a:r>
+              <a:rPr lang="en-US" dirty="0"/>
+              <a:t> </a:t>
+            </a:r>
+            <a:r>
+              <a:rPr lang="en-US" dirty="0" err="1"/>
+              <a:t>sağlar</a:t>
+            </a:r>
+            <a:r>
+              <a:rPr lang="en-US" dirty="0"/>
+              <a:t>. Primary Key </a:t>
+            </a:r>
+            <a:r>
+              <a:rPr lang="en-US" dirty="0" err="1"/>
+              <a:t>kısıtlamasına</a:t>
+            </a:r>
+            <a:r>
+              <a:rPr lang="en-US" dirty="0"/>
+              <a:t> </a:t>
+            </a:r>
+            <a:r>
+              <a:rPr lang="en-US" dirty="0" err="1"/>
+              <a:t>benzer</a:t>
+            </a:r>
+            <a:r>
+              <a:rPr lang="en-US" dirty="0"/>
+              <a:t> </a:t>
+            </a:r>
+            <a:r>
+              <a:rPr lang="en-US" dirty="0" err="1"/>
+              <a:t>fakat</a:t>
+            </a:r>
+            <a:r>
+              <a:rPr lang="en-US" dirty="0"/>
+              <a:t> </a:t>
+            </a:r>
+            <a:r>
+              <a:rPr lang="en-US" b="1" dirty="0"/>
+              <a:t>NULL </a:t>
+            </a:r>
+            <a:r>
+              <a:rPr lang="en-US" b="1" dirty="0" err="1"/>
+              <a:t>girişe</a:t>
+            </a:r>
+            <a:r>
+              <a:rPr lang="en-US" b="1" dirty="0"/>
+              <a:t> </a:t>
+            </a:r>
+            <a:r>
+              <a:rPr lang="en-US" b="1" dirty="0" err="1"/>
+              <a:t>izin</a:t>
+            </a:r>
+            <a:r>
+              <a:rPr lang="en-US" b="1" dirty="0"/>
+              <a:t> </a:t>
+            </a:r>
+            <a:r>
+              <a:rPr lang="en-US" b="1" dirty="0" err="1"/>
+              <a:t>verir</a:t>
+            </a:r>
+            <a:r>
+              <a:rPr lang="en-US" dirty="0"/>
+              <a:t>.</a:t>
+            </a:r>
+            <a:endParaRPr lang="tr-TR" dirty="0"/>
+          </a:p>
+          <a:p>
+            <a:pPr algn="just"/>
+            <a:r>
+              <a:rPr lang="en-US" b="1" dirty="0"/>
+              <a:t>Check </a:t>
+            </a:r>
+            <a:r>
+              <a:rPr lang="tr-TR" b="1" dirty="0"/>
+              <a:t>: </a:t>
+            </a:r>
+            <a:r>
+              <a:rPr lang="en-US" dirty="0" err="1"/>
+              <a:t>İstenilen</a:t>
+            </a:r>
+            <a:r>
+              <a:rPr lang="en-US" dirty="0"/>
+              <a:t> </a:t>
+            </a:r>
+            <a:r>
+              <a:rPr lang="en-US" dirty="0" err="1"/>
+              <a:t>alana</a:t>
+            </a:r>
+            <a:r>
+              <a:rPr lang="en-US" dirty="0"/>
+              <a:t> </a:t>
+            </a:r>
+            <a:r>
+              <a:rPr lang="en-US" b="1" dirty="0" err="1"/>
+              <a:t>giriş</a:t>
+            </a:r>
+            <a:r>
+              <a:rPr lang="en-US" b="1" dirty="0"/>
+              <a:t> </a:t>
+            </a:r>
+            <a:r>
+              <a:rPr lang="en-US" b="1" dirty="0" err="1"/>
+              <a:t>şartı</a:t>
+            </a:r>
+            <a:r>
+              <a:rPr lang="en-US" b="1" dirty="0"/>
+              <a:t> </a:t>
+            </a:r>
+            <a:r>
+              <a:rPr lang="en-US" b="1" dirty="0" err="1"/>
+              <a:t>verilebilir</a:t>
+            </a:r>
+            <a:r>
+              <a:rPr lang="en-US" dirty="0"/>
+              <a:t>. </a:t>
+            </a:r>
+            <a:r>
+              <a:rPr lang="en-US" dirty="0" err="1"/>
+              <a:t>Böylece</a:t>
+            </a:r>
+            <a:r>
+              <a:rPr lang="en-US" dirty="0"/>
+              <a:t> </a:t>
+            </a:r>
+            <a:r>
+              <a:rPr lang="en-US" b="1" dirty="0" err="1"/>
+              <a:t>şarta</a:t>
+            </a:r>
+            <a:r>
+              <a:rPr lang="en-US" b="1" dirty="0"/>
+              <a:t> </a:t>
+            </a:r>
+            <a:r>
+              <a:rPr lang="en-US" b="1" dirty="0" err="1"/>
+              <a:t>uymayan</a:t>
+            </a:r>
+            <a:r>
+              <a:rPr lang="en-US" b="1" dirty="0"/>
+              <a:t> </a:t>
+            </a:r>
+            <a:r>
+              <a:rPr lang="en-US" b="1" dirty="0" err="1"/>
+              <a:t>verilerin</a:t>
+            </a:r>
+            <a:r>
+              <a:rPr lang="en-US" b="1" dirty="0"/>
+              <a:t> </a:t>
+            </a:r>
+            <a:r>
+              <a:rPr lang="en-US" b="1" dirty="0" err="1"/>
+              <a:t>girişi</a:t>
+            </a:r>
+            <a:r>
+              <a:rPr lang="en-US" b="1" dirty="0"/>
+              <a:t> </a:t>
+            </a:r>
+            <a:r>
+              <a:rPr lang="en-US" b="1" dirty="0" err="1"/>
+              <a:t>engellenir</a:t>
+            </a:r>
+            <a:r>
+              <a:rPr lang="en-US" dirty="0"/>
+              <a:t>. </a:t>
+            </a:r>
+            <a:r>
+              <a:rPr lang="en-US" dirty="0" err="1"/>
+              <a:t>Öğrenci</a:t>
+            </a:r>
+            <a:r>
+              <a:rPr lang="en-US" dirty="0"/>
+              <a:t> Not </a:t>
+            </a:r>
+            <a:r>
+              <a:rPr lang="en-US" dirty="0" err="1"/>
+              <a:t>alanına</a:t>
+            </a:r>
+            <a:r>
+              <a:rPr lang="en-US" dirty="0"/>
+              <a:t> 0 </a:t>
+            </a:r>
+            <a:r>
+              <a:rPr lang="en-US" dirty="0" err="1"/>
+              <a:t>ile</a:t>
+            </a:r>
+            <a:r>
+              <a:rPr lang="en-US" dirty="0"/>
+              <a:t> 100 </a:t>
+            </a:r>
+            <a:r>
+              <a:rPr lang="en-US" dirty="0" err="1"/>
+              <a:t>arası</a:t>
+            </a:r>
+            <a:r>
+              <a:rPr lang="en-US" dirty="0"/>
+              <a:t> </a:t>
+            </a:r>
+            <a:r>
+              <a:rPr lang="en-US" dirty="0" err="1"/>
+              <a:t>değer</a:t>
+            </a:r>
+            <a:r>
+              <a:rPr lang="en-US" dirty="0"/>
+              <a:t> </a:t>
+            </a:r>
+            <a:r>
+              <a:rPr lang="en-US" dirty="0" err="1"/>
+              <a:t>vermek</a:t>
+            </a:r>
+            <a:r>
+              <a:rPr lang="en-US" dirty="0"/>
+              <a:t> buna </a:t>
+            </a:r>
+            <a:r>
+              <a:rPr lang="en-US" dirty="0" err="1"/>
+              <a:t>güzel</a:t>
+            </a:r>
+            <a:r>
+              <a:rPr lang="en-US" dirty="0"/>
+              <a:t> </a:t>
+            </a:r>
+            <a:r>
+              <a:rPr lang="en-US" dirty="0" err="1"/>
+              <a:t>bir</a:t>
+            </a:r>
+            <a:r>
+              <a:rPr lang="en-US" dirty="0"/>
+              <a:t> </a:t>
+            </a:r>
+            <a:r>
+              <a:rPr lang="en-US" dirty="0" err="1"/>
+              <a:t>örnektir</a:t>
+            </a:r>
+            <a:r>
+              <a:rPr lang="en-US" dirty="0"/>
+              <a:t>.</a:t>
+            </a:r>
+            <a:endParaRPr lang="tr-TR" dirty="0"/>
+          </a:p>
+          <a:p>
+            <a:pPr algn="just"/>
+            <a:r>
+              <a:rPr lang="en-US" b="1" dirty="0"/>
+              <a:t>Not Null </a:t>
+            </a:r>
+            <a:r>
+              <a:rPr lang="tr-TR" b="1" dirty="0"/>
+              <a:t>:</a:t>
+            </a:r>
+            <a:r>
+              <a:rPr lang="en-US" b="1" dirty="0"/>
+              <a:t> </a:t>
+            </a:r>
+            <a:r>
+              <a:rPr lang="en-US" dirty="0"/>
+              <a:t>Null </a:t>
+            </a:r>
+            <a:r>
+              <a:rPr lang="en-US" dirty="0" err="1"/>
+              <a:t>değerlerin</a:t>
+            </a:r>
+            <a:r>
+              <a:rPr lang="en-US" dirty="0"/>
+              <a:t> </a:t>
+            </a:r>
+            <a:r>
+              <a:rPr lang="en-US" dirty="0" err="1"/>
+              <a:t>girişini</a:t>
+            </a:r>
+            <a:r>
+              <a:rPr lang="en-US" dirty="0"/>
+              <a:t> </a:t>
+            </a:r>
+            <a:r>
+              <a:rPr lang="en-US" b="1" dirty="0" err="1"/>
+              <a:t>iptal</a:t>
+            </a:r>
+            <a:r>
+              <a:rPr lang="en-US" b="1" dirty="0"/>
+              <a:t> </a:t>
+            </a:r>
+            <a:r>
+              <a:rPr lang="en-US" dirty="0" err="1"/>
+              <a:t>eder</a:t>
+            </a:r>
+            <a:r>
+              <a:rPr lang="en-US" dirty="0"/>
+              <a:t>. </a:t>
+            </a:r>
+            <a:r>
+              <a:rPr lang="en-US" dirty="0" err="1"/>
+              <a:t>Böylece</a:t>
+            </a:r>
+            <a:r>
+              <a:rPr lang="en-US" dirty="0"/>
+              <a:t> o </a:t>
+            </a:r>
+            <a:r>
+              <a:rPr lang="en-US" dirty="0" err="1"/>
+              <a:t>alana</a:t>
+            </a:r>
+            <a:r>
+              <a:rPr lang="en-US" dirty="0"/>
+              <a:t> </a:t>
+            </a:r>
+            <a:r>
+              <a:rPr lang="en-US" dirty="0" err="1"/>
+              <a:t>zorunlu</a:t>
+            </a:r>
+            <a:r>
+              <a:rPr lang="en-US" dirty="0"/>
+              <a:t> </a:t>
+            </a:r>
+            <a:r>
+              <a:rPr lang="en-US" dirty="0" err="1"/>
+              <a:t>olarak</a:t>
+            </a:r>
+            <a:r>
+              <a:rPr lang="en-US" dirty="0"/>
+              <a:t> </a:t>
+            </a:r>
+            <a:r>
+              <a:rPr lang="en-US" dirty="0" err="1"/>
+              <a:t>değer</a:t>
+            </a:r>
+            <a:r>
+              <a:rPr lang="en-US" dirty="0"/>
+              <a:t> </a:t>
+            </a:r>
+            <a:r>
+              <a:rPr lang="en-US" dirty="0" err="1"/>
+              <a:t>girilmesi</a:t>
+            </a:r>
+            <a:r>
+              <a:rPr lang="en-US" dirty="0"/>
+              <a:t> </a:t>
+            </a:r>
+            <a:r>
+              <a:rPr lang="en-US" dirty="0" err="1"/>
+              <a:t>gerekmektedir</a:t>
+            </a:r>
+            <a:r>
+              <a:rPr lang="en-US" dirty="0"/>
+              <a:t>. </a:t>
+            </a:r>
+            <a:r>
+              <a:rPr lang="en-US" dirty="0" err="1"/>
+              <a:t>Varsayılan</a:t>
+            </a:r>
+            <a:r>
+              <a:rPr lang="en-US" dirty="0"/>
+              <a:t> </a:t>
+            </a:r>
+            <a:r>
+              <a:rPr lang="en-US" dirty="0" err="1"/>
+              <a:t>değer</a:t>
+            </a:r>
+            <a:r>
+              <a:rPr lang="en-US" dirty="0"/>
+              <a:t> </a:t>
+            </a:r>
+            <a:r>
+              <a:rPr lang="en-US" dirty="0" err="1"/>
+              <a:t>bir</a:t>
+            </a:r>
+            <a:r>
+              <a:rPr lang="en-US" dirty="0"/>
+              <a:t> </a:t>
+            </a:r>
+            <a:r>
+              <a:rPr lang="en-US" dirty="0" err="1"/>
+              <a:t>alan</a:t>
+            </a:r>
+            <a:r>
+              <a:rPr lang="en-US" dirty="0"/>
+              <a:t> </a:t>
+            </a:r>
+            <a:r>
+              <a:rPr lang="en-US" dirty="0" err="1"/>
+              <a:t>için</a:t>
+            </a:r>
+            <a:r>
+              <a:rPr lang="en-US" dirty="0"/>
+              <a:t> </a:t>
+            </a:r>
+            <a:r>
+              <a:rPr lang="en-US" dirty="0" err="1"/>
+              <a:t>NULL’dur</a:t>
+            </a:r>
+            <a:endParaRPr lang="tr-TR" dirty="0"/>
+          </a:p>
+          <a:p>
+            <a:pPr algn="just"/>
+            <a:endParaRPr lang="en-US" dirty="0"/>
           </a:p>
         </p:txBody>
       </p:sp>
     </p:spTree>
     <p:extLst>
       <p:ext uri="{BB962C8B-B14F-4D97-AF65-F5344CB8AC3E}">
-        <p14:creationId xmlns:p14="http://schemas.microsoft.com/office/powerpoint/2010/main" val="3898160922"/>
+        <p14:creationId xmlns:p14="http://schemas.microsoft.com/office/powerpoint/2010/main" val="2006825949"/>
       </p:ext>
     </p:extLst>
   </p:cSld>

--- a/Slides/Oracle DB & SQL Developer - Bolum II.pptx
+++ b/Slides/Oracle DB & SQL Developer - Bolum II.pptx
@@ -4,6 +4,9 @@
   <p:sldMasterIdLst>
     <p:sldMasterId id="2147483648" r:id="rId1"/>
   </p:sldMasterIdLst>
+  <p:notesMasterIdLst>
+    <p:notesMasterId r:id="rId14"/>
+  </p:notesMasterIdLst>
   <p:sldIdLst>
     <p:sldId id="256" r:id="rId2"/>
     <p:sldId id="257" r:id="rId3"/>
@@ -123,6 +126,941 @@
 </p:presentation>
 </file>
 
+<file path=ppt/notesMasters/notesMaster1.xml><?xml version="1.0" encoding="utf-8"?>
+<p:notesMaster xmlns:a="http://schemas.openxmlformats.org/drawingml/2006/main" xmlns:r="http://schemas.openxmlformats.org/officeDocument/2006/relationships" xmlns:p="http://schemas.openxmlformats.org/presentationml/2006/main">
+  <p:cSld>
+    <p:bg>
+      <p:bgRef idx="1001">
+        <a:schemeClr val="bg1"/>
+      </p:bgRef>
+    </p:bg>
+    <p:spTree>
+      <p:nvGrpSpPr>
+        <p:cNvPr id="1" name=""/>
+        <p:cNvGrpSpPr/>
+        <p:nvPr/>
+      </p:nvGrpSpPr>
+      <p:grpSpPr>
+        <a:xfrm>
+          <a:off x="0" y="0"/>
+          <a:ext cx="0" cy="0"/>
+          <a:chOff x="0" y="0"/>
+          <a:chExt cx="0" cy="0"/>
+        </a:xfrm>
+      </p:grpSpPr>
+      <p:sp>
+        <p:nvSpPr>
+          <p:cNvPr id="2" name="Header Placeholder 1"/>
+          <p:cNvSpPr>
+            <a:spLocks noGrp="1"/>
+          </p:cNvSpPr>
+          <p:nvPr>
+            <p:ph type="hdr" sz="quarter"/>
+          </p:nvPr>
+        </p:nvSpPr>
+        <p:spPr>
+          <a:xfrm>
+            <a:off x="0" y="0"/>
+            <a:ext cx="2971800" cy="458788"/>
+          </a:xfrm>
+          <a:prstGeom prst="rect">
+            <a:avLst/>
+          </a:prstGeom>
+        </p:spPr>
+        <p:txBody>
+          <a:bodyPr vert="horz" lIns="91440" tIns="45720" rIns="91440" bIns="45720" rtlCol="0"/>
+          <a:lstStyle>
+            <a:lvl1pPr algn="l">
+              <a:defRPr sz="1200"/>
+            </a:lvl1pPr>
+          </a:lstStyle>
+          <a:p>
+            <a:endParaRPr lang="en-US"/>
+          </a:p>
+        </p:txBody>
+      </p:sp>
+      <p:sp>
+        <p:nvSpPr>
+          <p:cNvPr id="3" name="Date Placeholder 2"/>
+          <p:cNvSpPr>
+            <a:spLocks noGrp="1"/>
+          </p:cNvSpPr>
+          <p:nvPr>
+            <p:ph type="dt" idx="1"/>
+          </p:nvPr>
+        </p:nvSpPr>
+        <p:spPr>
+          <a:xfrm>
+            <a:off x="3884613" y="0"/>
+            <a:ext cx="2971800" cy="458788"/>
+          </a:xfrm>
+          <a:prstGeom prst="rect">
+            <a:avLst/>
+          </a:prstGeom>
+        </p:spPr>
+        <p:txBody>
+          <a:bodyPr vert="horz" lIns="91440" tIns="45720" rIns="91440" bIns="45720" rtlCol="0"/>
+          <a:lstStyle>
+            <a:lvl1pPr algn="r">
+              <a:defRPr sz="1200"/>
+            </a:lvl1pPr>
+          </a:lstStyle>
+          <a:p>
+            <a:fld id="{E00721A9-4D80-4043-BF66-1D0477F034DC}" type="datetimeFigureOut">
+              <a:rPr lang="en-US" smtClean="0"/>
+              <a:t>5/10/2023</a:t>
+            </a:fld>
+            <a:endParaRPr lang="en-US"/>
+          </a:p>
+        </p:txBody>
+      </p:sp>
+      <p:sp>
+        <p:nvSpPr>
+          <p:cNvPr id="4" name="Slide Image Placeholder 3"/>
+          <p:cNvSpPr>
+            <a:spLocks noGrp="1" noRot="1" noChangeAspect="1"/>
+          </p:cNvSpPr>
+          <p:nvPr>
+            <p:ph type="sldImg" idx="2"/>
+          </p:nvPr>
+        </p:nvSpPr>
+        <p:spPr>
+          <a:xfrm>
+            <a:off x="685800" y="1143000"/>
+            <a:ext cx="5486400" cy="3086100"/>
+          </a:xfrm>
+          <a:prstGeom prst="rect">
+            <a:avLst/>
+          </a:prstGeom>
+          <a:noFill/>
+          <a:ln w="12700">
+            <a:solidFill>
+              <a:prstClr val="black"/>
+            </a:solidFill>
+          </a:ln>
+        </p:spPr>
+        <p:txBody>
+          <a:bodyPr vert="horz" lIns="91440" tIns="45720" rIns="91440" bIns="45720" rtlCol="0" anchor="ctr"/>
+          <a:lstStyle/>
+          <a:p>
+            <a:endParaRPr lang="en-US"/>
+          </a:p>
+        </p:txBody>
+      </p:sp>
+      <p:sp>
+        <p:nvSpPr>
+          <p:cNvPr id="5" name="Notes Placeholder 4"/>
+          <p:cNvSpPr>
+            <a:spLocks noGrp="1"/>
+          </p:cNvSpPr>
+          <p:nvPr>
+            <p:ph type="body" sz="quarter" idx="3"/>
+          </p:nvPr>
+        </p:nvSpPr>
+        <p:spPr>
+          <a:xfrm>
+            <a:off x="685800" y="4400550"/>
+            <a:ext cx="5486400" cy="3600450"/>
+          </a:xfrm>
+          <a:prstGeom prst="rect">
+            <a:avLst/>
+          </a:prstGeom>
+        </p:spPr>
+        <p:txBody>
+          <a:bodyPr vert="horz" lIns="91440" tIns="45720" rIns="91440" bIns="45720" rtlCol="0"/>
+          <a:lstStyle/>
+          <a:p>
+            <a:pPr lvl="0"/>
+            <a:r>
+              <a:rPr lang="en-US"/>
+              <a:t>Click to edit Master text styles</a:t>
+            </a:r>
+          </a:p>
+          <a:p>
+            <a:pPr lvl="1"/>
+            <a:r>
+              <a:rPr lang="en-US"/>
+              <a:t>Second level</a:t>
+            </a:r>
+          </a:p>
+          <a:p>
+            <a:pPr lvl="2"/>
+            <a:r>
+              <a:rPr lang="en-US"/>
+              <a:t>Third level</a:t>
+            </a:r>
+          </a:p>
+          <a:p>
+            <a:pPr lvl="3"/>
+            <a:r>
+              <a:rPr lang="en-US"/>
+              <a:t>Fourth level</a:t>
+            </a:r>
+          </a:p>
+          <a:p>
+            <a:pPr lvl="4"/>
+            <a:r>
+              <a:rPr lang="en-US"/>
+              <a:t>Fifth level</a:t>
+            </a:r>
+          </a:p>
+        </p:txBody>
+      </p:sp>
+      <p:sp>
+        <p:nvSpPr>
+          <p:cNvPr id="6" name="Footer Placeholder 5"/>
+          <p:cNvSpPr>
+            <a:spLocks noGrp="1"/>
+          </p:cNvSpPr>
+          <p:nvPr>
+            <p:ph type="ftr" sz="quarter" idx="4"/>
+          </p:nvPr>
+        </p:nvSpPr>
+        <p:spPr>
+          <a:xfrm>
+            <a:off x="0" y="8685213"/>
+            <a:ext cx="2971800" cy="458787"/>
+          </a:xfrm>
+          <a:prstGeom prst="rect">
+            <a:avLst/>
+          </a:prstGeom>
+        </p:spPr>
+        <p:txBody>
+          <a:bodyPr vert="horz" lIns="91440" tIns="45720" rIns="91440" bIns="45720" rtlCol="0" anchor="b"/>
+          <a:lstStyle>
+            <a:lvl1pPr algn="l">
+              <a:defRPr sz="1200"/>
+            </a:lvl1pPr>
+          </a:lstStyle>
+          <a:p>
+            <a:endParaRPr lang="en-US"/>
+          </a:p>
+        </p:txBody>
+      </p:sp>
+      <p:sp>
+        <p:nvSpPr>
+          <p:cNvPr id="7" name="Slide Number Placeholder 6"/>
+          <p:cNvSpPr>
+            <a:spLocks noGrp="1"/>
+          </p:cNvSpPr>
+          <p:nvPr>
+            <p:ph type="sldNum" sz="quarter" idx="5"/>
+          </p:nvPr>
+        </p:nvSpPr>
+        <p:spPr>
+          <a:xfrm>
+            <a:off x="3884613" y="8685213"/>
+            <a:ext cx="2971800" cy="458787"/>
+          </a:xfrm>
+          <a:prstGeom prst="rect">
+            <a:avLst/>
+          </a:prstGeom>
+        </p:spPr>
+        <p:txBody>
+          <a:bodyPr vert="horz" lIns="91440" tIns="45720" rIns="91440" bIns="45720" rtlCol="0" anchor="b"/>
+          <a:lstStyle>
+            <a:lvl1pPr algn="r">
+              <a:defRPr sz="1200"/>
+            </a:lvl1pPr>
+          </a:lstStyle>
+          <a:p>
+            <a:fld id="{79592D42-6ADB-423E-872B-4ECF49D7EB46}" type="slidenum">
+              <a:rPr lang="en-US" smtClean="0"/>
+              <a:t>‹#›</a:t>
+            </a:fld>
+            <a:endParaRPr lang="en-US"/>
+          </a:p>
+        </p:txBody>
+      </p:sp>
+    </p:spTree>
+    <p:extLst>
+      <p:ext uri="{BB962C8B-B14F-4D97-AF65-F5344CB8AC3E}">
+        <p14:creationId xmlns:p14="http://schemas.microsoft.com/office/powerpoint/2010/main" val="1153129926"/>
+      </p:ext>
+    </p:extLst>
+  </p:cSld>
+  <p:clrMap bg1="lt1" tx1="dk1" bg2="lt2" tx2="dk2" accent1="accent1" accent2="accent2" accent3="accent3" accent4="accent4" accent5="accent5" accent6="accent6" hlink="hlink" folHlink="folHlink"/>
+  <p:notesStyle>
+    <a:lvl1pPr marL="0" algn="l" defTabSz="914400" rtl="0" eaLnBrk="1" latinLnBrk="0" hangingPunct="1">
+      <a:defRPr sz="1200" kern="1200">
+        <a:solidFill>
+          <a:schemeClr val="tx1"/>
+        </a:solidFill>
+        <a:latin typeface="+mn-lt"/>
+        <a:ea typeface="+mn-ea"/>
+        <a:cs typeface="+mn-cs"/>
+      </a:defRPr>
+    </a:lvl1pPr>
+    <a:lvl2pPr marL="457200" algn="l" defTabSz="914400" rtl="0" eaLnBrk="1" latinLnBrk="0" hangingPunct="1">
+      <a:defRPr sz="1200" kern="1200">
+        <a:solidFill>
+          <a:schemeClr val="tx1"/>
+        </a:solidFill>
+        <a:latin typeface="+mn-lt"/>
+        <a:ea typeface="+mn-ea"/>
+        <a:cs typeface="+mn-cs"/>
+      </a:defRPr>
+    </a:lvl2pPr>
+    <a:lvl3pPr marL="914400" algn="l" defTabSz="914400" rtl="0" eaLnBrk="1" latinLnBrk="0" hangingPunct="1">
+      <a:defRPr sz="1200" kern="1200">
+        <a:solidFill>
+          <a:schemeClr val="tx1"/>
+        </a:solidFill>
+        <a:latin typeface="+mn-lt"/>
+        <a:ea typeface="+mn-ea"/>
+        <a:cs typeface="+mn-cs"/>
+      </a:defRPr>
+    </a:lvl3pPr>
+    <a:lvl4pPr marL="1371600" algn="l" defTabSz="914400" rtl="0" eaLnBrk="1" latinLnBrk="0" hangingPunct="1">
+      <a:defRPr sz="1200" kern="1200">
+        <a:solidFill>
+          <a:schemeClr val="tx1"/>
+        </a:solidFill>
+        <a:latin typeface="+mn-lt"/>
+        <a:ea typeface="+mn-ea"/>
+        <a:cs typeface="+mn-cs"/>
+      </a:defRPr>
+    </a:lvl4pPr>
+    <a:lvl5pPr marL="1828800" algn="l" defTabSz="914400" rtl="0" eaLnBrk="1" latinLnBrk="0" hangingPunct="1">
+      <a:defRPr sz="1200" kern="1200">
+        <a:solidFill>
+          <a:schemeClr val="tx1"/>
+        </a:solidFill>
+        <a:latin typeface="+mn-lt"/>
+        <a:ea typeface="+mn-ea"/>
+        <a:cs typeface="+mn-cs"/>
+      </a:defRPr>
+    </a:lvl5pPr>
+    <a:lvl6pPr marL="2286000" algn="l" defTabSz="914400" rtl="0" eaLnBrk="1" latinLnBrk="0" hangingPunct="1">
+      <a:defRPr sz="1200" kern="1200">
+        <a:solidFill>
+          <a:schemeClr val="tx1"/>
+        </a:solidFill>
+        <a:latin typeface="+mn-lt"/>
+        <a:ea typeface="+mn-ea"/>
+        <a:cs typeface="+mn-cs"/>
+      </a:defRPr>
+    </a:lvl6pPr>
+    <a:lvl7pPr marL="2743200" algn="l" defTabSz="914400" rtl="0" eaLnBrk="1" latinLnBrk="0" hangingPunct="1">
+      <a:defRPr sz="1200" kern="1200">
+        <a:solidFill>
+          <a:schemeClr val="tx1"/>
+        </a:solidFill>
+        <a:latin typeface="+mn-lt"/>
+        <a:ea typeface="+mn-ea"/>
+        <a:cs typeface="+mn-cs"/>
+      </a:defRPr>
+    </a:lvl7pPr>
+    <a:lvl8pPr marL="3200400" algn="l" defTabSz="914400" rtl="0" eaLnBrk="1" latinLnBrk="0" hangingPunct="1">
+      <a:defRPr sz="1200" kern="1200">
+        <a:solidFill>
+          <a:schemeClr val="tx1"/>
+        </a:solidFill>
+        <a:latin typeface="+mn-lt"/>
+        <a:ea typeface="+mn-ea"/>
+        <a:cs typeface="+mn-cs"/>
+      </a:defRPr>
+    </a:lvl8pPr>
+    <a:lvl9pPr marL="3657600" algn="l" defTabSz="914400" rtl="0" eaLnBrk="1" latinLnBrk="0" hangingPunct="1">
+      <a:defRPr sz="1200" kern="1200">
+        <a:solidFill>
+          <a:schemeClr val="tx1"/>
+        </a:solidFill>
+        <a:latin typeface="+mn-lt"/>
+        <a:ea typeface="+mn-ea"/>
+        <a:cs typeface="+mn-cs"/>
+      </a:defRPr>
+    </a:lvl9pPr>
+  </p:notesStyle>
+</p:notesMaster>
+</file>
+
+<file path=ppt/notesSlides/notesSlide1.xml><?xml version="1.0" encoding="utf-8"?>
+<p:notes xmlns:a="http://schemas.openxmlformats.org/drawingml/2006/main" xmlns:r="http://schemas.openxmlformats.org/officeDocument/2006/relationships" xmlns:p="http://schemas.openxmlformats.org/presentationml/2006/main">
+  <p:cSld>
+    <p:spTree>
+      <p:nvGrpSpPr>
+        <p:cNvPr id="1" name=""/>
+        <p:cNvGrpSpPr/>
+        <p:nvPr/>
+      </p:nvGrpSpPr>
+      <p:grpSpPr>
+        <a:xfrm>
+          <a:off x="0" y="0"/>
+          <a:ext cx="0" cy="0"/>
+          <a:chOff x="0" y="0"/>
+          <a:chExt cx="0" cy="0"/>
+        </a:xfrm>
+      </p:grpSpPr>
+      <p:sp>
+        <p:nvSpPr>
+          <p:cNvPr id="2" name="Slide Image Placeholder 1"/>
+          <p:cNvSpPr>
+            <a:spLocks noGrp="1" noRot="1" noChangeAspect="1"/>
+          </p:cNvSpPr>
+          <p:nvPr>
+            <p:ph type="sldImg"/>
+          </p:nvPr>
+        </p:nvSpPr>
+        <p:spPr/>
+      </p:sp>
+      <p:sp>
+        <p:nvSpPr>
+          <p:cNvPr id="3" name="Notes Placeholder 2"/>
+          <p:cNvSpPr>
+            <a:spLocks noGrp="1"/>
+          </p:cNvSpPr>
+          <p:nvPr>
+            <p:ph type="body" idx="1"/>
+          </p:nvPr>
+        </p:nvSpPr>
+        <p:spPr/>
+        <p:txBody>
+          <a:bodyPr/>
+          <a:lstStyle/>
+          <a:p>
+            <a:endParaRPr lang="en-US" dirty="0"/>
+          </a:p>
+        </p:txBody>
+      </p:sp>
+      <p:sp>
+        <p:nvSpPr>
+          <p:cNvPr id="4" name="Slide Number Placeholder 3"/>
+          <p:cNvSpPr>
+            <a:spLocks noGrp="1"/>
+          </p:cNvSpPr>
+          <p:nvPr>
+            <p:ph type="sldNum" sz="quarter" idx="5"/>
+          </p:nvPr>
+        </p:nvSpPr>
+        <p:spPr/>
+        <p:txBody>
+          <a:bodyPr/>
+          <a:lstStyle/>
+          <a:p>
+            <a:fld id="{79592D42-6ADB-423E-872B-4ECF49D7EB46}" type="slidenum">
+              <a:rPr lang="en-US" smtClean="0"/>
+              <a:t>5</a:t>
+            </a:fld>
+            <a:endParaRPr lang="en-US"/>
+          </a:p>
+        </p:txBody>
+      </p:sp>
+    </p:spTree>
+    <p:extLst>
+      <p:ext uri="{BB962C8B-B14F-4D97-AF65-F5344CB8AC3E}">
+        <p14:creationId xmlns:p14="http://schemas.microsoft.com/office/powerpoint/2010/main" val="1948302851"/>
+      </p:ext>
+    </p:extLst>
+  </p:cSld>
+  <p:clrMapOvr>
+    <a:masterClrMapping/>
+  </p:clrMapOvr>
+</p:notes>
+</file>
+
+<file path=ppt/notesSlides/notesSlide2.xml><?xml version="1.0" encoding="utf-8"?>
+<p:notes xmlns:a="http://schemas.openxmlformats.org/drawingml/2006/main" xmlns:r="http://schemas.openxmlformats.org/officeDocument/2006/relationships" xmlns:p="http://schemas.openxmlformats.org/presentationml/2006/main">
+  <p:cSld>
+    <p:spTree>
+      <p:nvGrpSpPr>
+        <p:cNvPr id="1" name=""/>
+        <p:cNvGrpSpPr/>
+        <p:nvPr/>
+      </p:nvGrpSpPr>
+      <p:grpSpPr>
+        <a:xfrm>
+          <a:off x="0" y="0"/>
+          <a:ext cx="0" cy="0"/>
+          <a:chOff x="0" y="0"/>
+          <a:chExt cx="0" cy="0"/>
+        </a:xfrm>
+      </p:grpSpPr>
+      <p:sp>
+        <p:nvSpPr>
+          <p:cNvPr id="2" name="Slide Image Placeholder 1"/>
+          <p:cNvSpPr>
+            <a:spLocks noGrp="1" noRot="1" noChangeAspect="1"/>
+          </p:cNvSpPr>
+          <p:nvPr>
+            <p:ph type="sldImg"/>
+          </p:nvPr>
+        </p:nvSpPr>
+        <p:spPr/>
+      </p:sp>
+      <p:sp>
+        <p:nvSpPr>
+          <p:cNvPr id="3" name="Notes Placeholder 2"/>
+          <p:cNvSpPr>
+            <a:spLocks noGrp="1"/>
+          </p:cNvSpPr>
+          <p:nvPr>
+            <p:ph type="body" idx="1"/>
+          </p:nvPr>
+        </p:nvSpPr>
+        <p:spPr/>
+        <p:txBody>
+          <a:bodyPr/>
+          <a:lstStyle/>
+          <a:p>
+            <a:r>
+              <a:rPr lang="en-US" dirty="0"/>
+              <a:t>CREATE TABLE </a:t>
+            </a:r>
+            <a:r>
+              <a:rPr lang="en-US" dirty="0" err="1"/>
+              <a:t>tbl_ogrenci</a:t>
+            </a:r>
+            <a:endParaRPr lang="en-US" dirty="0"/>
+          </a:p>
+          <a:p>
+            <a:r>
+              <a:rPr lang="en-US" dirty="0"/>
+              <a:t>(</a:t>
+            </a:r>
+          </a:p>
+          <a:p>
+            <a:r>
+              <a:rPr lang="en-US" dirty="0" err="1"/>
+              <a:t>ogr_id</a:t>
+            </a:r>
+            <a:r>
+              <a:rPr lang="en-US" dirty="0"/>
+              <a:t> number(7),</a:t>
+            </a:r>
+          </a:p>
+          <a:p>
+            <a:r>
+              <a:rPr lang="en-US" dirty="0"/>
+              <a:t>ad varchar2(30) not null,</a:t>
+            </a:r>
+          </a:p>
+          <a:p>
+            <a:r>
+              <a:rPr lang="en-US" dirty="0" err="1"/>
+              <a:t>soyad</a:t>
+            </a:r>
+            <a:r>
+              <a:rPr lang="en-US" dirty="0"/>
+              <a:t> varchar2(30) not null, </a:t>
+            </a:r>
+          </a:p>
+          <a:p>
+            <a:r>
+              <a:rPr lang="en-US" dirty="0" err="1"/>
+              <a:t>tcno</a:t>
+            </a:r>
+            <a:r>
+              <a:rPr lang="en-US" dirty="0"/>
+              <a:t> char(11),</a:t>
+            </a:r>
+          </a:p>
+          <a:p>
+            <a:r>
+              <a:rPr lang="en-US" dirty="0" err="1"/>
+              <a:t>adres</a:t>
+            </a:r>
+            <a:r>
+              <a:rPr lang="en-US" dirty="0"/>
+              <a:t> varchar2(50),</a:t>
+            </a:r>
+          </a:p>
+          <a:p>
+            <a:r>
+              <a:rPr lang="en-US" dirty="0" err="1"/>
+              <a:t>bolumno</a:t>
+            </a:r>
+            <a:r>
+              <a:rPr lang="en-US" dirty="0"/>
+              <a:t> number(2),</a:t>
+            </a:r>
+          </a:p>
+          <a:p>
+            <a:r>
+              <a:rPr lang="en-US" dirty="0" err="1"/>
+              <a:t>dogtar</a:t>
+            </a:r>
+            <a:r>
+              <a:rPr lang="en-US" dirty="0"/>
+              <a:t> date,</a:t>
+            </a:r>
+          </a:p>
+          <a:p>
+            <a:r>
+              <a:rPr lang="en-US" dirty="0"/>
+              <a:t>Constraint </a:t>
+            </a:r>
+            <a:r>
+              <a:rPr lang="en-US" dirty="0" err="1"/>
+              <a:t>dmg_ogr_id</a:t>
+            </a:r>
+            <a:r>
+              <a:rPr lang="en-US" dirty="0"/>
+              <a:t> primary key(</a:t>
+            </a:r>
+            <a:r>
+              <a:rPr lang="en-US" dirty="0" err="1"/>
+              <a:t>ogr_id</a:t>
+            </a:r>
+            <a:r>
+              <a:rPr lang="en-US" dirty="0"/>
+              <a:t>),</a:t>
+            </a:r>
+          </a:p>
+          <a:p>
+            <a:r>
+              <a:rPr lang="en-US" dirty="0"/>
+              <a:t>Constraint </a:t>
+            </a:r>
+            <a:r>
+              <a:rPr lang="en-US" dirty="0" err="1"/>
+              <a:t>dmg_bolumno</a:t>
+            </a:r>
+            <a:r>
+              <a:rPr lang="en-US" dirty="0"/>
+              <a:t> foreign key(</a:t>
+            </a:r>
+            <a:r>
+              <a:rPr lang="en-US" dirty="0" err="1"/>
+              <a:t>bolumno</a:t>
+            </a:r>
+            <a:r>
+              <a:rPr lang="en-US" dirty="0"/>
+              <a:t>) references </a:t>
+            </a:r>
+            <a:r>
+              <a:rPr lang="en-US" dirty="0" err="1"/>
+              <a:t>tbl_bolum</a:t>
+            </a:r>
+            <a:r>
+              <a:rPr lang="en-US" dirty="0"/>
+              <a:t>,</a:t>
+            </a:r>
+          </a:p>
+          <a:p>
+            <a:r>
+              <a:rPr lang="en-US" dirty="0"/>
+              <a:t>Constraint </a:t>
+            </a:r>
+            <a:r>
+              <a:rPr lang="en-US" dirty="0" err="1"/>
+              <a:t>dmg_dogtar</a:t>
+            </a:r>
+            <a:r>
+              <a:rPr lang="en-US" dirty="0"/>
+              <a:t> check(extract(year from </a:t>
+            </a:r>
+            <a:r>
+              <a:rPr lang="en-US" dirty="0" err="1"/>
+              <a:t>dogtar</a:t>
+            </a:r>
+            <a:r>
+              <a:rPr lang="en-US" dirty="0"/>
+              <a:t>)&gt;1999),</a:t>
+            </a:r>
+          </a:p>
+          <a:p>
+            <a:r>
+              <a:rPr lang="en-US" dirty="0"/>
+              <a:t>Constraint </a:t>
+            </a:r>
+            <a:r>
+              <a:rPr lang="en-US" dirty="0" err="1"/>
+              <a:t>dmg_tcno</a:t>
+            </a:r>
+            <a:r>
+              <a:rPr lang="en-US" dirty="0"/>
+              <a:t> UNIQUE (</a:t>
+            </a:r>
+            <a:r>
+              <a:rPr lang="en-US" dirty="0" err="1"/>
+              <a:t>tcno</a:t>
+            </a:r>
+            <a:r>
+              <a:rPr lang="en-US" dirty="0"/>
+              <a:t>)</a:t>
+            </a:r>
+          </a:p>
+          <a:p>
+            <a:r>
+              <a:rPr lang="en-US" dirty="0"/>
+              <a:t>);</a:t>
+            </a:r>
+          </a:p>
+          <a:p>
+            <a:endParaRPr lang="en-US" dirty="0"/>
+          </a:p>
+          <a:p>
+            <a:r>
+              <a:rPr lang="en-US" dirty="0"/>
+              <a:t>CREATE TABLE </a:t>
+            </a:r>
+            <a:r>
+              <a:rPr lang="en-US" dirty="0" err="1"/>
+              <a:t>tbl_bolum</a:t>
+            </a:r>
+            <a:endParaRPr lang="en-US" dirty="0"/>
+          </a:p>
+          <a:p>
+            <a:r>
+              <a:rPr lang="en-US" dirty="0"/>
+              <a:t>(</a:t>
+            </a:r>
+          </a:p>
+          <a:p>
+            <a:r>
+              <a:rPr lang="en-US" dirty="0" err="1"/>
+              <a:t>bno</a:t>
+            </a:r>
+            <a:r>
+              <a:rPr lang="en-US" dirty="0"/>
+              <a:t> number(2),</a:t>
+            </a:r>
+          </a:p>
+          <a:p>
+            <a:r>
+              <a:rPr lang="en-US" dirty="0"/>
+              <a:t>ad varchar2(30),</a:t>
+            </a:r>
+          </a:p>
+          <a:p>
+            <a:r>
+              <a:rPr lang="en-US" dirty="0"/>
+              <a:t>Constraint </a:t>
+            </a:r>
+            <a:r>
+              <a:rPr lang="en-US" dirty="0" err="1"/>
+              <a:t>dmg_bno</a:t>
+            </a:r>
+            <a:r>
+              <a:rPr lang="en-US" dirty="0"/>
+              <a:t> primary key(</a:t>
+            </a:r>
+            <a:r>
+              <a:rPr lang="en-US" dirty="0" err="1"/>
+              <a:t>bno</a:t>
+            </a:r>
+            <a:r>
+              <a:rPr lang="en-US" dirty="0"/>
+              <a:t>)</a:t>
+            </a:r>
+          </a:p>
+          <a:p>
+            <a:r>
+              <a:rPr lang="en-US" dirty="0"/>
+              <a:t>);</a:t>
+            </a:r>
+          </a:p>
+          <a:p>
+            <a:endParaRPr lang="en-US" dirty="0"/>
+          </a:p>
+          <a:p>
+            <a:r>
+              <a:rPr lang="en-US" dirty="0"/>
+              <a:t>select * from </a:t>
+            </a:r>
+            <a:r>
+              <a:rPr lang="en-US" dirty="0" err="1"/>
+              <a:t>tbl_bolum</a:t>
+            </a:r>
+            <a:r>
+              <a:rPr lang="en-US" dirty="0"/>
+              <a:t>; </a:t>
+            </a:r>
+          </a:p>
+          <a:p>
+            <a:r>
+              <a:rPr lang="en-US" dirty="0"/>
+              <a:t>select * from </a:t>
+            </a:r>
+            <a:r>
+              <a:rPr lang="en-US" dirty="0" err="1"/>
+              <a:t>tbl_ogrenci</a:t>
+            </a:r>
+            <a:r>
+              <a:rPr lang="en-US" dirty="0"/>
+              <a:t>;</a:t>
+            </a:r>
+          </a:p>
+          <a:p>
+            <a:endParaRPr lang="en-US" dirty="0"/>
+          </a:p>
+          <a:p>
+            <a:r>
+              <a:rPr lang="en-US" dirty="0"/>
+              <a:t> </a:t>
+            </a:r>
+          </a:p>
+          <a:p>
+            <a:r>
+              <a:rPr lang="en-US" dirty="0"/>
+              <a:t>Alter table </a:t>
+            </a:r>
+            <a:r>
+              <a:rPr lang="en-US" dirty="0" err="1"/>
+              <a:t>tbl_ogrenci</a:t>
+            </a:r>
+            <a:endParaRPr lang="en-US" dirty="0"/>
+          </a:p>
+          <a:p>
+            <a:r>
+              <a:rPr lang="en-US" dirty="0"/>
+              <a:t>Add constraint </a:t>
+            </a:r>
+            <a:r>
+              <a:rPr lang="en-US" dirty="0" err="1"/>
+              <a:t>dmg_ogr_id</a:t>
+            </a:r>
+            <a:r>
+              <a:rPr lang="en-US" dirty="0"/>
+              <a:t> primary key(</a:t>
+            </a:r>
+            <a:r>
+              <a:rPr lang="en-US" dirty="0" err="1"/>
+              <a:t>ogr_id</a:t>
+            </a:r>
+            <a:r>
+              <a:rPr lang="en-US" dirty="0"/>
+              <a:t>);</a:t>
+            </a:r>
+          </a:p>
+          <a:p>
+            <a:endParaRPr lang="en-US" dirty="0"/>
+          </a:p>
+          <a:p>
+            <a:r>
+              <a:rPr lang="en-US" dirty="0"/>
+              <a:t>alter table </a:t>
+            </a:r>
+            <a:r>
+              <a:rPr lang="en-US" dirty="0" err="1"/>
+              <a:t>tbl_ogrenci</a:t>
+            </a:r>
+            <a:endParaRPr lang="en-US" dirty="0"/>
+          </a:p>
+          <a:p>
+            <a:r>
+              <a:rPr lang="en-US" dirty="0"/>
+              <a:t>drop constraint </a:t>
+            </a:r>
+            <a:r>
+              <a:rPr lang="en-US" dirty="0" err="1"/>
+              <a:t>dmg_dogtar</a:t>
+            </a:r>
+            <a:r>
+              <a:rPr lang="en-US" dirty="0"/>
+              <a:t>;</a:t>
+            </a:r>
+          </a:p>
+          <a:p>
+            <a:endParaRPr lang="en-US" dirty="0"/>
+          </a:p>
+          <a:p>
+            <a:r>
+              <a:rPr lang="en-US" dirty="0"/>
+              <a:t>merge into </a:t>
+            </a:r>
+            <a:r>
+              <a:rPr lang="en-US" dirty="0" err="1"/>
+              <a:t>tbl_bolum</a:t>
+            </a:r>
+            <a:r>
+              <a:rPr lang="en-US" dirty="0"/>
+              <a:t> b</a:t>
+            </a:r>
+          </a:p>
+          <a:p>
+            <a:r>
+              <a:rPr lang="en-US" dirty="0"/>
+              <a:t>using dual s on (</a:t>
+            </a:r>
+            <a:r>
+              <a:rPr lang="en-US" dirty="0" err="1"/>
+              <a:t>b.bno</a:t>
+            </a:r>
+            <a:r>
+              <a:rPr lang="en-US" dirty="0"/>
+              <a:t>=1)</a:t>
+            </a:r>
+          </a:p>
+          <a:p>
+            <a:r>
+              <a:rPr lang="en-US" dirty="0"/>
+              <a:t>when matched then</a:t>
+            </a:r>
+          </a:p>
+          <a:p>
+            <a:r>
+              <a:rPr lang="en-US" dirty="0"/>
+              <a:t>update set ad='</a:t>
+            </a:r>
+            <a:r>
+              <a:rPr lang="en-US" dirty="0" err="1"/>
+              <a:t>Bote</a:t>
+            </a:r>
+            <a:r>
+              <a:rPr lang="en-US" dirty="0"/>
+              <a:t>'</a:t>
+            </a:r>
+          </a:p>
+          <a:p>
+            <a:r>
+              <a:rPr lang="en-US" dirty="0"/>
+              <a:t>when not matched then</a:t>
+            </a:r>
+          </a:p>
+          <a:p>
+            <a:r>
+              <a:rPr lang="en-US" dirty="0"/>
+              <a:t>insert (</a:t>
+            </a:r>
+            <a:r>
+              <a:rPr lang="en-US" dirty="0" err="1"/>
+              <a:t>bno,ad</a:t>
+            </a:r>
+            <a:r>
+              <a:rPr lang="en-US" dirty="0"/>
+              <a:t>) values (1,'Bote');</a:t>
+            </a:r>
+          </a:p>
+        </p:txBody>
+      </p:sp>
+      <p:sp>
+        <p:nvSpPr>
+          <p:cNvPr id="4" name="Slide Number Placeholder 3"/>
+          <p:cNvSpPr>
+            <a:spLocks noGrp="1"/>
+          </p:cNvSpPr>
+          <p:nvPr>
+            <p:ph type="sldNum" sz="quarter" idx="5"/>
+          </p:nvPr>
+        </p:nvSpPr>
+        <p:spPr/>
+        <p:txBody>
+          <a:bodyPr/>
+          <a:lstStyle/>
+          <a:p>
+            <a:fld id="{79592D42-6ADB-423E-872B-4ECF49D7EB46}" type="slidenum">
+              <a:rPr lang="en-US" smtClean="0"/>
+              <a:t>11</a:t>
+            </a:fld>
+            <a:endParaRPr lang="en-US"/>
+          </a:p>
+        </p:txBody>
+      </p:sp>
+    </p:spTree>
+    <p:extLst>
+      <p:ext uri="{BB962C8B-B14F-4D97-AF65-F5344CB8AC3E}">
+        <p14:creationId xmlns:p14="http://schemas.microsoft.com/office/powerpoint/2010/main" val="557014606"/>
+      </p:ext>
+    </p:extLst>
+  </p:cSld>
+  <p:clrMapOvr>
+    <a:masterClrMapping/>
+  </p:clrMapOvr>
+</p:notes>
+</file>
+
 <file path=ppt/slideLayouts/slideLayout1.xml><?xml version="1.0" encoding="utf-8"?>
 <p:sldLayout xmlns:a="http://schemas.openxmlformats.org/drawingml/2006/main" xmlns:r="http://schemas.openxmlformats.org/officeDocument/2006/relationships" xmlns:p="http://schemas.openxmlformats.org/presentationml/2006/main" type="title" preserve="1">
   <p:cSld name="Title Slide">
@@ -270,7 +1208,7 @@
           <a:p>
             <a:fld id="{1EF65BA3-D42C-4D83-83AF-D4390FDCAD1F}" type="datetimeFigureOut">
               <a:rPr lang="en-US" smtClean="0"/>
-              <a:t>5/4/2023</a:t>
+              <a:t>5/10/2023</a:t>
             </a:fld>
             <a:endParaRPr lang="en-US"/>
           </a:p>
@@ -468,7 +1406,7 @@
           <a:p>
             <a:fld id="{1EF65BA3-D42C-4D83-83AF-D4390FDCAD1F}" type="datetimeFigureOut">
               <a:rPr lang="en-US" smtClean="0"/>
-              <a:t>5/4/2023</a:t>
+              <a:t>5/10/2023</a:t>
             </a:fld>
             <a:endParaRPr lang="en-US"/>
           </a:p>
@@ -676,7 +1614,7 @@
           <a:p>
             <a:fld id="{1EF65BA3-D42C-4D83-83AF-D4390FDCAD1F}" type="datetimeFigureOut">
               <a:rPr lang="en-US" smtClean="0"/>
-              <a:t>5/4/2023</a:t>
+              <a:t>5/10/2023</a:t>
             </a:fld>
             <a:endParaRPr lang="en-US"/>
           </a:p>
@@ -874,7 +1812,7 @@
           <a:p>
             <a:fld id="{1EF65BA3-D42C-4D83-83AF-D4390FDCAD1F}" type="datetimeFigureOut">
               <a:rPr lang="en-US" smtClean="0"/>
-              <a:t>5/4/2023</a:t>
+              <a:t>5/10/2023</a:t>
             </a:fld>
             <a:endParaRPr lang="en-US"/>
           </a:p>
@@ -1149,7 +2087,7 @@
           <a:p>
             <a:fld id="{1EF65BA3-D42C-4D83-83AF-D4390FDCAD1F}" type="datetimeFigureOut">
               <a:rPr lang="en-US" smtClean="0"/>
-              <a:t>5/4/2023</a:t>
+              <a:t>5/10/2023</a:t>
             </a:fld>
             <a:endParaRPr lang="en-US"/>
           </a:p>
@@ -1414,7 +2352,7 @@
           <a:p>
             <a:fld id="{1EF65BA3-D42C-4D83-83AF-D4390FDCAD1F}" type="datetimeFigureOut">
               <a:rPr lang="en-US" smtClean="0"/>
-              <a:t>5/4/2023</a:t>
+              <a:t>5/10/2023</a:t>
             </a:fld>
             <a:endParaRPr lang="en-US"/>
           </a:p>
@@ -1826,7 +2764,7 @@
           <a:p>
             <a:fld id="{1EF65BA3-D42C-4D83-83AF-D4390FDCAD1F}" type="datetimeFigureOut">
               <a:rPr lang="en-US" smtClean="0"/>
-              <a:t>5/4/2023</a:t>
+              <a:t>5/10/2023</a:t>
             </a:fld>
             <a:endParaRPr lang="en-US"/>
           </a:p>
@@ -1967,7 +2905,7 @@
           <a:p>
             <a:fld id="{1EF65BA3-D42C-4D83-83AF-D4390FDCAD1F}" type="datetimeFigureOut">
               <a:rPr lang="en-US" smtClean="0"/>
-              <a:t>5/4/2023</a:t>
+              <a:t>5/10/2023</a:t>
             </a:fld>
             <a:endParaRPr lang="en-US"/>
           </a:p>
@@ -2080,7 +3018,7 @@
           <a:p>
             <a:fld id="{1EF65BA3-D42C-4D83-83AF-D4390FDCAD1F}" type="datetimeFigureOut">
               <a:rPr lang="en-US" smtClean="0"/>
-              <a:t>5/4/2023</a:t>
+              <a:t>5/10/2023</a:t>
             </a:fld>
             <a:endParaRPr lang="en-US"/>
           </a:p>
@@ -2391,7 +3329,7 @@
           <a:p>
             <a:fld id="{1EF65BA3-D42C-4D83-83AF-D4390FDCAD1F}" type="datetimeFigureOut">
               <a:rPr lang="en-US" smtClean="0"/>
-              <a:t>5/4/2023</a:t>
+              <a:t>5/10/2023</a:t>
             </a:fld>
             <a:endParaRPr lang="en-US"/>
           </a:p>
@@ -2679,7 +3617,7 @@
           <a:p>
             <a:fld id="{1EF65BA3-D42C-4D83-83AF-D4390FDCAD1F}" type="datetimeFigureOut">
               <a:rPr lang="en-US" smtClean="0"/>
-              <a:t>5/4/2023</a:t>
+              <a:t>5/10/2023</a:t>
             </a:fld>
             <a:endParaRPr lang="en-US"/>
           </a:p>
@@ -2920,7 +3858,7 @@
           <a:p>
             <a:fld id="{1EF65BA3-D42C-4D83-83AF-D4390FDCAD1F}" type="datetimeFigureOut">
               <a:rPr lang="en-US" smtClean="0"/>
-              <a:t>5/4/2023</a:t>
+              <a:t>5/10/2023</a:t>
             </a:fld>
             <a:endParaRPr lang="en-US"/>
           </a:p>
@@ -3404,15 +4342,7 @@
                   <a:srgbClr val="002060"/>
                 </a:solidFill>
               </a:rPr>
-              <a:t>ölüm </a:t>
-            </a:r>
-            <a:r>
-              <a:rPr lang="tr-TR" sz="3200" b="1">
-                <a:solidFill>
-                  <a:srgbClr val="002060"/>
-                </a:solidFill>
-              </a:rPr>
-              <a:t>- II</a:t>
+              <a:t>ölüm - II</a:t>
             </a:r>
             <a:endParaRPr lang="en-US" b="1" dirty="0">
               <a:solidFill>
@@ -3541,8 +4471,12 @@
           <a:p>
             <a:pPr algn="just"/>
             <a:r>
-              <a:rPr lang="en-US" dirty="0"/>
-              <a:t>DEFAULT </a:t>
+              <a:rPr lang="en-US" b="1" dirty="0"/>
+              <a:t>DEFAULT</a:t>
+            </a:r>
+            <a:r>
+              <a:rPr lang="en-US" dirty="0"/>
+              <a:t> </a:t>
             </a:r>
             <a:r>
               <a:rPr lang="en-US" dirty="0" err="1"/>
@@ -3662,31 +4596,7 @@
             </a:r>
             <a:r>
               <a:rPr lang="en-US" dirty="0"/>
-              <a:t>. </a:t>
-            </a:r>
-            <a:r>
-              <a:rPr lang="en-US" dirty="0" err="1"/>
-              <a:t>Örnek</a:t>
-            </a:r>
-            <a:r>
-              <a:rPr lang="en-US" dirty="0"/>
-              <a:t> </a:t>
-            </a:r>
-            <a:r>
-              <a:rPr lang="en-US" dirty="0" err="1"/>
-              <a:t>vermek</a:t>
-            </a:r>
-            <a:r>
-              <a:rPr lang="en-US" dirty="0"/>
-              <a:t> </a:t>
-            </a:r>
-            <a:r>
-              <a:rPr lang="en-US" dirty="0" err="1"/>
-              <a:t>gerekirse</a:t>
-            </a:r>
-            <a:r>
-              <a:rPr lang="en-US" dirty="0"/>
-              <a:t>;</a:t>
+              <a:t>.  </a:t>
             </a:r>
           </a:p>
         </p:txBody>
@@ -3715,6 +4625,42 @@
           <a:xfrm>
             <a:off x="3568633" y="3429000"/>
             <a:ext cx="5528084" cy="1682015"/>
+          </a:xfrm>
+          <a:prstGeom prst="rect">
+            <a:avLst/>
+          </a:prstGeom>
+        </p:spPr>
+      </p:pic>
+      <p:pic>
+        <p:nvPicPr>
+          <p:cNvPr id="2" name="Picture 1">
+            <a:extLst>
+              <a:ext uri="{FF2B5EF4-FFF2-40B4-BE49-F238E27FC236}">
+                <a16:creationId xmlns:a16="http://schemas.microsoft.com/office/drawing/2014/main" id="{E6A49349-299A-3757-65BA-E1EB43DD0D0C}"/>
+              </a:ext>
+            </a:extLst>
+          </p:cNvPr>
+          <p:cNvPicPr>
+            <a:picLocks noChangeAspect="1"/>
+          </p:cNvPicPr>
+          <p:nvPr/>
+        </p:nvPicPr>
+        <p:blipFill>
+          <a:blip r:embed="rId3">
+            <a:extLst>
+              <a:ext uri="{28A0092B-C50C-407E-A947-70E740481C1C}">
+                <a14:useLocalDpi xmlns:a14="http://schemas.microsoft.com/office/drawing/2010/main" val="0"/>
+              </a:ext>
+            </a:extLst>
+          </a:blip>
+          <a:stretch>
+            <a:fillRect/>
+          </a:stretch>
+        </p:blipFill>
+        <p:spPr>
+          <a:xfrm>
+            <a:off x="10486862" y="1"/>
+            <a:ext cx="1705138" cy="949314"/>
           </a:xfrm>
           <a:prstGeom prst="rect">
             <a:avLst/>
@@ -3769,8 +4715,8 @@
         </p:nvSpPr>
         <p:spPr>
           <a:xfrm>
-            <a:off x="838200" y="512064"/>
-            <a:ext cx="10515600" cy="5664899"/>
+            <a:off x="838200" y="949315"/>
+            <a:ext cx="10515600" cy="5227648"/>
           </a:xfrm>
         </p:spPr>
         <p:txBody>
@@ -3779,7 +4725,7 @@
           <a:p>
             <a:pPr algn="just"/>
             <a:r>
-              <a:rPr lang="en-US" dirty="0" err="1"/>
+              <a:rPr lang="en-US" b="1" dirty="0" err="1"/>
               <a:t>Örnek</a:t>
             </a:r>
             <a:r>
@@ -3861,36 +4807,6 @@
           </a:p>
         </p:txBody>
       </p:sp>
-      <p:pic>
-        <p:nvPicPr>
-          <p:cNvPr id="5" name="Picture 4">
-            <a:extLst>
-              <a:ext uri="{FF2B5EF4-FFF2-40B4-BE49-F238E27FC236}">
-                <a16:creationId xmlns:a16="http://schemas.microsoft.com/office/drawing/2014/main" id="{7910A75D-9008-793B-F1B2-9EDFB328CAD5}"/>
-              </a:ext>
-            </a:extLst>
-          </p:cNvPr>
-          <p:cNvPicPr>
-            <a:picLocks noChangeAspect="1"/>
-          </p:cNvPicPr>
-          <p:nvPr/>
-        </p:nvPicPr>
-        <p:blipFill>
-          <a:blip r:embed="rId2"/>
-          <a:stretch>
-            <a:fillRect/>
-          </a:stretch>
-        </p:blipFill>
-        <p:spPr>
-          <a:xfrm>
-            <a:off x="1633050" y="1499616"/>
-            <a:ext cx="9055150" cy="3564663"/>
-          </a:xfrm>
-          <a:prstGeom prst="rect">
-            <a:avLst/>
-          </a:prstGeom>
-        </p:spPr>
-      </p:pic>
       <p:pic>
         <p:nvPicPr>
           <p:cNvPr id="7" name="Picture 6">
@@ -3915,6 +4831,132 @@
           <a:xfrm>
             <a:off x="838200" y="5270478"/>
             <a:ext cx="10640518" cy="1336176"/>
+          </a:xfrm>
+          <a:prstGeom prst="rect">
+            <a:avLst/>
+          </a:prstGeom>
+        </p:spPr>
+      </p:pic>
+      <p:pic>
+        <p:nvPicPr>
+          <p:cNvPr id="2" name="Picture 1">
+            <a:extLst>
+              <a:ext uri="{FF2B5EF4-FFF2-40B4-BE49-F238E27FC236}">
+                <a16:creationId xmlns:a16="http://schemas.microsoft.com/office/drawing/2014/main" id="{06CBE12B-A0AC-1C94-026B-D290916F21D1}"/>
+              </a:ext>
+            </a:extLst>
+          </p:cNvPr>
+          <p:cNvPicPr>
+            <a:picLocks noChangeAspect="1"/>
+          </p:cNvPicPr>
+          <p:nvPr/>
+        </p:nvPicPr>
+        <p:blipFill>
+          <a:blip r:embed="rId4">
+            <a:extLst>
+              <a:ext uri="{28A0092B-C50C-407E-A947-70E740481C1C}">
+                <a14:useLocalDpi xmlns:a14="http://schemas.microsoft.com/office/drawing/2010/main" val="0"/>
+              </a:ext>
+            </a:extLst>
+          </a:blip>
+          <a:stretch>
+            <a:fillRect/>
+          </a:stretch>
+        </p:blipFill>
+        <p:spPr>
+          <a:xfrm>
+            <a:off x="10486862" y="1"/>
+            <a:ext cx="1705138" cy="949314"/>
+          </a:xfrm>
+          <a:prstGeom prst="rect">
+            <a:avLst/>
+          </a:prstGeom>
+        </p:spPr>
+      </p:pic>
+      <p:pic>
+        <p:nvPicPr>
+          <p:cNvPr id="6" name="Picture 5">
+            <a:extLst>
+              <a:ext uri="{FF2B5EF4-FFF2-40B4-BE49-F238E27FC236}">
+                <a16:creationId xmlns:a16="http://schemas.microsoft.com/office/drawing/2014/main" id="{7C785C82-7031-1A0F-9747-C18FDEBD0CE9}"/>
+              </a:ext>
+            </a:extLst>
+          </p:cNvPr>
+          <p:cNvPicPr>
+            <a:picLocks noChangeAspect="1"/>
+          </p:cNvPicPr>
+          <p:nvPr/>
+        </p:nvPicPr>
+        <p:blipFill>
+          <a:blip r:embed="rId5"/>
+          <a:stretch>
+            <a:fillRect/>
+          </a:stretch>
+        </p:blipFill>
+        <p:spPr>
+          <a:xfrm>
+            <a:off x="1081604" y="2062124"/>
+            <a:ext cx="6562779" cy="3162718"/>
+          </a:xfrm>
+          <a:prstGeom prst="rect">
+            <a:avLst/>
+          </a:prstGeom>
+        </p:spPr>
+      </p:pic>
+      <p:pic>
+        <p:nvPicPr>
+          <p:cNvPr id="9" name="Picture 8">
+            <a:extLst>
+              <a:ext uri="{FF2B5EF4-FFF2-40B4-BE49-F238E27FC236}">
+                <a16:creationId xmlns:a16="http://schemas.microsoft.com/office/drawing/2014/main" id="{F790BEA4-E358-211B-EF42-9C95F2ED7E13}"/>
+              </a:ext>
+            </a:extLst>
+          </p:cNvPr>
+          <p:cNvPicPr>
+            <a:picLocks noChangeAspect="1"/>
+          </p:cNvPicPr>
+          <p:nvPr/>
+        </p:nvPicPr>
+        <p:blipFill>
+          <a:blip r:embed="rId6"/>
+          <a:stretch>
+            <a:fillRect/>
+          </a:stretch>
+        </p:blipFill>
+        <p:spPr>
+          <a:xfrm>
+            <a:off x="7811165" y="2062124"/>
+            <a:ext cx="3299230" cy="1241646"/>
+          </a:xfrm>
+          <a:prstGeom prst="rect">
+            <a:avLst/>
+          </a:prstGeom>
+        </p:spPr>
+      </p:pic>
+      <p:pic>
+        <p:nvPicPr>
+          <p:cNvPr id="11" name="Picture 10">
+            <a:extLst>
+              <a:ext uri="{FF2B5EF4-FFF2-40B4-BE49-F238E27FC236}">
+                <a16:creationId xmlns:a16="http://schemas.microsoft.com/office/drawing/2014/main" id="{7CF48E26-7FA9-6687-EECE-BD6376057040}"/>
+              </a:ext>
+            </a:extLst>
+          </p:cNvPr>
+          <p:cNvPicPr>
+            <a:picLocks noChangeAspect="1"/>
+          </p:cNvPicPr>
+          <p:nvPr/>
+        </p:nvPicPr>
+        <p:blipFill>
+          <a:blip r:embed="rId7"/>
+          <a:stretch>
+            <a:fillRect/>
+          </a:stretch>
+        </p:blipFill>
+        <p:spPr>
+          <a:xfrm>
+            <a:off x="7811165" y="3429000"/>
+            <a:ext cx="3859124" cy="1494731"/>
           </a:xfrm>
           <a:prstGeom prst="rect">
             <a:avLst/>
@@ -4326,8 +5368,145 @@
             </a:r>
             <a:endParaRPr lang="en-US" dirty="0"/>
           </a:p>
-        </p:txBody>
-      </p:sp>
+          <a:p>
+            <a:pPr lvl="1" algn="just"/>
+            <a:r>
+              <a:rPr lang="tr-TR" dirty="0"/>
+              <a:t>Veri tanımlama dili (DDL</a:t>
+            </a:r>
+            <a:r>
+              <a:rPr lang="en-US" dirty="0"/>
+              <a:t> - Data Definition Language</a:t>
+            </a:r>
+            <a:r>
+              <a:rPr lang="tr-TR" dirty="0"/>
+              <a:t>)</a:t>
+            </a:r>
+          </a:p>
+          <a:p>
+            <a:pPr lvl="1" algn="just"/>
+            <a:r>
+              <a:rPr lang="tr-TR" dirty="0"/>
+              <a:t>Veri işleme dili (DML</a:t>
+            </a:r>
+            <a:r>
+              <a:rPr lang="en-US" dirty="0"/>
+              <a:t> - Data Manipulation Language) </a:t>
+            </a:r>
+          </a:p>
+          <a:p>
+            <a:pPr lvl="1" algn="just"/>
+            <a:r>
+              <a:rPr lang="tr-TR" dirty="0"/>
+              <a:t>İşlem kontrol dili (TCL</a:t>
+            </a:r>
+            <a:r>
+              <a:rPr lang="en-US" dirty="0"/>
+              <a:t> </a:t>
+            </a:r>
+            <a:r>
+              <a:rPr lang="tr-TR" dirty="0"/>
+              <a:t>-</a:t>
+            </a:r>
+            <a:r>
+              <a:rPr lang="en-US" dirty="0"/>
+              <a:t> </a:t>
+            </a:r>
+            <a:r>
+              <a:rPr lang="tr-TR" dirty="0"/>
+              <a:t>Transaction Control Language)</a:t>
+            </a:r>
+          </a:p>
+          <a:p>
+            <a:pPr lvl="1" algn="just"/>
+            <a:r>
+              <a:rPr lang="tr-TR" dirty="0"/>
+              <a:t>Veri kontrol dili (DCL</a:t>
+            </a:r>
+            <a:r>
+              <a:rPr lang="en-US" dirty="0"/>
+              <a:t> </a:t>
+            </a:r>
+            <a:r>
+              <a:rPr lang="tr-TR" dirty="0"/>
+              <a:t>-</a:t>
+            </a:r>
+            <a:r>
+              <a:rPr lang="en-US" dirty="0"/>
+              <a:t> </a:t>
+            </a:r>
+            <a:r>
+              <a:rPr lang="tr-TR" dirty="0"/>
+              <a:t>Data Control Language)</a:t>
+            </a:r>
+            <a:endParaRPr lang="en-US" dirty="0"/>
+          </a:p>
+          <a:p>
+            <a:pPr algn="just"/>
+            <a:r>
+              <a:rPr lang="en-US" dirty="0"/>
+              <a:t>ORACLE’ da </a:t>
+            </a:r>
+            <a:r>
+              <a:rPr lang="en-US" dirty="0" err="1"/>
+              <a:t>Bütünlük</a:t>
+            </a:r>
+            <a:r>
+              <a:rPr lang="en-US" dirty="0"/>
+              <a:t> </a:t>
+            </a:r>
+            <a:r>
+              <a:rPr lang="en-US" dirty="0" err="1"/>
+              <a:t>Kısıtları</a:t>
+            </a:r>
+            <a:endParaRPr lang="en-US" dirty="0"/>
+          </a:p>
+          <a:p>
+            <a:pPr algn="just"/>
+            <a:endParaRPr lang="en-US" dirty="0"/>
+          </a:p>
+          <a:p>
+            <a:pPr lvl="1"/>
+            <a:endParaRPr lang="en-US" dirty="0"/>
+          </a:p>
+        </p:txBody>
+      </p:sp>
+      <p:pic>
+        <p:nvPicPr>
+          <p:cNvPr id="4" name="Picture 3">
+            <a:extLst>
+              <a:ext uri="{FF2B5EF4-FFF2-40B4-BE49-F238E27FC236}">
+                <a16:creationId xmlns:a16="http://schemas.microsoft.com/office/drawing/2014/main" id="{170F1788-E0E1-4228-9B42-6D3A19336006}"/>
+              </a:ext>
+            </a:extLst>
+          </p:cNvPr>
+          <p:cNvPicPr>
+            <a:picLocks noChangeAspect="1"/>
+          </p:cNvPicPr>
+          <p:nvPr/>
+        </p:nvPicPr>
+        <p:blipFill>
+          <a:blip r:embed="rId2">
+            <a:extLst>
+              <a:ext uri="{28A0092B-C50C-407E-A947-70E740481C1C}">
+                <a14:useLocalDpi xmlns:a14="http://schemas.microsoft.com/office/drawing/2010/main" val="0"/>
+              </a:ext>
+            </a:extLst>
+          </a:blip>
+          <a:stretch>
+            <a:fillRect/>
+          </a:stretch>
+        </p:blipFill>
+        <p:spPr>
+          <a:xfrm>
+            <a:off x="10486862" y="1"/>
+            <a:ext cx="1705138" cy="949314"/>
+          </a:xfrm>
+          <a:prstGeom prst="rect">
+            <a:avLst/>
+          </a:prstGeom>
+        </p:spPr>
+      </p:pic>
     </p:spTree>
     <p:extLst>
       <p:ext uri="{BB962C8B-B14F-4D97-AF65-F5344CB8AC3E}">
@@ -4683,33 +5862,113 @@
             <a:pPr lvl="1" algn="just"/>
             <a:r>
               <a:rPr lang="tr-TR" dirty="0"/>
-              <a:t>Veri tanımlama dili (DDL)</a:t>
+              <a:t>Veri tanımlama dili (DDL</a:t>
+            </a:r>
+            <a:r>
+              <a:rPr lang="en-US" dirty="0"/>
+              <a:t> - Data Definition Language</a:t>
+            </a:r>
+            <a:r>
+              <a:rPr lang="tr-TR" dirty="0"/>
+              <a:t>)</a:t>
             </a:r>
           </a:p>
           <a:p>
             <a:pPr lvl="1" algn="just"/>
             <a:r>
               <a:rPr lang="tr-TR" dirty="0"/>
-              <a:t>Veri işleme dili (DML)</a:t>
+              <a:t>Veri işleme dili (DML</a:t>
+            </a:r>
+            <a:r>
+              <a:rPr lang="en-US" dirty="0"/>
+              <a:t> - Data Manipulation Language) </a:t>
             </a:r>
           </a:p>
           <a:p>
             <a:pPr lvl="1" algn="just"/>
             <a:r>
               <a:rPr lang="tr-TR" dirty="0"/>
-              <a:t>İşlem kontrol dili (TCL)</a:t>
+              <a:t>İşlem kontrol dili (TCL</a:t>
+            </a:r>
+            <a:r>
+              <a:rPr lang="en-US" dirty="0"/>
+              <a:t> </a:t>
+            </a:r>
+            <a:r>
+              <a:rPr lang="tr-TR" dirty="0"/>
+              <a:t>-</a:t>
+            </a:r>
+            <a:r>
+              <a:rPr lang="en-US" dirty="0"/>
+              <a:t> </a:t>
+            </a:r>
+            <a:r>
+              <a:rPr lang="tr-TR" dirty="0"/>
+              <a:t>Transaction Control Language)</a:t>
             </a:r>
           </a:p>
           <a:p>
             <a:pPr lvl="1" algn="just"/>
             <a:r>
               <a:rPr lang="tr-TR" dirty="0"/>
-              <a:t>Veri kontrol dili (DCL)</a:t>
+              <a:t>Veri kontrol dili (DCL</a:t>
+            </a:r>
+            <a:r>
+              <a:rPr lang="en-US" dirty="0"/>
+              <a:t> </a:t>
+            </a:r>
+            <a:r>
+              <a:rPr lang="tr-TR" dirty="0"/>
+              <a:t>-</a:t>
+            </a:r>
+            <a:r>
+              <a:rPr lang="en-US" dirty="0"/>
+              <a:t> </a:t>
+            </a:r>
+            <a:r>
+              <a:rPr lang="tr-TR" dirty="0"/>
+              <a:t>Data Control Language)</a:t>
             </a:r>
             <a:endParaRPr lang="en-US" dirty="0"/>
           </a:p>
         </p:txBody>
       </p:sp>
+      <p:pic>
+        <p:nvPicPr>
+          <p:cNvPr id="4" name="Picture 3">
+            <a:extLst>
+              <a:ext uri="{FF2B5EF4-FFF2-40B4-BE49-F238E27FC236}">
+                <a16:creationId xmlns:a16="http://schemas.microsoft.com/office/drawing/2014/main" id="{343940A2-C674-A051-5BB1-BE75A088A5D6}"/>
+              </a:ext>
+            </a:extLst>
+          </p:cNvPr>
+          <p:cNvPicPr>
+            <a:picLocks noChangeAspect="1"/>
+          </p:cNvPicPr>
+          <p:nvPr/>
+        </p:nvPicPr>
+        <p:blipFill>
+          <a:blip r:embed="rId2">
+            <a:extLst>
+              <a:ext uri="{28A0092B-C50C-407E-A947-70E740481C1C}">
+                <a14:useLocalDpi xmlns:a14="http://schemas.microsoft.com/office/drawing/2010/main" val="0"/>
+              </a:ext>
+            </a:extLst>
+          </a:blip>
+          <a:stretch>
+            <a:fillRect/>
+          </a:stretch>
+        </p:blipFill>
+        <p:spPr>
+          <a:xfrm>
+            <a:off x="10486862" y="1"/>
+            <a:ext cx="1705138" cy="949314"/>
+          </a:xfrm>
+          <a:prstGeom prst="rect">
+            <a:avLst/>
+          </a:prstGeom>
+        </p:spPr>
+      </p:pic>
     </p:spTree>
     <p:extLst>
       <p:ext uri="{BB962C8B-B14F-4D97-AF65-F5344CB8AC3E}">
@@ -4816,9 +6075,45 @@
         </p:blipFill>
         <p:spPr>
           <a:xfrm>
-            <a:off x="1912347" y="2256484"/>
-            <a:ext cx="8367305" cy="3530762"/>
+            <a:off x="2100480" y="2279402"/>
+            <a:ext cx="7991039" cy="3371989"/>
           </a:xfrm>
+        </p:spPr>
+      </p:pic>
+      <p:pic>
+        <p:nvPicPr>
+          <p:cNvPr id="3" name="Picture 2">
+            <a:extLst>
+              <a:ext uri="{FF2B5EF4-FFF2-40B4-BE49-F238E27FC236}">
+                <a16:creationId xmlns:a16="http://schemas.microsoft.com/office/drawing/2014/main" id="{FBC69401-EB08-3DF8-15DE-ED68BCADBF89}"/>
+              </a:ext>
+            </a:extLst>
+          </p:cNvPr>
+          <p:cNvPicPr>
+            <a:picLocks noChangeAspect="1"/>
+          </p:cNvPicPr>
+          <p:nvPr/>
+        </p:nvPicPr>
+        <p:blipFill>
+          <a:blip r:embed="rId3">
+            <a:extLst>
+              <a:ext uri="{28A0092B-C50C-407E-A947-70E740481C1C}">
+                <a14:useLocalDpi xmlns:a14="http://schemas.microsoft.com/office/drawing/2010/main" val="0"/>
+              </a:ext>
+            </a:extLst>
+          </a:blip>
+          <a:stretch>
+            <a:fillRect/>
+          </a:stretch>
+        </p:blipFill>
+        <p:spPr>
+          <a:xfrm>
+            <a:off x="10486862" y="1"/>
+            <a:ext cx="1705138" cy="949314"/>
+          </a:xfrm>
+          <a:prstGeom prst="rect">
+            <a:avLst/>
+          </a:prstGeom>
         </p:spPr>
       </p:pic>
     </p:spTree>
@@ -4920,16 +6215,52 @@
           </p:nvPr>
         </p:nvPicPr>
         <p:blipFill>
-          <a:blip r:embed="rId2"/>
+          <a:blip r:embed="rId3"/>
           <a:stretch>
             <a:fillRect/>
           </a:stretch>
         </p:blipFill>
         <p:spPr>
           <a:xfrm>
-            <a:off x="1714929" y="2137083"/>
-            <a:ext cx="8762142" cy="3674735"/>
+            <a:off x="1944294" y="2230192"/>
+            <a:ext cx="8303412" cy="3482349"/>
           </a:xfrm>
+        </p:spPr>
+      </p:pic>
+      <p:pic>
+        <p:nvPicPr>
+          <p:cNvPr id="3" name="Picture 2">
+            <a:extLst>
+              <a:ext uri="{FF2B5EF4-FFF2-40B4-BE49-F238E27FC236}">
+                <a16:creationId xmlns:a16="http://schemas.microsoft.com/office/drawing/2014/main" id="{78181841-D927-9198-E30B-81AECAA8BA37}"/>
+              </a:ext>
+            </a:extLst>
+          </p:cNvPr>
+          <p:cNvPicPr>
+            <a:picLocks noChangeAspect="1"/>
+          </p:cNvPicPr>
+          <p:nvPr/>
+        </p:nvPicPr>
+        <p:blipFill>
+          <a:blip r:embed="rId4">
+            <a:extLst>
+              <a:ext uri="{28A0092B-C50C-407E-A947-70E740481C1C}">
+                <a14:useLocalDpi xmlns:a14="http://schemas.microsoft.com/office/drawing/2010/main" val="0"/>
+              </a:ext>
+            </a:extLst>
+          </a:blip>
+          <a:stretch>
+            <a:fillRect/>
+          </a:stretch>
+        </p:blipFill>
+        <p:spPr>
+          <a:xfrm>
+            <a:off x="10486862" y="1"/>
+            <a:ext cx="1705138" cy="949314"/>
+          </a:xfrm>
+          <a:prstGeom prst="rect">
+            <a:avLst/>
+          </a:prstGeom>
         </p:spPr>
       </p:pic>
     </p:spTree>
@@ -4980,8 +6311,8 @@
         </p:nvSpPr>
         <p:spPr>
           <a:xfrm>
-            <a:off x="838200" y="627017"/>
-            <a:ext cx="10515600" cy="5549946"/>
+            <a:off x="838200" y="1285385"/>
+            <a:ext cx="10515600" cy="4891577"/>
           </a:xfrm>
         </p:spPr>
         <p:txBody>
@@ -4990,11 +6321,11 @@
           <a:p>
             <a:pPr algn="just"/>
             <a:r>
-              <a:rPr lang="en-US" dirty="0" err="1"/>
+              <a:rPr lang="en-US" b="1" dirty="0" err="1"/>
               <a:t>Örnek</a:t>
             </a:r>
             <a:r>
-              <a:rPr lang="en-US" dirty="0"/>
+              <a:rPr lang="en-US" b="1" dirty="0"/>
               <a:t>: </a:t>
             </a:r>
             <a:r>
@@ -5122,10 +6453,10 @@
       </p:sp>
       <p:pic>
         <p:nvPicPr>
-          <p:cNvPr id="5" name="Picture 4">
-            <a:extLst>
-              <a:ext uri="{FF2B5EF4-FFF2-40B4-BE49-F238E27FC236}">
-                <a16:creationId xmlns:a16="http://schemas.microsoft.com/office/drawing/2014/main" id="{CFA696D3-9F06-A066-6789-C8BF925CBA1B}"/>
+          <p:cNvPr id="2" name="Picture 1">
+            <a:extLst>
+              <a:ext uri="{FF2B5EF4-FFF2-40B4-BE49-F238E27FC236}">
+                <a16:creationId xmlns:a16="http://schemas.microsoft.com/office/drawing/2014/main" id="{BA827126-1723-1B11-5FC0-7F69ECD1FC8D}"/>
               </a:ext>
             </a:extLst>
           </p:cNvPr>
@@ -5135,15 +6466,81 @@
           <p:nvPr/>
         </p:nvPicPr>
         <p:blipFill>
-          <a:blip r:embed="rId2"/>
+          <a:blip r:embed="rId2">
+            <a:extLst>
+              <a:ext uri="{28A0092B-C50C-407E-A947-70E740481C1C}">
+                <a14:useLocalDpi xmlns:a14="http://schemas.microsoft.com/office/drawing/2010/main" val="0"/>
+              </a:ext>
+            </a:extLst>
+          </a:blip>
           <a:stretch>
             <a:fillRect/>
           </a:stretch>
         </p:blipFill>
         <p:spPr>
           <a:xfrm>
-            <a:off x="452788" y="2344409"/>
-            <a:ext cx="11422276" cy="2956353"/>
+            <a:off x="10486862" y="1"/>
+            <a:ext cx="1705138" cy="949314"/>
+          </a:xfrm>
+          <a:prstGeom prst="rect">
+            <a:avLst/>
+          </a:prstGeom>
+        </p:spPr>
+      </p:pic>
+      <p:pic>
+        <p:nvPicPr>
+          <p:cNvPr id="6" name="Picture 5">
+            <a:extLst>
+              <a:ext uri="{FF2B5EF4-FFF2-40B4-BE49-F238E27FC236}">
+                <a16:creationId xmlns:a16="http://schemas.microsoft.com/office/drawing/2014/main" id="{EC8DB47B-B39F-FD11-A63F-F6AC4141F832}"/>
+              </a:ext>
+            </a:extLst>
+          </p:cNvPr>
+          <p:cNvPicPr>
+            <a:picLocks noChangeAspect="1"/>
+          </p:cNvPicPr>
+          <p:nvPr/>
+        </p:nvPicPr>
+        <p:blipFill>
+          <a:blip r:embed="rId3"/>
+          <a:stretch>
+            <a:fillRect/>
+          </a:stretch>
+        </p:blipFill>
+        <p:spPr>
+          <a:xfrm>
+            <a:off x="1144714" y="2732751"/>
+            <a:ext cx="5587103" cy="2192984"/>
+          </a:xfrm>
+          <a:prstGeom prst="rect">
+            <a:avLst/>
+          </a:prstGeom>
+        </p:spPr>
+      </p:pic>
+      <p:pic>
+        <p:nvPicPr>
+          <p:cNvPr id="8" name="Picture 7">
+            <a:extLst>
+              <a:ext uri="{FF2B5EF4-FFF2-40B4-BE49-F238E27FC236}">
+                <a16:creationId xmlns:a16="http://schemas.microsoft.com/office/drawing/2014/main" id="{15BD4C01-3256-B6D5-5161-B368C6DAE7CB}"/>
+              </a:ext>
+            </a:extLst>
+          </p:cNvPr>
+          <p:cNvPicPr>
+            <a:picLocks noChangeAspect="1"/>
+          </p:cNvPicPr>
+          <p:nvPr/>
+        </p:nvPicPr>
+        <p:blipFill>
+          <a:blip r:embed="rId4"/>
+          <a:stretch>
+            <a:fillRect/>
+          </a:stretch>
+        </p:blipFill>
+        <p:spPr>
+          <a:xfrm>
+            <a:off x="7734414" y="2965958"/>
+            <a:ext cx="3238584" cy="1530429"/>
           </a:xfrm>
           <a:prstGeom prst="rect">
             <a:avLst/>
@@ -5275,9 +6672,45 @@
         </p:blipFill>
         <p:spPr>
           <a:xfrm>
-            <a:off x="1604982" y="2673985"/>
-            <a:ext cx="8982035" cy="2225239"/>
+            <a:off x="2179101" y="2869626"/>
+            <a:ext cx="7833798" cy="1940771"/>
           </a:xfrm>
+        </p:spPr>
+      </p:pic>
+      <p:pic>
+        <p:nvPicPr>
+          <p:cNvPr id="3" name="Picture 2">
+            <a:extLst>
+              <a:ext uri="{FF2B5EF4-FFF2-40B4-BE49-F238E27FC236}">
+                <a16:creationId xmlns:a16="http://schemas.microsoft.com/office/drawing/2014/main" id="{F28D0622-397F-7F70-356C-EACECD4A68DA}"/>
+              </a:ext>
+            </a:extLst>
+          </p:cNvPr>
+          <p:cNvPicPr>
+            <a:picLocks noChangeAspect="1"/>
+          </p:cNvPicPr>
+          <p:nvPr/>
+        </p:nvPicPr>
+        <p:blipFill>
+          <a:blip r:embed="rId3">
+            <a:extLst>
+              <a:ext uri="{28A0092B-C50C-407E-A947-70E740481C1C}">
+                <a14:useLocalDpi xmlns:a14="http://schemas.microsoft.com/office/drawing/2010/main" val="0"/>
+              </a:ext>
+            </a:extLst>
+          </a:blip>
+          <a:stretch>
+            <a:fillRect/>
+          </a:stretch>
+        </p:blipFill>
+        <p:spPr>
+          <a:xfrm>
+            <a:off x="10486862" y="1"/>
+            <a:ext cx="1705138" cy="949314"/>
+          </a:xfrm>
+          <a:prstGeom prst="rect">
+            <a:avLst/>
+          </a:prstGeom>
         </p:spPr>
       </p:pic>
     </p:spTree>
@@ -5386,9 +6819,45 @@
         </p:blipFill>
         <p:spPr>
           <a:xfrm>
-            <a:off x="1242868" y="2754957"/>
-            <a:ext cx="9706264" cy="2130107"/>
+            <a:off x="2527484" y="2922510"/>
+            <a:ext cx="7137032" cy="1566271"/>
           </a:xfrm>
+        </p:spPr>
+      </p:pic>
+      <p:pic>
+        <p:nvPicPr>
+          <p:cNvPr id="3" name="Picture 2">
+            <a:extLst>
+              <a:ext uri="{FF2B5EF4-FFF2-40B4-BE49-F238E27FC236}">
+                <a16:creationId xmlns:a16="http://schemas.microsoft.com/office/drawing/2014/main" id="{DB90DD44-A3E1-470C-517E-0412CD064F29}"/>
+              </a:ext>
+            </a:extLst>
+          </p:cNvPr>
+          <p:cNvPicPr>
+            <a:picLocks noChangeAspect="1"/>
+          </p:cNvPicPr>
+          <p:nvPr/>
+        </p:nvPicPr>
+        <p:blipFill>
+          <a:blip r:embed="rId3">
+            <a:extLst>
+              <a:ext uri="{28A0092B-C50C-407E-A947-70E740481C1C}">
+                <a14:useLocalDpi xmlns:a14="http://schemas.microsoft.com/office/drawing/2010/main" val="0"/>
+              </a:ext>
+            </a:extLst>
+          </a:blip>
+          <a:stretch>
+            <a:fillRect/>
+          </a:stretch>
+        </p:blipFill>
+        <p:spPr>
+          <a:xfrm>
+            <a:off x="10486862" y="1"/>
+            <a:ext cx="1705138" cy="949314"/>
+          </a:xfrm>
+          <a:prstGeom prst="rect">
+            <a:avLst/>
+          </a:prstGeom>
         </p:spPr>
       </p:pic>
     </p:spTree>
@@ -5652,26 +7121,30 @@
             </a:r>
             <a:r>
               <a:rPr lang="en-US" dirty="0"/>
-              <a:t> NULL </a:t>
-            </a:r>
-            <a:r>
-              <a:rPr lang="en-US" dirty="0" err="1"/>
+              <a:t> </a:t>
+            </a:r>
+            <a:r>
+              <a:rPr lang="en-US" b="1" dirty="0"/>
+              <a:t>NULL </a:t>
+            </a:r>
+            <a:r>
+              <a:rPr lang="en-US" b="1" dirty="0" err="1"/>
               <a:t>girişe</a:t>
             </a:r>
             <a:r>
-              <a:rPr lang="en-US" dirty="0"/>
-              <a:t> </a:t>
-            </a:r>
-            <a:r>
-              <a:rPr lang="en-US" dirty="0" err="1"/>
+              <a:rPr lang="en-US" b="1" dirty="0"/>
+              <a:t> </a:t>
+            </a:r>
+            <a:r>
+              <a:rPr lang="en-US" b="1" dirty="0" err="1"/>
               <a:t>izin</a:t>
             </a:r>
             <a:r>
-              <a:rPr lang="en-US" dirty="0"/>
-              <a:t> </a:t>
-            </a:r>
-            <a:r>
-              <a:rPr lang="en-US" dirty="0" err="1"/>
+              <a:rPr lang="en-US" b="1" dirty="0"/>
+              <a:t> </a:t>
+            </a:r>
+            <a:r>
+              <a:rPr lang="en-US" b="1" dirty="0" err="1"/>
               <a:t>vermez</a:t>
             </a:r>
             <a:r>
@@ -6194,39 +7667,39 @@
               <a:t> </a:t>
             </a:r>
             <a:r>
-              <a:rPr lang="en-US" dirty="0" err="1"/>
+              <a:rPr lang="en-US" b="1" dirty="0" err="1"/>
               <a:t>zorunlu</a:t>
             </a:r>
             <a:r>
-              <a:rPr lang="en-US" dirty="0"/>
-              <a:t> </a:t>
-            </a:r>
-            <a:r>
-              <a:rPr lang="en-US" dirty="0" err="1"/>
+              <a:rPr lang="en-US" b="1" dirty="0"/>
+              <a:t> </a:t>
+            </a:r>
+            <a:r>
+              <a:rPr lang="en-US" b="1" dirty="0" err="1"/>
               <a:t>olarak</a:t>
             </a:r>
             <a:r>
-              <a:rPr lang="en-US" dirty="0"/>
-              <a:t> </a:t>
-            </a:r>
-            <a:r>
-              <a:rPr lang="en-US" dirty="0" err="1"/>
+              <a:rPr lang="en-US" b="1" dirty="0"/>
+              <a:t> </a:t>
+            </a:r>
+            <a:r>
+              <a:rPr lang="en-US" b="1" dirty="0" err="1"/>
               <a:t>değer</a:t>
             </a:r>
             <a:r>
-              <a:rPr lang="en-US" dirty="0"/>
-              <a:t> </a:t>
-            </a:r>
-            <a:r>
-              <a:rPr lang="en-US" dirty="0" err="1"/>
+              <a:rPr lang="en-US" b="1" dirty="0"/>
+              <a:t> </a:t>
+            </a:r>
+            <a:r>
+              <a:rPr lang="en-US" b="1" dirty="0" err="1"/>
               <a:t>girilmesi</a:t>
             </a:r>
             <a:r>
-              <a:rPr lang="en-US" dirty="0"/>
-              <a:t> </a:t>
-            </a:r>
-            <a:r>
-              <a:rPr lang="en-US" dirty="0" err="1"/>
+              <a:rPr lang="en-US" b="1" dirty="0"/>
+              <a:t> </a:t>
+            </a:r>
+            <a:r>
+              <a:rPr lang="en-US" b="1" dirty="0" err="1"/>
               <a:t>gerekmektedir</a:t>
             </a:r>
             <a:r>
@@ -6276,6 +7749,10 @@
             <a:r>
               <a:rPr lang="en-US" dirty="0" err="1"/>
               <a:t>NULL’dur</a:t>
+            </a:r>
+            <a:r>
+              <a:rPr lang="en-US" dirty="0"/>
+              <a:t>.</a:t>
             </a:r>
             <a:endParaRPr lang="tr-TR" dirty="0"/>
           </a:p>
@@ -6285,6 +7762,42 @@
           </a:p>
         </p:txBody>
       </p:sp>
+      <p:pic>
+        <p:nvPicPr>
+          <p:cNvPr id="4" name="Picture 3">
+            <a:extLst>
+              <a:ext uri="{FF2B5EF4-FFF2-40B4-BE49-F238E27FC236}">
+                <a16:creationId xmlns:a16="http://schemas.microsoft.com/office/drawing/2014/main" id="{D84EFD41-2246-41DE-F76C-974DA0580B88}"/>
+              </a:ext>
+            </a:extLst>
+          </p:cNvPr>
+          <p:cNvPicPr>
+            <a:picLocks noChangeAspect="1"/>
+          </p:cNvPicPr>
+          <p:nvPr/>
+        </p:nvPicPr>
+        <p:blipFill>
+          <a:blip r:embed="rId2">
+            <a:extLst>
+              <a:ext uri="{28A0092B-C50C-407E-A947-70E740481C1C}">
+                <a14:useLocalDpi xmlns:a14="http://schemas.microsoft.com/office/drawing/2010/main" val="0"/>
+              </a:ext>
+            </a:extLst>
+          </a:blip>
+          <a:stretch>
+            <a:fillRect/>
+          </a:stretch>
+        </p:blipFill>
+        <p:spPr>
+          <a:xfrm>
+            <a:off x="10486862" y="1"/>
+            <a:ext cx="1705138" cy="949314"/>
+          </a:xfrm>
+          <a:prstGeom prst="rect">
+            <a:avLst/>
+          </a:prstGeom>
+        </p:spPr>
+      </p:pic>
     </p:spTree>
     <p:extLst>
       <p:ext uri="{BB962C8B-B14F-4D97-AF65-F5344CB8AC3E}">
@@ -6591,4 +8104,299 @@
     </a:ext>
   </a:extLst>
 </a:theme>
+</file>
+
+<file path=ppt/theme/theme2.xml><?xml version="1.0" encoding="utf-8"?>
+<a:theme xmlns:a="http://schemas.openxmlformats.org/drawingml/2006/main" name="Office Theme">
+  <a:themeElements>
+    <a:clrScheme name="Office">
+      <a:dk1>
+        <a:sysClr val="windowText" lastClr="000000"/>
+      </a:dk1>
+      <a:lt1>
+        <a:sysClr val="window" lastClr="FFFFFF"/>
+      </a:lt1>
+      <a:dk2>
+        <a:srgbClr val="44546A"/>
+      </a:dk2>
+      <a:lt2>
+        <a:srgbClr val="E7E6E6"/>
+      </a:lt2>
+      <a:accent1>
+        <a:srgbClr val="4472C4"/>
+      </a:accent1>
+      <a:accent2>
+        <a:srgbClr val="ED7D31"/>
+      </a:accent2>
+      <a:accent3>
+        <a:srgbClr val="A5A5A5"/>
+      </a:accent3>
+      <a:accent4>
+        <a:srgbClr val="FFC000"/>
+      </a:accent4>
+      <a:accent5>
+        <a:srgbClr val="5B9BD5"/>
+      </a:accent5>
+      <a:accent6>
+        <a:srgbClr val="70AD47"/>
+      </a:accent6>
+      <a:hlink>
+        <a:srgbClr val="0563C1"/>
+      </a:hlink>
+      <a:folHlink>
+        <a:srgbClr val="954F72"/>
+      </a:folHlink>
+    </a:clrScheme>
+    <a:fontScheme name="Office">
+      <a:majorFont>
+        <a:latin typeface="Calibri Light" panose="020F0302020204030204"/>
+        <a:ea typeface=""/>
+        <a:cs typeface=""/>
+        <a:font script="Jpan" typeface="游ゴシック Light"/>
+        <a:font script="Hang" typeface="맑은 고딕"/>
+        <a:font script="Hans" typeface="等线 Light"/>
+        <a:font script="Hant" typeface="新細明體"/>
+        <a:font script="Arab" typeface="Times New Roman"/>
+        <a:font script="Hebr" typeface="Times New Roman"/>
+        <a:font script="Thai" typeface="Angsana New"/>
+        <a:font script="Ethi" typeface="Nyala"/>
+        <a:font script="Beng" typeface="Vrinda"/>
+        <a:font script="Gujr" typeface="Shruti"/>
+        <a:font script="Khmr" typeface="MoolBoran"/>
+        <a:font script="Knda" typeface="Tunga"/>
+        <a:font script="Guru" typeface="Raavi"/>
+        <a:font script="Cans" typeface="Euphemia"/>
+        <a:font script="Cher" typeface="Plantagenet Cherokee"/>
+        <a:font script="Yiii" typeface="Microsoft Yi Baiti"/>
+        <a:font script="Tibt" typeface="Microsoft Himalaya"/>
+        <a:font script="Thaa" typeface="MV Boli"/>
+        <a:font script="Deva" typeface="Mangal"/>
+        <a:font script="Telu" typeface="Gautami"/>
+        <a:font script="Taml" typeface="Latha"/>
+        <a:font script="Syrc" typeface="Estrangelo Edessa"/>
+        <a:font script="Orya" typeface="Kalinga"/>
+        <a:font script="Mlym" typeface="Kartika"/>
+        <a:font script="Laoo" typeface="DokChampa"/>
+        <a:font script="Sinh" typeface="Iskoola Pota"/>
+        <a:font script="Mong" typeface="Mongolian Baiti"/>
+        <a:font script="Viet" typeface="Times New Roman"/>
+        <a:font script="Uigh" typeface="Microsoft Uighur"/>
+        <a:font script="Geor" typeface="Sylfaen"/>
+        <a:font script="Armn" typeface="Arial"/>
+        <a:font script="Bugi" typeface="Leelawadee UI"/>
+        <a:font script="Bopo" typeface="Microsoft JhengHei"/>
+        <a:font script="Java" typeface="Javanese Text"/>
+        <a:font script="Lisu" typeface="Segoe UI"/>
+        <a:font script="Mymr" typeface="Myanmar Text"/>
+        <a:font script="Nkoo" typeface="Ebrima"/>
+        <a:font script="Olck" typeface="Nirmala UI"/>
+        <a:font script="Osma" typeface="Ebrima"/>
+        <a:font script="Phag" typeface="Phagspa"/>
+        <a:font script="Syrn" typeface="Estrangelo Edessa"/>
+        <a:font script="Syrj" typeface="Estrangelo Edessa"/>
+        <a:font script="Syre" typeface="Estrangelo Edessa"/>
+        <a:font script="Sora" typeface="Nirmala UI"/>
+        <a:font script="Tale" typeface="Microsoft Tai Le"/>
+        <a:font script="Talu" typeface="Microsoft New Tai Lue"/>
+        <a:font script="Tfng" typeface="Ebrima"/>
+      </a:majorFont>
+      <a:minorFont>
+        <a:latin typeface="Calibri" panose="020F0502020204030204"/>
+        <a:ea typeface=""/>
+        <a:cs typeface=""/>
+        <a:font script="Jpan" typeface="游ゴシック"/>
+        <a:font script="Hang" typeface="맑은 고딕"/>
+        <a:font script="Hans" typeface="等线"/>
+        <a:font script="Hant" typeface="新細明體"/>
+        <a:font script="Arab" typeface="Arial"/>
+        <a:font script="Hebr" typeface="Arial"/>
+        <a:font script="Thai" typeface="Cordia New"/>
+        <a:font script="Ethi" typeface="Nyala"/>
+        <a:font script="Beng" typeface="Vrinda"/>
+        <a:font script="Gujr" typeface="Shruti"/>
+        <a:font script="Khmr" typeface="DaunPenh"/>
+        <a:font script="Knda" typeface="Tunga"/>
+        <a:font script="Guru" typeface="Raavi"/>
+        <a:font script="Cans" typeface="Euphemia"/>
+        <a:font script="Cher" typeface="Plantagenet Cherokee"/>
+        <a:font script="Yiii" typeface="Microsoft Yi Baiti"/>
+        <a:font script="Tibt" typeface="Microsoft Himalaya"/>
+        <a:font script="Thaa" typeface="MV Boli"/>
+        <a:font script="Deva" typeface="Mangal"/>
+        <a:font script="Telu" typeface="Gautami"/>
+        <a:font script="Taml" typeface="Latha"/>
+        <a:font script="Syrc" typeface="Estrangelo Edessa"/>
+        <a:font script="Orya" typeface="Kalinga"/>
+        <a:font script="Mlym" typeface="Kartika"/>
+        <a:font script="Laoo" typeface="DokChampa"/>
+        <a:font script="Sinh" typeface="Iskoola Pota"/>
+        <a:font script="Mong" typeface="Mongolian Baiti"/>
+        <a:font script="Viet" typeface="Arial"/>
+        <a:font script="Uigh" typeface="Microsoft Uighur"/>
+        <a:font script="Geor" typeface="Sylfaen"/>
+        <a:font script="Armn" typeface="Arial"/>
+        <a:font script="Bugi" typeface="Leelawadee UI"/>
+        <a:font script="Bopo" typeface="Microsoft JhengHei"/>
+        <a:font script="Java" typeface="Javanese Text"/>
+        <a:font script="Lisu" typeface="Segoe UI"/>
+        <a:font script="Mymr" typeface="Myanmar Text"/>
+        <a:font script="Nkoo" typeface="Ebrima"/>
+        <a:font script="Olck" typeface="Nirmala UI"/>
+        <a:font script="Osma" typeface="Ebrima"/>
+        <a:font script="Phag" typeface="Phagspa"/>
+        <a:font script="Syrn" typeface="Estrangelo Edessa"/>
+        <a:font script="Syrj" typeface="Estrangelo Edessa"/>
+        <a:font script="Syre" typeface="Estrangelo Edessa"/>
+        <a:font script="Sora" typeface="Nirmala UI"/>
+        <a:font script="Tale" typeface="Microsoft Tai Le"/>
+        <a:font script="Talu" typeface="Microsoft New Tai Lue"/>
+        <a:font script="Tfng" typeface="Ebrima"/>
+      </a:minorFont>
+    </a:fontScheme>
+    <a:fmtScheme name="Office">
+      <a:fillStyleLst>
+        <a:solidFill>
+          <a:schemeClr val="phClr"/>
+        </a:solidFill>
+        <a:gradFill rotWithShape="1">
+          <a:gsLst>
+            <a:gs pos="0">
+              <a:schemeClr val="phClr">
+                <a:lumMod val="110000"/>
+                <a:satMod val="105000"/>
+                <a:tint val="67000"/>
+              </a:schemeClr>
+            </a:gs>
+            <a:gs pos="50000">
+              <a:schemeClr val="phClr">
+                <a:lumMod val="105000"/>
+                <a:satMod val="103000"/>
+                <a:tint val="73000"/>
+              </a:schemeClr>
+            </a:gs>
+            <a:gs pos="100000">
+              <a:schemeClr val="phClr">
+                <a:lumMod val="105000"/>
+                <a:satMod val="109000"/>
+                <a:tint val="81000"/>
+              </a:schemeClr>
+            </a:gs>
+          </a:gsLst>
+          <a:lin ang="5400000" scaled="0"/>
+        </a:gradFill>
+        <a:gradFill rotWithShape="1">
+          <a:gsLst>
+            <a:gs pos="0">
+              <a:schemeClr val="phClr">
+                <a:satMod val="103000"/>
+                <a:lumMod val="102000"/>
+                <a:tint val="94000"/>
+              </a:schemeClr>
+            </a:gs>
+            <a:gs pos="50000">
+              <a:schemeClr val="phClr">
+                <a:satMod val="110000"/>
+                <a:lumMod val="100000"/>
+                <a:shade val="100000"/>
+              </a:schemeClr>
+            </a:gs>
+            <a:gs pos="100000">
+              <a:schemeClr val="phClr">
+                <a:lumMod val="99000"/>
+                <a:satMod val="120000"/>
+                <a:shade val="78000"/>
+              </a:schemeClr>
+            </a:gs>
+          </a:gsLst>
+          <a:lin ang="5400000" scaled="0"/>
+        </a:gradFill>
+      </a:fillStyleLst>
+      <a:lnStyleLst>
+        <a:ln w="6350" cap="flat" cmpd="sng" algn="ctr">
+          <a:solidFill>
+            <a:schemeClr val="phClr"/>
+          </a:solidFill>
+          <a:prstDash val="solid"/>
+          <a:miter lim="800000"/>
+        </a:ln>
+        <a:ln w="12700" cap="flat" cmpd="sng" algn="ctr">
+          <a:solidFill>
+            <a:schemeClr val="phClr"/>
+          </a:solidFill>
+          <a:prstDash val="solid"/>
+          <a:miter lim="800000"/>
+        </a:ln>
+        <a:ln w="19050" cap="flat" cmpd="sng" algn="ctr">
+          <a:solidFill>
+            <a:schemeClr val="phClr"/>
+          </a:solidFill>
+          <a:prstDash val="solid"/>
+          <a:miter lim="800000"/>
+        </a:ln>
+      </a:lnStyleLst>
+      <a:effectStyleLst>
+        <a:effectStyle>
+          <a:effectLst/>
+        </a:effectStyle>
+        <a:effectStyle>
+          <a:effectLst/>
+        </a:effectStyle>
+        <a:effectStyle>
+          <a:effectLst>
+            <a:outerShdw blurRad="57150" dist="19050" dir="5400000" algn="ctr" rotWithShape="0">
+              <a:srgbClr val="000000">
+                <a:alpha val="63000"/>
+              </a:srgbClr>
+            </a:outerShdw>
+          </a:effectLst>
+        </a:effectStyle>
+      </a:effectStyleLst>
+      <a:bgFillStyleLst>
+        <a:solidFill>
+          <a:schemeClr val="phClr"/>
+        </a:solidFill>
+        <a:solidFill>
+          <a:schemeClr val="phClr">
+            <a:tint val="95000"/>
+            <a:satMod val="170000"/>
+          </a:schemeClr>
+        </a:solidFill>
+        <a:gradFill rotWithShape="1">
+          <a:gsLst>
+            <a:gs pos="0">
+              <a:schemeClr val="phClr">
+                <a:tint val="93000"/>
+                <a:satMod val="150000"/>
+                <a:shade val="98000"/>
+                <a:lumMod val="102000"/>
+              </a:schemeClr>
+            </a:gs>
+            <a:gs pos="50000">
+              <a:schemeClr val="phClr">
+                <a:tint val="98000"/>
+                <a:satMod val="130000"/>
+                <a:shade val="90000"/>
+                <a:lumMod val="103000"/>
+              </a:schemeClr>
+            </a:gs>
+            <a:gs pos="100000">
+              <a:schemeClr val="phClr">
+                <a:shade val="63000"/>
+                <a:satMod val="120000"/>
+              </a:schemeClr>
+            </a:gs>
+          </a:gsLst>
+          <a:lin ang="5400000" scaled="0"/>
+        </a:gradFill>
+      </a:bgFillStyleLst>
+    </a:fmtScheme>
+  </a:themeElements>
+  <a:objectDefaults/>
+  <a:extraClrSchemeLst/>
+  <a:extLst>
+    <a:ext uri="{05A4C25C-085E-4340-85A3-A5531E510DB2}">
+      <thm15:themeFamily xmlns:thm15="http://schemas.microsoft.com/office/thememl/2012/main" name="Office Theme" id="{62F939B6-93AF-4DB8-9C6B-D6C7DFDC589F}" vid="{4A3C46E8-61CC-4603-A589-7422A47A8E4A}"/>
+    </a:ext>
+  </a:extLst>
+</a:theme>
 </file>